--- a/Сливный_презентация_Детекция клонов в исходном коде.pptx
+++ b/Сливный_презентация_Детекция клонов в исходном коде.pptx
@@ -5,7 +5,7 @@
     <p:sldMasterId id="2147483660" r:id="rId1"/>
   </p:sldMasterIdLst>
   <p:notesMasterIdLst>
-    <p:notesMasterId r:id="rId24"/>
+    <p:notesMasterId r:id="rId25"/>
   </p:notesMasterIdLst>
   <p:sldIdLst>
     <p:sldId id="256" r:id="rId2"/>
@@ -13,23 +13,24 @@
     <p:sldId id="291" r:id="rId4"/>
     <p:sldId id="293" r:id="rId5"/>
     <p:sldId id="278" r:id="rId6"/>
-    <p:sldId id="292" r:id="rId7"/>
-    <p:sldId id="290" r:id="rId8"/>
-    <p:sldId id="279" r:id="rId9"/>
-    <p:sldId id="282" r:id="rId10"/>
-    <p:sldId id="296" r:id="rId11"/>
-    <p:sldId id="297" r:id="rId12"/>
-    <p:sldId id="307" r:id="rId13"/>
-    <p:sldId id="308" r:id="rId14"/>
-    <p:sldId id="309" r:id="rId15"/>
-    <p:sldId id="310" r:id="rId16"/>
-    <p:sldId id="311" r:id="rId17"/>
-    <p:sldId id="289" r:id="rId18"/>
-    <p:sldId id="300" r:id="rId19"/>
-    <p:sldId id="287" r:id="rId20"/>
-    <p:sldId id="299" r:id="rId21"/>
-    <p:sldId id="294" r:id="rId22"/>
-    <p:sldId id="301" r:id="rId23"/>
+    <p:sldId id="312" r:id="rId7"/>
+    <p:sldId id="292" r:id="rId8"/>
+    <p:sldId id="290" r:id="rId9"/>
+    <p:sldId id="279" r:id="rId10"/>
+    <p:sldId id="282" r:id="rId11"/>
+    <p:sldId id="296" r:id="rId12"/>
+    <p:sldId id="297" r:id="rId13"/>
+    <p:sldId id="307" r:id="rId14"/>
+    <p:sldId id="308" r:id="rId15"/>
+    <p:sldId id="309" r:id="rId16"/>
+    <p:sldId id="310" r:id="rId17"/>
+    <p:sldId id="311" r:id="rId18"/>
+    <p:sldId id="289" r:id="rId19"/>
+    <p:sldId id="300" r:id="rId20"/>
+    <p:sldId id="287" r:id="rId21"/>
+    <p:sldId id="299" r:id="rId22"/>
+    <p:sldId id="294" r:id="rId23"/>
+    <p:sldId id="301" r:id="rId24"/>
   </p:sldIdLst>
   <p:sldSz cx="12192000" cy="6858000"/>
   <p:notesSz cx="6858000" cy="9144000"/>
@@ -138,6 +139,7 @@
             <p14:sldId id="291"/>
             <p14:sldId id="293"/>
             <p14:sldId id="278"/>
+            <p14:sldId id="312"/>
             <p14:sldId id="292"/>
             <p14:sldId id="290"/>
             <p14:sldId id="279"/>
@@ -630,7 +632,7 @@
           <a:p>
             <a:fld id="{63C59836-F14F-4B59-88C5-E1BDDE302E95}" type="slidenum">
               <a:rPr lang="ru-RU" smtClean="0"/>
-              <a:t>9</a:t>
+              <a:t>10</a:t>
             </a:fld>
             <a:endParaRPr lang="ru-RU"/>
           </a:p>
@@ -714,7 +716,7 @@
           <a:p>
             <a:fld id="{63C59836-F14F-4B59-88C5-E1BDDE302E95}" type="slidenum">
               <a:rPr lang="ru-RU" smtClean="0"/>
-              <a:t>10</a:t>
+              <a:t>11</a:t>
             </a:fld>
             <a:endParaRPr lang="ru-RU"/>
           </a:p>
@@ -798,7 +800,7 @@
           <a:p>
             <a:fld id="{63C59836-F14F-4B59-88C5-E1BDDE302E95}" type="slidenum">
               <a:rPr lang="ru-RU" smtClean="0"/>
-              <a:t>11</a:t>
+              <a:t>12</a:t>
             </a:fld>
             <a:endParaRPr lang="ru-RU"/>
           </a:p>
@@ -882,7 +884,7 @@
           <a:p>
             <a:fld id="{63C59836-F14F-4B59-88C5-E1BDDE302E95}" type="slidenum">
               <a:rPr lang="ru-RU" smtClean="0"/>
-              <a:t>12</a:t>
+              <a:t>13</a:t>
             </a:fld>
             <a:endParaRPr lang="ru-RU"/>
           </a:p>
@@ -975,7 +977,7 @@
           <a:p>
             <a:fld id="{63C59836-F14F-4B59-88C5-E1BDDE302E95}" type="slidenum">
               <a:rPr lang="ru-RU" smtClean="0"/>
-              <a:t>13</a:t>
+              <a:t>14</a:t>
             </a:fld>
             <a:endParaRPr lang="ru-RU"/>
           </a:p>
@@ -1059,7 +1061,7 @@
           <a:p>
             <a:fld id="{63C59836-F14F-4B59-88C5-E1BDDE302E95}" type="slidenum">
               <a:rPr lang="ru-RU" smtClean="0"/>
-              <a:t>14</a:t>
+              <a:t>15</a:t>
             </a:fld>
             <a:endParaRPr lang="ru-RU"/>
           </a:p>
@@ -1143,7 +1145,7 @@
           <a:p>
             <a:fld id="{63C59836-F14F-4B59-88C5-E1BDDE302E95}" type="slidenum">
               <a:rPr lang="ru-RU" smtClean="0"/>
-              <a:t>15</a:t>
+              <a:t>16</a:t>
             </a:fld>
             <a:endParaRPr lang="ru-RU"/>
           </a:p>
@@ -1227,7 +1229,7 @@
           <a:p>
             <a:fld id="{63C59836-F14F-4B59-88C5-E1BDDE302E95}" type="slidenum">
               <a:rPr lang="ru-RU" smtClean="0"/>
-              <a:t>16</a:t>
+              <a:t>17</a:t>
             </a:fld>
             <a:endParaRPr lang="ru-RU"/>
           </a:p>
@@ -4257,7 +4259,7 @@
         <p:spPr>
           <a:xfrm>
             <a:off x="580030" y="4682402"/>
-            <a:ext cx="6506397" cy="954107"/>
+            <a:ext cx="9376285" cy="1815882"/>
           </a:xfrm>
           <a:prstGeom prst="rect">
             <a:avLst/>
@@ -4299,6 +4301,34 @@
               </a:rPr>
               <a:t> Артём Олегович</a:t>
             </a:r>
+          </a:p>
+          <a:p>
+            <a:endParaRPr lang="ru-RU" sz="2800" dirty="0">
+              <a:solidFill>
+                <a:schemeClr val="bg1"/>
+              </a:solidFill>
+              <a:latin typeface="Arial" panose="020B0604020202020204" pitchFamily="34" charset="0"/>
+              <a:cs typeface="Arial" panose="020B0604020202020204" pitchFamily="34" charset="0"/>
+            </a:endParaRPr>
+          </a:p>
+          <a:p>
+            <a:r>
+              <a:rPr lang="en-US" sz="2800">
+                <a:solidFill>
+                  <a:schemeClr val="bg1"/>
+                </a:solidFill>
+                <a:latin typeface="Arial" panose="020B0604020202020204" pitchFamily="34" charset="0"/>
+                <a:cs typeface="Arial" panose="020B0604020202020204" pitchFamily="34" charset="0"/>
+              </a:rPr>
+              <a:t>GitHub: https://github.com/SlivnyiArtem/Samsung_Clones</a:t>
+            </a:r>
+            <a:endParaRPr lang="ru-RU" sz="2800" dirty="0">
+              <a:solidFill>
+                <a:schemeClr val="bg1"/>
+              </a:solidFill>
+              <a:latin typeface="Arial" panose="020B0604020202020204" pitchFamily="34" charset="0"/>
+              <a:cs typeface="Arial" panose="020B0604020202020204" pitchFamily="34" charset="0"/>
+            </a:endParaRPr>
           </a:p>
           <a:p>
             <a:endParaRPr lang="en-US" sz="2800" dirty="0">
@@ -4509,6 +4539,564 @@
         </p:nvSpPr>
         <p:spPr>
           <a:xfrm>
+            <a:off x="1097281" y="1021038"/>
+            <a:ext cx="9991898" cy="661207"/>
+          </a:xfrm>
+          <a:prstGeom prst="rect">
+            <a:avLst/>
+          </a:prstGeom>
+          <a:noFill/>
+        </p:spPr>
+        <p:txBody>
+          <a:bodyPr wrap="square">
+            <a:spAutoFit/>
+          </a:bodyPr>
+          <a:lstStyle/>
+          <a:p>
+            <a:pPr algn="ctr">
+              <a:lnSpc>
+                <a:spcPct val="150000"/>
+              </a:lnSpc>
+              <a:spcAft>
+                <a:spcPts val="800"/>
+              </a:spcAft>
+            </a:pPr>
+            <a:r>
+              <a:rPr lang="ru-RU" sz="2000" b="1" kern="100" dirty="0">
+                <a:solidFill>
+                  <a:srgbClr val="FF0000"/>
+                </a:solidFill>
+                <a:effectLst/>
+                <a:latin typeface="Times New Roman" panose="02020603050405020304" pitchFamily="18" charset="0"/>
+                <a:ea typeface="Aptos" panose="020B0004020202020204" pitchFamily="34" charset="0"/>
+                <a:cs typeface="Times New Roman" panose="02020603050405020304" pitchFamily="18" charset="0"/>
+              </a:rPr>
+              <a:t>Результаты обучения модели </a:t>
+            </a:r>
+            <a:r>
+              <a:rPr lang="en-US" sz="2800" b="1" kern="100" dirty="0" err="1">
+                <a:solidFill>
+                  <a:srgbClr val="FF0000"/>
+                </a:solidFill>
+                <a:effectLst/>
+                <a:latin typeface="Times New Roman" panose="02020603050405020304" pitchFamily="18" charset="0"/>
+                <a:ea typeface="Aptos" panose="020B0004020202020204" pitchFamily="34" charset="0"/>
+                <a:cs typeface="Times New Roman" panose="02020603050405020304" pitchFamily="18" charset="0"/>
+              </a:rPr>
+              <a:t>GraphCodeBert</a:t>
+            </a:r>
+            <a:r>
+              <a:rPr lang="ru-RU" sz="2000" b="1" kern="100" dirty="0">
+                <a:solidFill>
+                  <a:srgbClr val="FF0000"/>
+                </a:solidFill>
+                <a:effectLst/>
+                <a:latin typeface="Times New Roman" panose="02020603050405020304" pitchFamily="18" charset="0"/>
+                <a:ea typeface="Aptos" panose="020B0004020202020204" pitchFamily="34" charset="0"/>
+                <a:cs typeface="Times New Roman" panose="02020603050405020304" pitchFamily="18" charset="0"/>
+              </a:rPr>
+              <a:t> на </a:t>
+            </a:r>
+            <a:r>
+              <a:rPr lang="ru-RU" sz="2000" b="1" kern="100" dirty="0" err="1">
+                <a:solidFill>
+                  <a:srgbClr val="FF0000"/>
+                </a:solidFill>
+                <a:effectLst/>
+                <a:latin typeface="Times New Roman" panose="02020603050405020304" pitchFamily="18" charset="0"/>
+                <a:ea typeface="Aptos" panose="020B0004020202020204" pitchFamily="34" charset="0"/>
+                <a:cs typeface="Times New Roman" panose="02020603050405020304" pitchFamily="18" charset="0"/>
+              </a:rPr>
+              <a:t>неаугментированном</a:t>
+            </a:r>
+            <a:r>
+              <a:rPr lang="ru-RU" sz="2000" b="1" kern="100" dirty="0">
+                <a:solidFill>
+                  <a:srgbClr val="FF0000"/>
+                </a:solidFill>
+                <a:effectLst/>
+                <a:latin typeface="Times New Roman" panose="02020603050405020304" pitchFamily="18" charset="0"/>
+                <a:ea typeface="Aptos" panose="020B0004020202020204" pitchFamily="34" charset="0"/>
+                <a:cs typeface="Times New Roman" panose="02020603050405020304" pitchFamily="18" charset="0"/>
+              </a:rPr>
+              <a:t> </a:t>
+            </a:r>
+            <a:r>
+              <a:rPr lang="ru-RU" sz="2000" b="1" kern="100" dirty="0" err="1">
+                <a:solidFill>
+                  <a:srgbClr val="FF0000"/>
+                </a:solidFill>
+                <a:effectLst/>
+                <a:latin typeface="Times New Roman" panose="02020603050405020304" pitchFamily="18" charset="0"/>
+                <a:ea typeface="Aptos" panose="020B0004020202020204" pitchFamily="34" charset="0"/>
+                <a:cs typeface="Times New Roman" panose="02020603050405020304" pitchFamily="18" charset="0"/>
+              </a:rPr>
+              <a:t>датасете</a:t>
+            </a:r>
+            <a:endParaRPr lang="ru-RU" sz="2000" kern="100" dirty="0">
+              <a:effectLst/>
+              <a:latin typeface="Aptos" panose="020B0004020202020204" pitchFamily="34" charset="0"/>
+              <a:ea typeface="Aptos" panose="020B0004020202020204" pitchFamily="34" charset="0"/>
+              <a:cs typeface="Times New Roman" panose="02020603050405020304" pitchFamily="18" charset="0"/>
+            </a:endParaRPr>
+          </a:p>
+        </p:txBody>
+      </p:sp>
+      <p:sp>
+        <p:nvSpPr>
+          <p:cNvPr id="10" name="TextBox 9">
+            <a:extLst>
+              <a:ext uri="{FF2B5EF4-FFF2-40B4-BE49-F238E27FC236}">
+                <a16:creationId xmlns:a16="http://schemas.microsoft.com/office/drawing/2014/main" id="{779FA153-D11D-61AE-DE78-D30E8EB3A173}"/>
+              </a:ext>
+            </a:extLst>
+          </p:cNvPr>
+          <p:cNvSpPr txBox="1"/>
+          <p:nvPr/>
+        </p:nvSpPr>
+        <p:spPr>
+          <a:xfrm>
+            <a:off x="1392811" y="5759084"/>
+            <a:ext cx="4373246" cy="646331"/>
+          </a:xfrm>
+          <a:prstGeom prst="rect">
+            <a:avLst/>
+          </a:prstGeom>
+          <a:noFill/>
+        </p:spPr>
+        <p:txBody>
+          <a:bodyPr wrap="square">
+            <a:spAutoFit/>
+          </a:bodyPr>
+          <a:lstStyle/>
+          <a:p>
+            <a:pPr algn="ctr"/>
+            <a:r>
+              <a:rPr lang="ru-RU" sz="1800" kern="100" dirty="0">
+                <a:effectLst/>
+                <a:latin typeface="Times New Roman" panose="02020603050405020304" pitchFamily="18" charset="0"/>
+                <a:ea typeface="Aptos" panose="020B0004020202020204" pitchFamily="34" charset="0"/>
+                <a:cs typeface="Times New Roman" panose="02020603050405020304" pitchFamily="18" charset="0"/>
+              </a:rPr>
+              <a:t>Графики точности на </a:t>
+            </a:r>
+            <a:r>
+              <a:rPr lang="ru-RU" sz="1800" kern="100" dirty="0">
+                <a:solidFill>
+                  <a:srgbClr val="000392"/>
+                </a:solidFill>
+                <a:effectLst/>
+                <a:latin typeface="Times New Roman" panose="02020603050405020304" pitchFamily="18" charset="0"/>
+                <a:ea typeface="Aptos" panose="020B0004020202020204" pitchFamily="34" charset="0"/>
+                <a:cs typeface="Times New Roman" panose="02020603050405020304" pitchFamily="18" charset="0"/>
+              </a:rPr>
+              <a:t>обучающем</a:t>
+            </a:r>
+            <a:r>
+              <a:rPr lang="ru-RU" sz="1800" kern="100" dirty="0">
+                <a:effectLst/>
+                <a:latin typeface="Times New Roman" panose="02020603050405020304" pitchFamily="18" charset="0"/>
+                <a:ea typeface="Aptos" panose="020B0004020202020204" pitchFamily="34" charset="0"/>
+                <a:cs typeface="Times New Roman" panose="02020603050405020304" pitchFamily="18" charset="0"/>
+              </a:rPr>
+              <a:t> и </a:t>
+            </a:r>
+            <a:r>
+              <a:rPr lang="ru-RU" sz="1800" kern="100" dirty="0">
+                <a:solidFill>
+                  <a:srgbClr val="D2A604"/>
+                </a:solidFill>
+                <a:effectLst/>
+                <a:latin typeface="Times New Roman" panose="02020603050405020304" pitchFamily="18" charset="0"/>
+                <a:ea typeface="Aptos" panose="020B0004020202020204" pitchFamily="34" charset="0"/>
+                <a:cs typeface="Times New Roman" panose="02020603050405020304" pitchFamily="18" charset="0"/>
+              </a:rPr>
+              <a:t>проверочном</a:t>
+            </a:r>
+            <a:r>
+              <a:rPr lang="ru-RU" sz="1800" kern="100" dirty="0">
+                <a:effectLst/>
+                <a:latin typeface="Times New Roman" panose="02020603050405020304" pitchFamily="18" charset="0"/>
+                <a:ea typeface="Aptos" panose="020B0004020202020204" pitchFamily="34" charset="0"/>
+                <a:cs typeface="Times New Roman" panose="02020603050405020304" pitchFamily="18" charset="0"/>
+              </a:rPr>
+              <a:t> наборах данных</a:t>
+            </a:r>
+            <a:endParaRPr lang="ru-RU" sz="1400" kern="100" dirty="0">
+              <a:effectLst/>
+              <a:latin typeface="Aptos" panose="020B0004020202020204" pitchFamily="34" charset="0"/>
+              <a:ea typeface="Aptos" panose="020B0004020202020204" pitchFamily="34" charset="0"/>
+              <a:cs typeface="Times New Roman" panose="02020603050405020304" pitchFamily="18" charset="0"/>
+            </a:endParaRPr>
+          </a:p>
+        </p:txBody>
+      </p:sp>
+      <p:sp>
+        <p:nvSpPr>
+          <p:cNvPr id="13" name="TextBox 12">
+            <a:extLst>
+              <a:ext uri="{FF2B5EF4-FFF2-40B4-BE49-F238E27FC236}">
+                <a16:creationId xmlns:a16="http://schemas.microsoft.com/office/drawing/2014/main" id="{FC8EE14A-2106-55C0-661D-061A599D7B60}"/>
+              </a:ext>
+            </a:extLst>
+          </p:cNvPr>
+          <p:cNvSpPr txBox="1"/>
+          <p:nvPr/>
+        </p:nvSpPr>
+        <p:spPr>
+          <a:xfrm>
+            <a:off x="7613314" y="5773220"/>
+            <a:ext cx="4172260" cy="646331"/>
+          </a:xfrm>
+          <a:prstGeom prst="rect">
+            <a:avLst/>
+          </a:prstGeom>
+          <a:noFill/>
+        </p:spPr>
+        <p:txBody>
+          <a:bodyPr wrap="square">
+            <a:spAutoFit/>
+          </a:bodyPr>
+          <a:lstStyle/>
+          <a:p>
+            <a:pPr algn="ctr"/>
+            <a:r>
+              <a:rPr lang="ru-RU" kern="100" dirty="0">
+                <a:latin typeface="Times New Roman" panose="02020603050405020304" pitchFamily="18" charset="0"/>
+                <a:ea typeface="Aptos" panose="020B0004020202020204" pitchFamily="34" charset="0"/>
+                <a:cs typeface="Times New Roman" panose="02020603050405020304" pitchFamily="18" charset="0"/>
+              </a:rPr>
+              <a:t>Матрица ошибок модели, </a:t>
+            </a:r>
+            <a:r>
+              <a:rPr lang="ru-RU" sz="1800" kern="100" dirty="0">
+                <a:effectLst/>
+                <a:latin typeface="Times New Roman" panose="02020603050405020304" pitchFamily="18" charset="0"/>
+                <a:ea typeface="Aptos" panose="020B0004020202020204" pitchFamily="34" charset="0"/>
+                <a:cs typeface="Times New Roman" panose="02020603050405020304" pitchFamily="18" charset="0"/>
+              </a:rPr>
+              <a:t>обученной </a:t>
+            </a:r>
+          </a:p>
+          <a:p>
+            <a:pPr algn="ctr"/>
+            <a:r>
+              <a:rPr lang="ru-RU" sz="1800" kern="100" dirty="0">
+                <a:effectLst/>
+                <a:latin typeface="Times New Roman" panose="02020603050405020304" pitchFamily="18" charset="0"/>
+                <a:ea typeface="Aptos" panose="020B0004020202020204" pitchFamily="34" charset="0"/>
+                <a:cs typeface="Times New Roman" panose="02020603050405020304" pitchFamily="18" charset="0"/>
+              </a:rPr>
+              <a:t>на </a:t>
+            </a:r>
+            <a:r>
+              <a:rPr lang="ru-RU" sz="1800" kern="100" dirty="0" err="1">
+                <a:effectLst/>
+                <a:latin typeface="Times New Roman" panose="02020603050405020304" pitchFamily="18" charset="0"/>
+                <a:ea typeface="Aptos" panose="020B0004020202020204" pitchFamily="34" charset="0"/>
+                <a:cs typeface="Times New Roman" panose="02020603050405020304" pitchFamily="18" charset="0"/>
+              </a:rPr>
+              <a:t>неаугментированных</a:t>
+            </a:r>
+            <a:r>
+              <a:rPr lang="ru-RU" sz="1800" kern="100" dirty="0">
+                <a:effectLst/>
+                <a:latin typeface="Times New Roman" panose="02020603050405020304" pitchFamily="18" charset="0"/>
+                <a:ea typeface="Aptos" panose="020B0004020202020204" pitchFamily="34" charset="0"/>
+                <a:cs typeface="Times New Roman" panose="02020603050405020304" pitchFamily="18" charset="0"/>
+              </a:rPr>
+              <a:t> данных</a:t>
+            </a:r>
+            <a:endParaRPr lang="ru-RU" sz="1400" kern="100" dirty="0">
+              <a:effectLst/>
+              <a:latin typeface="Aptos" panose="020B0004020202020204" pitchFamily="34" charset="0"/>
+              <a:ea typeface="Aptos" panose="020B0004020202020204" pitchFamily="34" charset="0"/>
+              <a:cs typeface="Times New Roman" panose="02020603050405020304" pitchFamily="18" charset="0"/>
+            </a:endParaRPr>
+          </a:p>
+        </p:txBody>
+      </p:sp>
+      <p:sp>
+        <p:nvSpPr>
+          <p:cNvPr id="6" name="Номер слайда 5">
+            <a:extLst>
+              <a:ext uri="{FF2B5EF4-FFF2-40B4-BE49-F238E27FC236}">
+                <a16:creationId xmlns:a16="http://schemas.microsoft.com/office/drawing/2014/main" id="{9735C272-0E78-B509-7622-A939616B6487}"/>
+              </a:ext>
+            </a:extLst>
+          </p:cNvPr>
+          <p:cNvSpPr>
+            <a:spLocks noGrp="1"/>
+          </p:cNvSpPr>
+          <p:nvPr>
+            <p:ph type="sldNum" sz="quarter" idx="12"/>
+          </p:nvPr>
+        </p:nvSpPr>
+        <p:spPr>
+          <a:xfrm>
+            <a:off x="8570424" y="6391793"/>
+            <a:ext cx="2743200" cy="365125"/>
+          </a:xfrm>
+        </p:spPr>
+        <p:txBody>
+          <a:bodyPr/>
+          <a:lstStyle/>
+          <a:p>
+            <a:fld id="{FF9AC15E-FCD1-4167-800F-1DB8497ABFCE}" type="slidenum">
+              <a:rPr lang="ru-RU" sz="1800" b="1" smtClean="0">
+                <a:solidFill>
+                  <a:schemeClr val="tx1"/>
+                </a:solidFill>
+              </a:rPr>
+              <a:t>10</a:t>
+            </a:fld>
+            <a:endParaRPr lang="ru-RU" sz="1800" b="1" dirty="0">
+              <a:solidFill>
+                <a:schemeClr val="tx1"/>
+              </a:solidFill>
+            </a:endParaRPr>
+          </a:p>
+        </p:txBody>
+      </p:sp>
+      <p:pic>
+        <p:nvPicPr>
+          <p:cNvPr id="12" name="Рисунок 11" descr="Изображение выглядит как текст, диаграмма, линия, График&#10;&#10;Автоматически созданное описание">
+            <a:extLst>
+              <a:ext uri="{FF2B5EF4-FFF2-40B4-BE49-F238E27FC236}">
+                <a16:creationId xmlns:a16="http://schemas.microsoft.com/office/drawing/2014/main" id="{9502E009-1C8A-ADFF-5A6E-0E62368B033B}"/>
+              </a:ext>
+            </a:extLst>
+          </p:cNvPr>
+          <p:cNvPicPr>
+            <a:picLocks noChangeAspect="1"/>
+          </p:cNvPicPr>
+          <p:nvPr/>
+        </p:nvPicPr>
+        <p:blipFill rotWithShape="1">
+          <a:blip r:embed="rId4">
+            <a:extLst>
+              <a:ext uri="{28A0092B-C50C-407E-A947-70E740481C1C}">
+                <a14:useLocalDpi xmlns:a14="http://schemas.microsoft.com/office/drawing/2010/main" val="0"/>
+              </a:ext>
+            </a:extLst>
+          </a:blip>
+          <a:srcRect l="4640" t="7040" r="9451" b="-723"/>
+          <a:stretch/>
+        </p:blipFill>
+        <p:spPr>
+          <a:xfrm>
+            <a:off x="258972" y="1871996"/>
+            <a:ext cx="6698654" cy="3911056"/>
+          </a:xfrm>
+          <a:prstGeom prst="rect">
+            <a:avLst/>
+          </a:prstGeom>
+        </p:spPr>
+      </p:pic>
+      <p:pic>
+        <p:nvPicPr>
+          <p:cNvPr id="15" name="Рисунок 14" descr="Изображение выглядит как текст, снимок экрана, диаграмма, Красочность&#10;&#10;Автоматически созданное описание">
+            <a:extLst>
+              <a:ext uri="{FF2B5EF4-FFF2-40B4-BE49-F238E27FC236}">
+                <a16:creationId xmlns:a16="http://schemas.microsoft.com/office/drawing/2014/main" id="{B63F6910-B560-A1EB-08FA-FEA9D049FEF6}"/>
+              </a:ext>
+            </a:extLst>
+          </p:cNvPr>
+          <p:cNvPicPr>
+            <a:picLocks noChangeAspect="1"/>
+          </p:cNvPicPr>
+          <p:nvPr/>
+        </p:nvPicPr>
+        <p:blipFill rotWithShape="1">
+          <a:blip r:embed="rId5">
+            <a:extLst>
+              <a:ext uri="{28A0092B-C50C-407E-A947-70E740481C1C}">
+                <a14:useLocalDpi xmlns:a14="http://schemas.microsoft.com/office/drawing/2010/main" val="0"/>
+              </a:ext>
+            </a:extLst>
+          </a:blip>
+          <a:srcRect l="9320" t="-2890" r="7330" b="-1312"/>
+          <a:stretch/>
+        </p:blipFill>
+        <p:spPr>
+          <a:xfrm>
+            <a:off x="7561005" y="1457287"/>
+            <a:ext cx="4521933" cy="4239942"/>
+          </a:xfrm>
+          <a:prstGeom prst="rect">
+            <a:avLst/>
+          </a:prstGeom>
+        </p:spPr>
+      </p:pic>
+    </p:spTree>
+    <p:extLst>
+      <p:ext uri="{BB962C8B-B14F-4D97-AF65-F5344CB8AC3E}">
+        <p14:creationId xmlns:p14="http://schemas.microsoft.com/office/powerpoint/2010/main" val="1541915780"/>
+      </p:ext>
+    </p:extLst>
+  </p:cSld>
+  <p:clrMapOvr>
+    <a:masterClrMapping/>
+  </p:clrMapOvr>
+</p:sld>
+</file>
+
+<file path=ppt/slides/slide11.xml><?xml version="1.0" encoding="utf-8"?>
+<p:sld xmlns:a="http://schemas.openxmlformats.org/drawingml/2006/main" xmlns:r="http://schemas.openxmlformats.org/officeDocument/2006/relationships" xmlns:p="http://schemas.openxmlformats.org/presentationml/2006/main">
+  <p:cSld>
+    <p:spTree>
+      <p:nvGrpSpPr>
+        <p:cNvPr id="1" name=""/>
+        <p:cNvGrpSpPr/>
+        <p:nvPr/>
+      </p:nvGrpSpPr>
+      <p:grpSpPr>
+        <a:xfrm>
+          <a:off x="0" y="0"/>
+          <a:ext cx="0" cy="0"/>
+          <a:chOff x="0" y="0"/>
+          <a:chExt cx="0" cy="0"/>
+        </a:xfrm>
+      </p:grpSpPr>
+      <p:pic>
+        <p:nvPicPr>
+          <p:cNvPr id="2" name="Объект 1"/>
+          <p:cNvPicPr>
+            <a:picLocks noGrp="1" noChangeAspect="1"/>
+          </p:cNvPicPr>
+          <p:nvPr>
+            <p:ph idx="1"/>
+          </p:nvPr>
+        </p:nvPicPr>
+        <p:blipFill rotWithShape="1">
+          <a:blip r:embed="rId3" cstate="print">
+            <a:extLst>
+              <a:ext uri="{28A0092B-C50C-407E-A947-70E740481C1C}">
+                <a14:useLocalDpi xmlns:a14="http://schemas.microsoft.com/office/drawing/2010/main" val="0"/>
+              </a:ext>
+            </a:extLst>
+          </a:blip>
+          <a:srcRect r="40340"/>
+          <a:stretch/>
+        </p:blipFill>
+        <p:spPr>
+          <a:xfrm>
+            <a:off x="603100" y="319559"/>
+            <a:ext cx="1342931" cy="434420"/>
+          </a:xfrm>
+        </p:spPr>
+      </p:pic>
+      <p:sp>
+        <p:nvSpPr>
+          <p:cNvPr id="3" name="Прямоугольник 2"/>
+          <p:cNvSpPr/>
+          <p:nvPr/>
+        </p:nvSpPr>
+        <p:spPr>
+          <a:xfrm flipV="1">
+            <a:off x="925620" y="920165"/>
+            <a:ext cx="10865327" cy="21600"/>
+          </a:xfrm>
+          <a:prstGeom prst="rect">
+            <a:avLst/>
+          </a:prstGeom>
+          <a:solidFill>
+            <a:srgbClr val="E20443"/>
+          </a:solidFill>
+          <a:ln>
+            <a:noFill/>
+          </a:ln>
+        </p:spPr>
+        <p:style>
+          <a:lnRef idx="2">
+            <a:schemeClr val="accent1">
+              <a:shade val="50000"/>
+            </a:schemeClr>
+          </a:lnRef>
+          <a:fillRef idx="1">
+            <a:schemeClr val="accent1"/>
+          </a:fillRef>
+          <a:effectRef idx="0">
+            <a:schemeClr val="accent1"/>
+          </a:effectRef>
+          <a:fontRef idx="minor">
+            <a:schemeClr val="lt1"/>
+          </a:fontRef>
+        </p:style>
+        <p:txBody>
+          <a:bodyPr rtlCol="0" anchor="ctr"/>
+          <a:lstStyle/>
+          <a:p>
+            <a:pPr algn="ctr"/>
+            <a:endParaRPr lang="ru-RU">
+              <a:solidFill>
+                <a:srgbClr val="E20443"/>
+              </a:solidFill>
+            </a:endParaRPr>
+          </a:p>
+        </p:txBody>
+      </p:sp>
+      <p:sp>
+        <p:nvSpPr>
+          <p:cNvPr id="7" name="TextBox 6">
+            <a:extLst>
+              <a:ext uri="{FF2B5EF4-FFF2-40B4-BE49-F238E27FC236}">
+                <a16:creationId xmlns:a16="http://schemas.microsoft.com/office/drawing/2014/main" id="{64F13B2E-9612-48F5-B1E5-19CAC67F0E83}"/>
+              </a:ext>
+            </a:extLst>
+          </p:cNvPr>
+          <p:cNvSpPr txBox="1"/>
+          <p:nvPr/>
+        </p:nvSpPr>
+        <p:spPr>
+          <a:xfrm>
+            <a:off x="1029532" y="258147"/>
+            <a:ext cx="10184234" cy="769441"/>
+          </a:xfrm>
+          <a:prstGeom prst="rect">
+            <a:avLst/>
+          </a:prstGeom>
+          <a:noFill/>
+        </p:spPr>
+        <p:txBody>
+          <a:bodyPr wrap="square" rtlCol="0">
+            <a:spAutoFit/>
+          </a:bodyPr>
+          <a:lstStyle/>
+          <a:p>
+            <a:pPr algn="ctr"/>
+            <a:r>
+              <a:rPr lang="ru-RU" sz="4400" b="1" dirty="0">
+                <a:solidFill>
+                  <a:srgbClr val="000392"/>
+                </a:solidFill>
+                <a:cs typeface="Latha" panose="020B0502040204020203" pitchFamily="34" charset="0"/>
+              </a:rPr>
+              <a:t>Результаты</a:t>
+            </a:r>
+            <a:endParaRPr lang="ru-RU" sz="5400" b="1" dirty="0">
+              <a:solidFill>
+                <a:srgbClr val="000392"/>
+              </a:solidFill>
+              <a:cs typeface="Latha" panose="020B0502040204020203" pitchFamily="34" charset="0"/>
+            </a:endParaRPr>
+          </a:p>
+        </p:txBody>
+      </p:sp>
+      <p:sp>
+        <p:nvSpPr>
+          <p:cNvPr id="5" name="TextBox 4">
+            <a:extLst>
+              <a:ext uri="{FF2B5EF4-FFF2-40B4-BE49-F238E27FC236}">
+                <a16:creationId xmlns:a16="http://schemas.microsoft.com/office/drawing/2014/main" id="{13FB529B-10B9-296E-4512-52F429CEB733}"/>
+              </a:ext>
+            </a:extLst>
+          </p:cNvPr>
+          <p:cNvSpPr txBox="1"/>
+          <p:nvPr/>
+        </p:nvSpPr>
+        <p:spPr>
+          <a:xfrm>
             <a:off x="1669157" y="1179068"/>
             <a:ext cx="8876959" cy="507190"/>
           </a:xfrm>
@@ -4697,7 +5285,7 @@
                   <a:schemeClr val="tx1"/>
                 </a:solidFill>
               </a:rPr>
-              <a:t>10</a:t>
+              <a:t>11</a:t>
             </a:fld>
             <a:endParaRPr lang="ru-RU" sz="1800" b="1" dirty="0">
               <a:solidFill>
@@ -4926,7 +5514,7 @@
 </p:sld>
 </file>
 
-<file path=ppt/slides/slide11.xml><?xml version="1.0" encoding="utf-8"?>
+<file path=ppt/slides/slide12.xml><?xml version="1.0" encoding="utf-8"?>
 <p:sld xmlns:a="http://schemas.openxmlformats.org/drawingml/2006/main" xmlns:r="http://schemas.openxmlformats.org/officeDocument/2006/relationships" xmlns:p="http://schemas.openxmlformats.org/presentationml/2006/main">
   <p:cSld>
     <p:spTree>
@@ -5200,7 +5788,7 @@
                   <a:schemeClr val="tx1"/>
                 </a:solidFill>
               </a:rPr>
-              <a:t>11</a:t>
+              <a:t>12</a:t>
             </a:fld>
             <a:endParaRPr lang="ru-RU" sz="1800" b="1" dirty="0">
               <a:solidFill>
@@ -5519,7 +6107,7 @@
 </p:sld>
 </file>
 
-<file path=ppt/slides/slide12.xml><?xml version="1.0" encoding="utf-8"?>
+<file path=ppt/slides/slide13.xml><?xml version="1.0" encoding="utf-8"?>
 <p:sld xmlns:a="http://schemas.openxmlformats.org/drawingml/2006/main" xmlns:r="http://schemas.openxmlformats.org/officeDocument/2006/relationships" xmlns:p="http://schemas.openxmlformats.org/presentationml/2006/main">
   <p:cSld>
     <p:spTree>
@@ -5793,7 +6381,7 @@
                   <a:schemeClr val="tx1"/>
                 </a:solidFill>
               </a:rPr>
-              <a:t>12</a:t>
+              <a:t>13</a:t>
             </a:fld>
             <a:endParaRPr lang="ru-RU" sz="1800" b="1" dirty="0">
               <a:solidFill>
@@ -6092,7 +6680,7 @@
 </p:sld>
 </file>
 
-<file path=ppt/slides/slide13.xml><?xml version="1.0" encoding="utf-8"?>
+<file path=ppt/slides/slide14.xml><?xml version="1.0" encoding="utf-8"?>
 <p:sld xmlns:a="http://schemas.openxmlformats.org/drawingml/2006/main" xmlns:r="http://schemas.openxmlformats.org/officeDocument/2006/relationships" xmlns:p="http://schemas.openxmlformats.org/presentationml/2006/main">
   <p:cSld>
     <p:spTree>
@@ -6552,7 +7140,7 @@
                   <a:schemeClr val="tx1"/>
                 </a:solidFill>
               </a:rPr>
-              <a:t>13</a:t>
+              <a:t>14</a:t>
             </a:fld>
             <a:endParaRPr lang="ru-RU" sz="1800" b="1" dirty="0">
               <a:solidFill>
@@ -6645,7 +7233,7 @@
 </p:sld>
 </file>
 
-<file path=ppt/slides/slide14.xml><?xml version="1.0" encoding="utf-8"?>
+<file path=ppt/slides/slide15.xml><?xml version="1.0" encoding="utf-8"?>
 <p:sld xmlns:a="http://schemas.openxmlformats.org/drawingml/2006/main" xmlns:r="http://schemas.openxmlformats.org/officeDocument/2006/relationships" xmlns:p="http://schemas.openxmlformats.org/presentationml/2006/main">
   <p:cSld>
     <p:spTree>
@@ -6989,7 +7577,7 @@
                   <a:schemeClr val="tx1"/>
                 </a:solidFill>
               </a:rPr>
-              <a:t>14</a:t>
+              <a:t>15</a:t>
             </a:fld>
             <a:endParaRPr lang="ru-RU" sz="1800" b="1" dirty="0">
               <a:solidFill>
@@ -7218,7 +7806,7 @@
 </p:sld>
 </file>
 
-<file path=ppt/slides/slide15.xml><?xml version="1.0" encoding="utf-8"?>
+<file path=ppt/slides/slide16.xml><?xml version="1.0" encoding="utf-8"?>
 <p:sld xmlns:a="http://schemas.openxmlformats.org/drawingml/2006/main" xmlns:r="http://schemas.openxmlformats.org/officeDocument/2006/relationships" xmlns:p="http://schemas.openxmlformats.org/presentationml/2006/main">
   <p:cSld>
     <p:spTree>
@@ -7583,7 +8171,7 @@
                   <a:schemeClr val="tx1"/>
                 </a:solidFill>
               </a:rPr>
-              <a:t>15</a:t>
+              <a:t>16</a:t>
             </a:fld>
             <a:endParaRPr lang="ru-RU" sz="1800" b="1" dirty="0">
               <a:solidFill>
@@ -7812,7 +8400,7 @@
 </p:sld>
 </file>
 
-<file path=ppt/slides/slide16.xml><?xml version="1.0" encoding="utf-8"?>
+<file path=ppt/slides/slide17.xml><?xml version="1.0" encoding="utf-8"?>
 <p:sld xmlns:a="http://schemas.openxmlformats.org/drawingml/2006/main" xmlns:r="http://schemas.openxmlformats.org/officeDocument/2006/relationships" xmlns:p="http://schemas.openxmlformats.org/presentationml/2006/main">
   <p:cSld>
     <p:spTree>
@@ -8156,7 +8744,7 @@
                   <a:schemeClr val="tx1"/>
                 </a:solidFill>
               </a:rPr>
-              <a:t>16</a:t>
+              <a:t>17</a:t>
             </a:fld>
             <a:endParaRPr lang="ru-RU" sz="1800" b="1" dirty="0">
               <a:solidFill>
@@ -8384,7 +8972,7 @@
 </p:sld>
 </file>
 
-<file path=ppt/slides/slide17.xml><?xml version="1.0" encoding="utf-8"?>
+<file path=ppt/slides/slide18.xml><?xml version="1.0" encoding="utf-8"?>
 <p:sld xmlns:a="http://schemas.openxmlformats.org/drawingml/2006/main" xmlns:r="http://schemas.openxmlformats.org/officeDocument/2006/relationships" xmlns:p="http://schemas.openxmlformats.org/presentationml/2006/main">
   <p:cSld>
     <p:spTree>
@@ -11188,7 +11776,7 @@
                   <a:schemeClr val="tx1"/>
                 </a:solidFill>
               </a:rPr>
-              <a:t>17</a:t>
+              <a:t>18</a:t>
             </a:fld>
             <a:endParaRPr lang="ru-RU" sz="1800" b="1" dirty="0">
               <a:solidFill>
@@ -11211,7 +11799,7 @@
 </p:sld>
 </file>
 
-<file path=ppt/slides/slide18.xml><?xml version="1.0" encoding="utf-8"?>
+<file path=ppt/slides/slide19.xml><?xml version="1.0" encoding="utf-8"?>
 <p:sld xmlns:a="http://schemas.openxmlformats.org/drawingml/2006/main" xmlns:r="http://schemas.openxmlformats.org/officeDocument/2006/relationships" xmlns:p="http://schemas.openxmlformats.org/presentationml/2006/main">
   <p:cSld>
     <p:spTree>
@@ -11454,7 +12042,7 @@
                   <a:schemeClr val="tx1"/>
                 </a:solidFill>
               </a:rPr>
-              <a:t>18</a:t>
+              <a:t>19</a:t>
             </a:fld>
             <a:endParaRPr lang="ru-RU" sz="1800" b="1" dirty="0">
               <a:solidFill>
@@ -11563,243 +12151,6 @@
 </p:sld>
 </file>
 
-<file path=ppt/slides/slide19.xml><?xml version="1.0" encoding="utf-8"?>
-<p:sld xmlns:a="http://schemas.openxmlformats.org/drawingml/2006/main" xmlns:r="http://schemas.openxmlformats.org/officeDocument/2006/relationships" xmlns:p="http://schemas.openxmlformats.org/presentationml/2006/main">
-  <p:cSld>
-    <p:spTree>
-      <p:nvGrpSpPr>
-        <p:cNvPr id="1" name=""/>
-        <p:cNvGrpSpPr/>
-        <p:nvPr/>
-      </p:nvGrpSpPr>
-      <p:grpSpPr>
-        <a:xfrm>
-          <a:off x="0" y="0"/>
-          <a:ext cx="0" cy="0"/>
-          <a:chOff x="0" y="0"/>
-          <a:chExt cx="0" cy="0"/>
-        </a:xfrm>
-      </p:grpSpPr>
-      <p:pic>
-        <p:nvPicPr>
-          <p:cNvPr id="2" name="Объект 1"/>
-          <p:cNvPicPr>
-            <a:picLocks noGrp="1" noChangeAspect="1"/>
-          </p:cNvPicPr>
-          <p:nvPr>
-            <p:ph idx="1"/>
-          </p:nvPr>
-        </p:nvPicPr>
-        <p:blipFill rotWithShape="1">
-          <a:blip r:embed="rId2" cstate="print">
-            <a:extLst>
-              <a:ext uri="{28A0092B-C50C-407E-A947-70E740481C1C}">
-                <a14:useLocalDpi xmlns:a14="http://schemas.microsoft.com/office/drawing/2010/main" val="0"/>
-              </a:ext>
-            </a:extLst>
-          </a:blip>
-          <a:srcRect r="40340"/>
-          <a:stretch/>
-        </p:blipFill>
-        <p:spPr>
-          <a:xfrm>
-            <a:off x="603100" y="319559"/>
-            <a:ext cx="1342931" cy="434420"/>
-          </a:xfrm>
-        </p:spPr>
-      </p:pic>
-      <p:sp>
-        <p:nvSpPr>
-          <p:cNvPr id="3" name="Прямоугольник 2"/>
-          <p:cNvSpPr/>
-          <p:nvPr/>
-        </p:nvSpPr>
-        <p:spPr>
-          <a:xfrm flipV="1">
-            <a:off x="925620" y="920165"/>
-            <a:ext cx="10865327" cy="21600"/>
-          </a:xfrm>
-          <a:prstGeom prst="rect">
-            <a:avLst/>
-          </a:prstGeom>
-          <a:solidFill>
-            <a:srgbClr val="E20443"/>
-          </a:solidFill>
-          <a:ln>
-            <a:noFill/>
-          </a:ln>
-        </p:spPr>
-        <p:style>
-          <a:lnRef idx="2">
-            <a:schemeClr val="accent1">
-              <a:shade val="50000"/>
-            </a:schemeClr>
-          </a:lnRef>
-          <a:fillRef idx="1">
-            <a:schemeClr val="accent1"/>
-          </a:fillRef>
-          <a:effectRef idx="0">
-            <a:schemeClr val="accent1"/>
-          </a:effectRef>
-          <a:fontRef idx="minor">
-            <a:schemeClr val="lt1"/>
-          </a:fontRef>
-        </p:style>
-        <p:txBody>
-          <a:bodyPr rtlCol="0" anchor="ctr"/>
-          <a:lstStyle/>
-          <a:p>
-            <a:pPr algn="ctr"/>
-            <a:endParaRPr lang="ru-RU">
-              <a:solidFill>
-                <a:srgbClr val="E20443"/>
-              </a:solidFill>
-            </a:endParaRPr>
-          </a:p>
-        </p:txBody>
-      </p:sp>
-      <p:sp>
-        <p:nvSpPr>
-          <p:cNvPr id="7" name="TextBox 6">
-            <a:extLst>
-              <a:ext uri="{FF2B5EF4-FFF2-40B4-BE49-F238E27FC236}">
-                <a16:creationId xmlns:a16="http://schemas.microsoft.com/office/drawing/2014/main" id="{64F13B2E-9612-48F5-B1E5-19CAC67F0E83}"/>
-              </a:ext>
-            </a:extLst>
-          </p:cNvPr>
-          <p:cNvSpPr txBox="1"/>
-          <p:nvPr/>
-        </p:nvSpPr>
-        <p:spPr>
-          <a:xfrm>
-            <a:off x="1003883" y="1440361"/>
-            <a:ext cx="10184234" cy="1200329"/>
-          </a:xfrm>
-          <a:prstGeom prst="rect">
-            <a:avLst/>
-          </a:prstGeom>
-          <a:noFill/>
-        </p:spPr>
-        <p:txBody>
-          <a:bodyPr wrap="square" rtlCol="0">
-            <a:spAutoFit/>
-          </a:bodyPr>
-          <a:lstStyle/>
-          <a:p>
-            <a:pPr algn="ctr"/>
-            <a:r>
-              <a:rPr lang="ru-RU" sz="7200" b="1" dirty="0">
-                <a:solidFill>
-                  <a:srgbClr val="000392"/>
-                </a:solidFill>
-                <a:cs typeface="Latha" panose="020B0502040204020203" pitchFamily="34" charset="0"/>
-              </a:rPr>
-              <a:t>Спасибо за внимание!</a:t>
-            </a:r>
-            <a:endParaRPr lang="ru-RU" sz="8800" b="1" dirty="0">
-              <a:solidFill>
-                <a:srgbClr val="000392"/>
-              </a:solidFill>
-              <a:cs typeface="Latha" panose="020B0502040204020203" pitchFamily="34" charset="0"/>
-            </a:endParaRPr>
-          </a:p>
-        </p:txBody>
-      </p:sp>
-      <p:pic>
-        <p:nvPicPr>
-          <p:cNvPr id="1026" name="Picture 2">
-            <a:extLst>
-              <a:ext uri="{FF2B5EF4-FFF2-40B4-BE49-F238E27FC236}">
-                <a16:creationId xmlns:a16="http://schemas.microsoft.com/office/drawing/2014/main" id="{3A38D118-2588-001B-271F-7C9A21E3E5E0}"/>
-              </a:ext>
-            </a:extLst>
-          </p:cNvPr>
-          <p:cNvPicPr>
-            <a:picLocks noChangeAspect="1" noChangeArrowheads="1"/>
-          </p:cNvPicPr>
-          <p:nvPr/>
-        </p:nvPicPr>
-        <p:blipFill rotWithShape="1">
-          <a:blip r:embed="rId3">
-            <a:extLst>
-              <a:ext uri="{28A0092B-C50C-407E-A947-70E740481C1C}">
-                <a14:useLocalDpi xmlns:a14="http://schemas.microsoft.com/office/drawing/2010/main" val="0"/>
-              </a:ext>
-            </a:extLst>
-          </a:blip>
-          <a:srcRect b="2808"/>
-          <a:stretch/>
-        </p:blipFill>
-        <p:spPr bwMode="auto">
-          <a:xfrm>
-            <a:off x="3378123" y="3035300"/>
-            <a:ext cx="5435754" cy="3165995"/>
-          </a:xfrm>
-          <a:prstGeom prst="rect">
-            <a:avLst/>
-          </a:prstGeom>
-          <a:noFill/>
-          <a:extLst>
-            <a:ext uri="{909E8E84-426E-40DD-AFC4-6F175D3DCCD1}">
-              <a14:hiddenFill xmlns:a14="http://schemas.microsoft.com/office/drawing/2010/main">
-                <a:solidFill>
-                  <a:srgbClr val="FFFFFF"/>
-                </a:solidFill>
-              </a14:hiddenFill>
-            </a:ext>
-          </a:extLst>
-        </p:spPr>
-      </p:pic>
-      <p:sp>
-        <p:nvSpPr>
-          <p:cNvPr id="5" name="Номер слайда 4">
-            <a:extLst>
-              <a:ext uri="{FF2B5EF4-FFF2-40B4-BE49-F238E27FC236}">
-                <a16:creationId xmlns:a16="http://schemas.microsoft.com/office/drawing/2014/main" id="{B5F55CE3-0DEA-0C59-C263-4166439E104E}"/>
-              </a:ext>
-            </a:extLst>
-          </p:cNvPr>
-          <p:cNvSpPr>
-            <a:spLocks noGrp="1"/>
-          </p:cNvSpPr>
-          <p:nvPr>
-            <p:ph type="sldNum" sz="quarter" idx="12"/>
-          </p:nvPr>
-        </p:nvSpPr>
-        <p:spPr/>
-        <p:txBody>
-          <a:bodyPr/>
-          <a:lstStyle/>
-          <a:p>
-            <a:fld id="{FF9AC15E-FCD1-4167-800F-1DB8497ABFCE}" type="slidenum">
-              <a:rPr lang="ru-RU" sz="1800" b="1" smtClean="0">
-                <a:solidFill>
-                  <a:schemeClr val="tx1"/>
-                </a:solidFill>
-              </a:rPr>
-              <a:t>19</a:t>
-            </a:fld>
-            <a:endParaRPr lang="ru-RU" sz="1800" b="1" dirty="0">
-              <a:solidFill>
-                <a:schemeClr val="tx1"/>
-              </a:solidFill>
-            </a:endParaRPr>
-          </a:p>
-        </p:txBody>
-      </p:sp>
-    </p:spTree>
-    <p:extLst>
-      <p:ext uri="{BB962C8B-B14F-4D97-AF65-F5344CB8AC3E}">
-        <p14:creationId xmlns:p14="http://schemas.microsoft.com/office/powerpoint/2010/main" val="3454478799"/>
-      </p:ext>
-    </p:extLst>
-  </p:cSld>
-  <p:clrMapOvr>
-    <a:masterClrMapping/>
-  </p:clrMapOvr>
-</p:sld>
-</file>
-
 <file path=ppt/slides/slide2.xml><?xml version="1.0" encoding="utf-8"?>
 <p:sld xmlns:a="http://schemas.openxmlformats.org/drawingml/2006/main" xmlns:r="http://schemas.openxmlformats.org/officeDocument/2006/relationships" xmlns:p="http://schemas.openxmlformats.org/presentationml/2006/main">
   <p:cSld>
@@ -12121,6 +12472,243 @@
 </file>
 
 <file path=ppt/slides/slide20.xml><?xml version="1.0" encoding="utf-8"?>
+<p:sld xmlns:a="http://schemas.openxmlformats.org/drawingml/2006/main" xmlns:r="http://schemas.openxmlformats.org/officeDocument/2006/relationships" xmlns:p="http://schemas.openxmlformats.org/presentationml/2006/main">
+  <p:cSld>
+    <p:spTree>
+      <p:nvGrpSpPr>
+        <p:cNvPr id="1" name=""/>
+        <p:cNvGrpSpPr/>
+        <p:nvPr/>
+      </p:nvGrpSpPr>
+      <p:grpSpPr>
+        <a:xfrm>
+          <a:off x="0" y="0"/>
+          <a:ext cx="0" cy="0"/>
+          <a:chOff x="0" y="0"/>
+          <a:chExt cx="0" cy="0"/>
+        </a:xfrm>
+      </p:grpSpPr>
+      <p:pic>
+        <p:nvPicPr>
+          <p:cNvPr id="2" name="Объект 1"/>
+          <p:cNvPicPr>
+            <a:picLocks noGrp="1" noChangeAspect="1"/>
+          </p:cNvPicPr>
+          <p:nvPr>
+            <p:ph idx="1"/>
+          </p:nvPr>
+        </p:nvPicPr>
+        <p:blipFill rotWithShape="1">
+          <a:blip r:embed="rId2" cstate="print">
+            <a:extLst>
+              <a:ext uri="{28A0092B-C50C-407E-A947-70E740481C1C}">
+                <a14:useLocalDpi xmlns:a14="http://schemas.microsoft.com/office/drawing/2010/main" val="0"/>
+              </a:ext>
+            </a:extLst>
+          </a:blip>
+          <a:srcRect r="40340"/>
+          <a:stretch/>
+        </p:blipFill>
+        <p:spPr>
+          <a:xfrm>
+            <a:off x="603100" y="319559"/>
+            <a:ext cx="1342931" cy="434420"/>
+          </a:xfrm>
+        </p:spPr>
+      </p:pic>
+      <p:sp>
+        <p:nvSpPr>
+          <p:cNvPr id="3" name="Прямоугольник 2"/>
+          <p:cNvSpPr/>
+          <p:nvPr/>
+        </p:nvSpPr>
+        <p:spPr>
+          <a:xfrm flipV="1">
+            <a:off x="925620" y="920165"/>
+            <a:ext cx="10865327" cy="21600"/>
+          </a:xfrm>
+          <a:prstGeom prst="rect">
+            <a:avLst/>
+          </a:prstGeom>
+          <a:solidFill>
+            <a:srgbClr val="E20443"/>
+          </a:solidFill>
+          <a:ln>
+            <a:noFill/>
+          </a:ln>
+        </p:spPr>
+        <p:style>
+          <a:lnRef idx="2">
+            <a:schemeClr val="accent1">
+              <a:shade val="50000"/>
+            </a:schemeClr>
+          </a:lnRef>
+          <a:fillRef idx="1">
+            <a:schemeClr val="accent1"/>
+          </a:fillRef>
+          <a:effectRef idx="0">
+            <a:schemeClr val="accent1"/>
+          </a:effectRef>
+          <a:fontRef idx="minor">
+            <a:schemeClr val="lt1"/>
+          </a:fontRef>
+        </p:style>
+        <p:txBody>
+          <a:bodyPr rtlCol="0" anchor="ctr"/>
+          <a:lstStyle/>
+          <a:p>
+            <a:pPr algn="ctr"/>
+            <a:endParaRPr lang="ru-RU">
+              <a:solidFill>
+                <a:srgbClr val="E20443"/>
+              </a:solidFill>
+            </a:endParaRPr>
+          </a:p>
+        </p:txBody>
+      </p:sp>
+      <p:sp>
+        <p:nvSpPr>
+          <p:cNvPr id="7" name="TextBox 6">
+            <a:extLst>
+              <a:ext uri="{FF2B5EF4-FFF2-40B4-BE49-F238E27FC236}">
+                <a16:creationId xmlns:a16="http://schemas.microsoft.com/office/drawing/2014/main" id="{64F13B2E-9612-48F5-B1E5-19CAC67F0E83}"/>
+              </a:ext>
+            </a:extLst>
+          </p:cNvPr>
+          <p:cNvSpPr txBox="1"/>
+          <p:nvPr/>
+        </p:nvSpPr>
+        <p:spPr>
+          <a:xfrm>
+            <a:off x="1003883" y="1440361"/>
+            <a:ext cx="10184234" cy="1200329"/>
+          </a:xfrm>
+          <a:prstGeom prst="rect">
+            <a:avLst/>
+          </a:prstGeom>
+          <a:noFill/>
+        </p:spPr>
+        <p:txBody>
+          <a:bodyPr wrap="square" rtlCol="0">
+            <a:spAutoFit/>
+          </a:bodyPr>
+          <a:lstStyle/>
+          <a:p>
+            <a:pPr algn="ctr"/>
+            <a:r>
+              <a:rPr lang="ru-RU" sz="7200" b="1" dirty="0">
+                <a:solidFill>
+                  <a:srgbClr val="000392"/>
+                </a:solidFill>
+                <a:cs typeface="Latha" panose="020B0502040204020203" pitchFamily="34" charset="0"/>
+              </a:rPr>
+              <a:t>Спасибо за внимание!</a:t>
+            </a:r>
+            <a:endParaRPr lang="ru-RU" sz="8800" b="1" dirty="0">
+              <a:solidFill>
+                <a:srgbClr val="000392"/>
+              </a:solidFill>
+              <a:cs typeface="Latha" panose="020B0502040204020203" pitchFamily="34" charset="0"/>
+            </a:endParaRPr>
+          </a:p>
+        </p:txBody>
+      </p:sp>
+      <p:pic>
+        <p:nvPicPr>
+          <p:cNvPr id="1026" name="Picture 2">
+            <a:extLst>
+              <a:ext uri="{FF2B5EF4-FFF2-40B4-BE49-F238E27FC236}">
+                <a16:creationId xmlns:a16="http://schemas.microsoft.com/office/drawing/2014/main" id="{3A38D118-2588-001B-271F-7C9A21E3E5E0}"/>
+              </a:ext>
+            </a:extLst>
+          </p:cNvPr>
+          <p:cNvPicPr>
+            <a:picLocks noChangeAspect="1" noChangeArrowheads="1"/>
+          </p:cNvPicPr>
+          <p:nvPr/>
+        </p:nvPicPr>
+        <p:blipFill rotWithShape="1">
+          <a:blip r:embed="rId3">
+            <a:extLst>
+              <a:ext uri="{28A0092B-C50C-407E-A947-70E740481C1C}">
+                <a14:useLocalDpi xmlns:a14="http://schemas.microsoft.com/office/drawing/2010/main" val="0"/>
+              </a:ext>
+            </a:extLst>
+          </a:blip>
+          <a:srcRect b="2808"/>
+          <a:stretch/>
+        </p:blipFill>
+        <p:spPr bwMode="auto">
+          <a:xfrm>
+            <a:off x="3378123" y="3035300"/>
+            <a:ext cx="5435754" cy="3165995"/>
+          </a:xfrm>
+          <a:prstGeom prst="rect">
+            <a:avLst/>
+          </a:prstGeom>
+          <a:noFill/>
+          <a:extLst>
+            <a:ext uri="{909E8E84-426E-40DD-AFC4-6F175D3DCCD1}">
+              <a14:hiddenFill xmlns:a14="http://schemas.microsoft.com/office/drawing/2010/main">
+                <a:solidFill>
+                  <a:srgbClr val="FFFFFF"/>
+                </a:solidFill>
+              </a14:hiddenFill>
+            </a:ext>
+          </a:extLst>
+        </p:spPr>
+      </p:pic>
+      <p:sp>
+        <p:nvSpPr>
+          <p:cNvPr id="5" name="Номер слайда 4">
+            <a:extLst>
+              <a:ext uri="{FF2B5EF4-FFF2-40B4-BE49-F238E27FC236}">
+                <a16:creationId xmlns:a16="http://schemas.microsoft.com/office/drawing/2014/main" id="{B5F55CE3-0DEA-0C59-C263-4166439E104E}"/>
+              </a:ext>
+            </a:extLst>
+          </p:cNvPr>
+          <p:cNvSpPr>
+            <a:spLocks noGrp="1"/>
+          </p:cNvSpPr>
+          <p:nvPr>
+            <p:ph type="sldNum" sz="quarter" idx="12"/>
+          </p:nvPr>
+        </p:nvSpPr>
+        <p:spPr/>
+        <p:txBody>
+          <a:bodyPr/>
+          <a:lstStyle/>
+          <a:p>
+            <a:fld id="{FF9AC15E-FCD1-4167-800F-1DB8497ABFCE}" type="slidenum">
+              <a:rPr lang="ru-RU" sz="1800" b="1" smtClean="0">
+                <a:solidFill>
+                  <a:schemeClr val="tx1"/>
+                </a:solidFill>
+              </a:rPr>
+              <a:t>20</a:t>
+            </a:fld>
+            <a:endParaRPr lang="ru-RU" sz="1800" b="1" dirty="0">
+              <a:solidFill>
+                <a:schemeClr val="tx1"/>
+              </a:solidFill>
+            </a:endParaRPr>
+          </a:p>
+        </p:txBody>
+      </p:sp>
+    </p:spTree>
+    <p:extLst>
+      <p:ext uri="{BB962C8B-B14F-4D97-AF65-F5344CB8AC3E}">
+        <p14:creationId xmlns:p14="http://schemas.microsoft.com/office/powerpoint/2010/main" val="3454478799"/>
+      </p:ext>
+    </p:extLst>
+  </p:cSld>
+  <p:clrMapOvr>
+    <a:masterClrMapping/>
+  </p:clrMapOvr>
+</p:sld>
+</file>
+
+<file path=ppt/slides/slide21.xml><?xml version="1.0" encoding="utf-8"?>
 <p:sld xmlns:a="http://schemas.openxmlformats.org/drawingml/2006/main" xmlns:r="http://schemas.openxmlformats.org/officeDocument/2006/relationships" xmlns:p="http://schemas.openxmlformats.org/presentationml/2006/main">
   <p:cSld>
     <p:spTree>
@@ -13875,7 +14463,7 @@
                   <a:schemeClr val="tx1"/>
                 </a:solidFill>
               </a:rPr>
-              <a:t>20</a:t>
+              <a:t>21</a:t>
             </a:fld>
             <a:endParaRPr lang="ru-RU" sz="1800" b="1" dirty="0">
               <a:solidFill>
@@ -13889,231 +14477,6 @@
     <p:extLst>
       <p:ext uri="{BB962C8B-B14F-4D97-AF65-F5344CB8AC3E}">
         <p14:creationId xmlns:p14="http://schemas.microsoft.com/office/powerpoint/2010/main" val="1463140619"/>
-      </p:ext>
-    </p:extLst>
-  </p:cSld>
-  <p:clrMapOvr>
-    <a:masterClrMapping/>
-  </p:clrMapOvr>
-</p:sld>
-</file>
-
-<file path=ppt/slides/slide21.xml><?xml version="1.0" encoding="utf-8"?>
-<p:sld xmlns:a="http://schemas.openxmlformats.org/drawingml/2006/main" xmlns:r="http://schemas.openxmlformats.org/officeDocument/2006/relationships" xmlns:p="http://schemas.openxmlformats.org/presentationml/2006/main">
-  <p:cSld>
-    <p:spTree>
-      <p:nvGrpSpPr>
-        <p:cNvPr id="1" name=""/>
-        <p:cNvGrpSpPr/>
-        <p:nvPr/>
-      </p:nvGrpSpPr>
-      <p:grpSpPr>
-        <a:xfrm>
-          <a:off x="0" y="0"/>
-          <a:ext cx="0" cy="0"/>
-          <a:chOff x="0" y="0"/>
-          <a:chExt cx="0" cy="0"/>
-        </a:xfrm>
-      </p:grpSpPr>
-      <p:pic>
-        <p:nvPicPr>
-          <p:cNvPr id="2" name="Объект 1"/>
-          <p:cNvPicPr>
-            <a:picLocks noGrp="1" noChangeAspect="1"/>
-          </p:cNvPicPr>
-          <p:nvPr>
-            <p:ph idx="1"/>
-          </p:nvPr>
-        </p:nvPicPr>
-        <p:blipFill rotWithShape="1">
-          <a:blip r:embed="rId2" cstate="print">
-            <a:extLst>
-              <a:ext uri="{28A0092B-C50C-407E-A947-70E740481C1C}">
-                <a14:useLocalDpi xmlns:a14="http://schemas.microsoft.com/office/drawing/2010/main" val="0"/>
-              </a:ext>
-            </a:extLst>
-          </a:blip>
-          <a:srcRect r="40340"/>
-          <a:stretch/>
-        </p:blipFill>
-        <p:spPr>
-          <a:xfrm>
-            <a:off x="603100" y="319559"/>
-            <a:ext cx="1342931" cy="434420"/>
-          </a:xfrm>
-        </p:spPr>
-      </p:pic>
-      <p:sp>
-        <p:nvSpPr>
-          <p:cNvPr id="3" name="Прямоугольник 2"/>
-          <p:cNvSpPr/>
-          <p:nvPr/>
-        </p:nvSpPr>
-        <p:spPr>
-          <a:xfrm flipV="1">
-            <a:off x="925620" y="920165"/>
-            <a:ext cx="10865327" cy="21600"/>
-          </a:xfrm>
-          <a:prstGeom prst="rect">
-            <a:avLst/>
-          </a:prstGeom>
-          <a:solidFill>
-            <a:srgbClr val="E20443"/>
-          </a:solidFill>
-          <a:ln>
-            <a:noFill/>
-          </a:ln>
-        </p:spPr>
-        <p:style>
-          <a:lnRef idx="2">
-            <a:schemeClr val="accent1">
-              <a:shade val="50000"/>
-            </a:schemeClr>
-          </a:lnRef>
-          <a:fillRef idx="1">
-            <a:schemeClr val="accent1"/>
-          </a:fillRef>
-          <a:effectRef idx="0">
-            <a:schemeClr val="accent1"/>
-          </a:effectRef>
-          <a:fontRef idx="minor">
-            <a:schemeClr val="lt1"/>
-          </a:fontRef>
-        </p:style>
-        <p:txBody>
-          <a:bodyPr rtlCol="0" anchor="ctr"/>
-          <a:lstStyle/>
-          <a:p>
-            <a:pPr algn="ctr"/>
-            <a:endParaRPr lang="ru-RU">
-              <a:solidFill>
-                <a:srgbClr val="E20443"/>
-              </a:solidFill>
-            </a:endParaRPr>
-          </a:p>
-        </p:txBody>
-      </p:sp>
-      <p:pic>
-        <p:nvPicPr>
-          <p:cNvPr id="4" name="Рисунок 3" descr="Picture background">
-            <a:extLst>
-              <a:ext uri="{FF2B5EF4-FFF2-40B4-BE49-F238E27FC236}">
-                <a16:creationId xmlns:a16="http://schemas.microsoft.com/office/drawing/2014/main" id="{1E0E3278-7859-36EB-5EC1-5BBC19BA4C10}"/>
-              </a:ext>
-            </a:extLst>
-          </p:cNvPr>
-          <p:cNvPicPr>
-            <a:picLocks noChangeAspect="1"/>
-          </p:cNvPicPr>
-          <p:nvPr/>
-        </p:nvPicPr>
-        <p:blipFill>
-          <a:blip r:embed="rId3" cstate="print">
-            <a:extLst>
-              <a:ext uri="{28A0092B-C50C-407E-A947-70E740481C1C}">
-                <a14:useLocalDpi xmlns:a14="http://schemas.microsoft.com/office/drawing/2010/main" val="0"/>
-              </a:ext>
-            </a:extLst>
-          </a:blip>
-          <a:srcRect/>
-          <a:stretch>
-            <a:fillRect/>
-          </a:stretch>
-        </p:blipFill>
-        <p:spPr bwMode="auto">
-          <a:xfrm>
-            <a:off x="2408599" y="1875972"/>
-            <a:ext cx="7271015" cy="2880000"/>
-          </a:xfrm>
-          <a:prstGeom prst="rect">
-            <a:avLst/>
-          </a:prstGeom>
-          <a:noFill/>
-          <a:ln>
-            <a:noFill/>
-          </a:ln>
-        </p:spPr>
-      </p:pic>
-      <p:sp>
-        <p:nvSpPr>
-          <p:cNvPr id="6" name="TextBox 5">
-            <a:extLst>
-              <a:ext uri="{FF2B5EF4-FFF2-40B4-BE49-F238E27FC236}">
-                <a16:creationId xmlns:a16="http://schemas.microsoft.com/office/drawing/2014/main" id="{234A4771-4EF1-BE37-F0AB-BBD561680666}"/>
-              </a:ext>
-            </a:extLst>
-          </p:cNvPr>
-          <p:cNvSpPr txBox="1"/>
-          <p:nvPr/>
-        </p:nvSpPr>
-        <p:spPr>
-          <a:xfrm>
-            <a:off x="3048000" y="5396079"/>
-            <a:ext cx="6096000" cy="369332"/>
-          </a:xfrm>
-          <a:prstGeom prst="rect">
-            <a:avLst/>
-          </a:prstGeom>
-          <a:noFill/>
-        </p:spPr>
-        <p:txBody>
-          <a:bodyPr wrap="square">
-            <a:spAutoFit/>
-          </a:bodyPr>
-          <a:lstStyle/>
-          <a:p>
-            <a:pPr algn="ctr"/>
-            <a:r>
-              <a:rPr lang="ru-RU" sz="1800" b="1" dirty="0">
-                <a:solidFill>
-                  <a:srgbClr val="000000"/>
-                </a:solidFill>
-                <a:effectLst/>
-                <a:latin typeface="Times New Roman" panose="02020603050405020304" pitchFamily="18" charset="0"/>
-                <a:ea typeface="Aptos" panose="020B0004020202020204" pitchFamily="34" charset="0"/>
-              </a:rPr>
-              <a:t>Типичное представление матрицы ошибок</a:t>
-            </a:r>
-            <a:endParaRPr lang="ru-RU" b="1" dirty="0"/>
-          </a:p>
-        </p:txBody>
-      </p:sp>
-      <p:sp>
-        <p:nvSpPr>
-          <p:cNvPr id="7" name="Номер слайда 6">
-            <a:extLst>
-              <a:ext uri="{FF2B5EF4-FFF2-40B4-BE49-F238E27FC236}">
-                <a16:creationId xmlns:a16="http://schemas.microsoft.com/office/drawing/2014/main" id="{2C5AA173-146F-DCF0-DD64-C70133025347}"/>
-              </a:ext>
-            </a:extLst>
-          </p:cNvPr>
-          <p:cNvSpPr>
-            <a:spLocks noGrp="1"/>
-          </p:cNvSpPr>
-          <p:nvPr>
-            <p:ph type="sldNum" sz="quarter" idx="12"/>
-          </p:nvPr>
-        </p:nvSpPr>
-        <p:spPr/>
-        <p:txBody>
-          <a:bodyPr/>
-          <a:lstStyle/>
-          <a:p>
-            <a:r>
-              <a:rPr lang="ru-RU" sz="1800" b="1" dirty="0">
-                <a:solidFill>
-                  <a:schemeClr val="tx1"/>
-                </a:solidFill>
-              </a:rPr>
-              <a:t>21 (доп.)</a:t>
-            </a:r>
-          </a:p>
-        </p:txBody>
-      </p:sp>
-    </p:spTree>
-    <p:extLst>
-      <p:ext uri="{BB962C8B-B14F-4D97-AF65-F5344CB8AC3E}">
-        <p14:creationId xmlns:p14="http://schemas.microsoft.com/office/powerpoint/2010/main" val="2169543521"/>
       </p:ext>
     </p:extLst>
   </p:cSld>
@@ -14218,6 +14581,231 @@
           </a:p>
         </p:txBody>
       </p:sp>
+      <p:pic>
+        <p:nvPicPr>
+          <p:cNvPr id="4" name="Рисунок 3" descr="Picture background">
+            <a:extLst>
+              <a:ext uri="{FF2B5EF4-FFF2-40B4-BE49-F238E27FC236}">
+                <a16:creationId xmlns:a16="http://schemas.microsoft.com/office/drawing/2014/main" id="{1E0E3278-7859-36EB-5EC1-5BBC19BA4C10}"/>
+              </a:ext>
+            </a:extLst>
+          </p:cNvPr>
+          <p:cNvPicPr>
+            <a:picLocks noChangeAspect="1"/>
+          </p:cNvPicPr>
+          <p:nvPr/>
+        </p:nvPicPr>
+        <p:blipFill>
+          <a:blip r:embed="rId3" cstate="print">
+            <a:extLst>
+              <a:ext uri="{28A0092B-C50C-407E-A947-70E740481C1C}">
+                <a14:useLocalDpi xmlns:a14="http://schemas.microsoft.com/office/drawing/2010/main" val="0"/>
+              </a:ext>
+            </a:extLst>
+          </a:blip>
+          <a:srcRect/>
+          <a:stretch>
+            <a:fillRect/>
+          </a:stretch>
+        </p:blipFill>
+        <p:spPr bwMode="auto">
+          <a:xfrm>
+            <a:off x="2408599" y="1875972"/>
+            <a:ext cx="7271015" cy="2880000"/>
+          </a:xfrm>
+          <a:prstGeom prst="rect">
+            <a:avLst/>
+          </a:prstGeom>
+          <a:noFill/>
+          <a:ln>
+            <a:noFill/>
+          </a:ln>
+        </p:spPr>
+      </p:pic>
+      <p:sp>
+        <p:nvSpPr>
+          <p:cNvPr id="6" name="TextBox 5">
+            <a:extLst>
+              <a:ext uri="{FF2B5EF4-FFF2-40B4-BE49-F238E27FC236}">
+                <a16:creationId xmlns:a16="http://schemas.microsoft.com/office/drawing/2014/main" id="{234A4771-4EF1-BE37-F0AB-BBD561680666}"/>
+              </a:ext>
+            </a:extLst>
+          </p:cNvPr>
+          <p:cNvSpPr txBox="1"/>
+          <p:nvPr/>
+        </p:nvSpPr>
+        <p:spPr>
+          <a:xfrm>
+            <a:off x="3048000" y="5396079"/>
+            <a:ext cx="6096000" cy="369332"/>
+          </a:xfrm>
+          <a:prstGeom prst="rect">
+            <a:avLst/>
+          </a:prstGeom>
+          <a:noFill/>
+        </p:spPr>
+        <p:txBody>
+          <a:bodyPr wrap="square">
+            <a:spAutoFit/>
+          </a:bodyPr>
+          <a:lstStyle/>
+          <a:p>
+            <a:pPr algn="ctr"/>
+            <a:r>
+              <a:rPr lang="ru-RU" sz="1800" b="1" dirty="0">
+                <a:solidFill>
+                  <a:srgbClr val="000000"/>
+                </a:solidFill>
+                <a:effectLst/>
+                <a:latin typeface="Times New Roman" panose="02020603050405020304" pitchFamily="18" charset="0"/>
+                <a:ea typeface="Aptos" panose="020B0004020202020204" pitchFamily="34" charset="0"/>
+              </a:rPr>
+              <a:t>Типичное представление матрицы ошибок</a:t>
+            </a:r>
+            <a:endParaRPr lang="ru-RU" b="1" dirty="0"/>
+          </a:p>
+        </p:txBody>
+      </p:sp>
+      <p:sp>
+        <p:nvSpPr>
+          <p:cNvPr id="7" name="Номер слайда 6">
+            <a:extLst>
+              <a:ext uri="{FF2B5EF4-FFF2-40B4-BE49-F238E27FC236}">
+                <a16:creationId xmlns:a16="http://schemas.microsoft.com/office/drawing/2014/main" id="{2C5AA173-146F-DCF0-DD64-C70133025347}"/>
+              </a:ext>
+            </a:extLst>
+          </p:cNvPr>
+          <p:cNvSpPr>
+            <a:spLocks noGrp="1"/>
+          </p:cNvSpPr>
+          <p:nvPr>
+            <p:ph type="sldNum" sz="quarter" idx="12"/>
+          </p:nvPr>
+        </p:nvSpPr>
+        <p:spPr/>
+        <p:txBody>
+          <a:bodyPr/>
+          <a:lstStyle/>
+          <a:p>
+            <a:r>
+              <a:rPr lang="ru-RU" sz="1800" b="1" dirty="0">
+                <a:solidFill>
+                  <a:schemeClr val="tx1"/>
+                </a:solidFill>
+              </a:rPr>
+              <a:t>21 (доп.)</a:t>
+            </a:r>
+          </a:p>
+        </p:txBody>
+      </p:sp>
+    </p:spTree>
+    <p:extLst>
+      <p:ext uri="{BB962C8B-B14F-4D97-AF65-F5344CB8AC3E}">
+        <p14:creationId xmlns:p14="http://schemas.microsoft.com/office/powerpoint/2010/main" val="2169543521"/>
+      </p:ext>
+    </p:extLst>
+  </p:cSld>
+  <p:clrMapOvr>
+    <a:masterClrMapping/>
+  </p:clrMapOvr>
+</p:sld>
+</file>
+
+<file path=ppt/slides/slide23.xml><?xml version="1.0" encoding="utf-8"?>
+<p:sld xmlns:a="http://schemas.openxmlformats.org/drawingml/2006/main" xmlns:r="http://schemas.openxmlformats.org/officeDocument/2006/relationships" xmlns:p="http://schemas.openxmlformats.org/presentationml/2006/main">
+  <p:cSld>
+    <p:spTree>
+      <p:nvGrpSpPr>
+        <p:cNvPr id="1" name=""/>
+        <p:cNvGrpSpPr/>
+        <p:nvPr/>
+      </p:nvGrpSpPr>
+      <p:grpSpPr>
+        <a:xfrm>
+          <a:off x="0" y="0"/>
+          <a:ext cx="0" cy="0"/>
+          <a:chOff x="0" y="0"/>
+          <a:chExt cx="0" cy="0"/>
+        </a:xfrm>
+      </p:grpSpPr>
+      <p:pic>
+        <p:nvPicPr>
+          <p:cNvPr id="2" name="Объект 1"/>
+          <p:cNvPicPr>
+            <a:picLocks noGrp="1" noChangeAspect="1"/>
+          </p:cNvPicPr>
+          <p:nvPr>
+            <p:ph idx="1"/>
+          </p:nvPr>
+        </p:nvPicPr>
+        <p:blipFill rotWithShape="1">
+          <a:blip r:embed="rId2" cstate="print">
+            <a:extLst>
+              <a:ext uri="{28A0092B-C50C-407E-A947-70E740481C1C}">
+                <a14:useLocalDpi xmlns:a14="http://schemas.microsoft.com/office/drawing/2010/main" val="0"/>
+              </a:ext>
+            </a:extLst>
+          </a:blip>
+          <a:srcRect r="40340"/>
+          <a:stretch/>
+        </p:blipFill>
+        <p:spPr>
+          <a:xfrm>
+            <a:off x="603100" y="319559"/>
+            <a:ext cx="1342931" cy="434420"/>
+          </a:xfrm>
+        </p:spPr>
+      </p:pic>
+      <p:sp>
+        <p:nvSpPr>
+          <p:cNvPr id="3" name="Прямоугольник 2"/>
+          <p:cNvSpPr/>
+          <p:nvPr/>
+        </p:nvSpPr>
+        <p:spPr>
+          <a:xfrm flipV="1">
+            <a:off x="925620" y="920165"/>
+            <a:ext cx="10865327" cy="21600"/>
+          </a:xfrm>
+          <a:prstGeom prst="rect">
+            <a:avLst/>
+          </a:prstGeom>
+          <a:solidFill>
+            <a:srgbClr val="E20443"/>
+          </a:solidFill>
+          <a:ln>
+            <a:noFill/>
+          </a:ln>
+        </p:spPr>
+        <p:style>
+          <a:lnRef idx="2">
+            <a:schemeClr val="accent1">
+              <a:shade val="50000"/>
+            </a:schemeClr>
+          </a:lnRef>
+          <a:fillRef idx="1">
+            <a:schemeClr val="accent1"/>
+          </a:fillRef>
+          <a:effectRef idx="0">
+            <a:schemeClr val="accent1"/>
+          </a:effectRef>
+          <a:fontRef idx="minor">
+            <a:schemeClr val="lt1"/>
+          </a:fontRef>
+        </p:style>
+        <p:txBody>
+          <a:bodyPr rtlCol="0" anchor="ctr"/>
+          <a:lstStyle/>
+          <a:p>
+            <a:pPr algn="ctr"/>
+            <a:endParaRPr lang="ru-RU">
+              <a:solidFill>
+                <a:srgbClr val="E20443"/>
+              </a:solidFill>
+            </a:endParaRPr>
+          </a:p>
+        </p:txBody>
+      </p:sp>
       <p:sp>
         <p:nvSpPr>
           <p:cNvPr id="6" name="Номер слайда 5">
@@ -14245,7 +14833,7 @@
                   <a:schemeClr val="tx1"/>
                 </a:solidFill>
               </a:rPr>
-              <a:t>22</a:t>
+              <a:t>23</a:t>
             </a:fld>
             <a:r>
               <a:rPr lang="ru-RU" sz="1800" b="1" dirty="0">
@@ -15803,8 +16391,8 @@
         </p:nvSpPr>
         <p:spPr>
           <a:xfrm>
-            <a:off x="1029525" y="258147"/>
-            <a:ext cx="10184234" cy="1446550"/>
+            <a:off x="1029532" y="258147"/>
+            <a:ext cx="10184234" cy="769441"/>
           </a:xfrm>
           <a:prstGeom prst="rect">
             <a:avLst/>
@@ -15825,19 +16413,7 @@
                 </a:solidFill>
                 <a:cs typeface="Latha" panose="020B0502040204020203" pitchFamily="34" charset="0"/>
               </a:rPr>
-              <a:t>Постановка </a:t>
-            </a:r>
-          </a:p>
-          <a:p>
-            <a:pPr algn="ctr"/>
-            <a:r>
-              <a:rPr lang="ru-RU" sz="4400" b="1" dirty="0">
-                <a:solidFill>
-                  <a:srgbClr val="000392"/>
-                </a:solidFill>
-                <a:cs typeface="Latha" panose="020B0502040204020203" pitchFamily="34" charset="0"/>
-              </a:rPr>
-              <a:t>исследовательской задачи</a:t>
+              <a:t>Обзор исследований</a:t>
             </a:r>
             <a:endParaRPr lang="ru-RU" sz="5400" b="1" dirty="0">
               <a:solidFill>
@@ -15853,7 +16429,7 @@
           <p:cNvPr id="5" name="TextBox 4">
             <a:extLst>
               <a:ext uri="{FF2B5EF4-FFF2-40B4-BE49-F238E27FC236}">
-                <a16:creationId xmlns:a16="http://schemas.microsoft.com/office/drawing/2014/main" id="{A77F75F2-CA70-C21E-795F-CA2E8B81A85F}"/>
+                <a16:creationId xmlns:a16="http://schemas.microsoft.com/office/drawing/2014/main" id="{920AE4D9-2124-79A4-F85E-BDCAB02179B9}"/>
               </a:ext>
             </a:extLst>
           </p:cNvPr>
@@ -15862,8 +16438,8 @@
         </p:nvSpPr>
         <p:spPr>
           <a:xfrm>
-            <a:off x="1029525" y="2089479"/>
-            <a:ext cx="10030361" cy="2627642"/>
+            <a:off x="1003883" y="1107951"/>
+            <a:ext cx="10184233" cy="5878532"/>
           </a:xfrm>
           <a:prstGeom prst="rect">
             <a:avLst/>
@@ -15876,224 +16452,650 @@
           </a:bodyPr>
           <a:lstStyle/>
           <a:p>
-            <a:pPr indent="357188" algn="just">
-              <a:lnSpc>
-                <a:spcPct val="150000"/>
-              </a:lnSpc>
-              <a:spcAft>
-                <a:spcPts val="800"/>
-              </a:spcAft>
+            <a:pPr marL="357188" indent="-174625" algn="just">
+              <a:buAutoNum type="arabicParenR"/>
             </a:pPr>
             <a:r>
-              <a:rPr lang="ru-RU" sz="2000" b="1" kern="100" dirty="0">
-                <a:solidFill>
-                  <a:srgbClr val="FF0000"/>
-                </a:solidFill>
-                <a:effectLst/>
-                <a:latin typeface="Times New Roman" panose="02020603050405020304" pitchFamily="18" charset="0"/>
-                <a:ea typeface="Aptos" panose="020B0004020202020204" pitchFamily="34" charset="0"/>
-                <a:cs typeface="Times New Roman" panose="02020603050405020304" pitchFamily="18" charset="0"/>
-              </a:rPr>
-              <a:t>Исследовательские задачи: </a:t>
-            </a:r>
-            <a:endParaRPr lang="ru-RU" sz="2000" kern="100" dirty="0">
-              <a:effectLst/>
-              <a:latin typeface="Aptos" panose="020B0004020202020204" pitchFamily="34" charset="0"/>
-              <a:ea typeface="Aptos" panose="020B0004020202020204" pitchFamily="34" charset="0"/>
-              <a:cs typeface="Times New Roman" panose="02020603050405020304" pitchFamily="18" charset="0"/>
-            </a:endParaRPr>
-          </a:p>
-          <a:p>
-            <a:pPr marL="342900" lvl="0" indent="-342900" algn="just">
-              <a:lnSpc>
-                <a:spcPct val="107000"/>
-              </a:lnSpc>
-              <a:spcAft>
-                <a:spcPts val="800"/>
-              </a:spcAft>
+              <a:rPr lang="en-US" sz="1600" b="1" kern="100" dirty="0">
+                <a:effectLst/>
+                <a:latin typeface="Times New Roman" panose="02020603050405020304" pitchFamily="18" charset="0"/>
+                <a:ea typeface="Aptos" panose="020B0004020202020204" pitchFamily="34" charset="0"/>
+                <a:cs typeface="Times New Roman" panose="02020603050405020304" pitchFamily="18" charset="0"/>
+              </a:rPr>
+              <a:t>Evaluation of Contrastive Learning with Various Code Representations for Code Clone:</a:t>
+            </a:r>
+          </a:p>
+          <a:p>
+            <a:pPr marL="357188" indent="-357188" algn="just"/>
+            <a:r>
+              <a:rPr lang="en-US" sz="1600" b="1" kern="100" dirty="0">
+                <a:effectLst/>
+                <a:latin typeface="Times New Roman" panose="02020603050405020304" pitchFamily="18" charset="0"/>
+                <a:ea typeface="Aptos" panose="020B0004020202020204" pitchFamily="34" charset="0"/>
+                <a:cs typeface="Times New Roman" panose="02020603050405020304" pitchFamily="18" charset="0"/>
+              </a:rPr>
+              <a:t>	</a:t>
+            </a:r>
+            <a:r>
+              <a:rPr lang="ru-RU" sz="1600" b="1" kern="100" dirty="0" err="1">
+                <a:effectLst/>
+                <a:latin typeface="Times New Roman" panose="02020603050405020304" pitchFamily="18" charset="0"/>
+                <a:ea typeface="Aptos" panose="020B0004020202020204" pitchFamily="34" charset="0"/>
+                <a:cs typeface="Times New Roman" panose="02020603050405020304" pitchFamily="18" charset="0"/>
+              </a:rPr>
+              <a:t>датасет</a:t>
+            </a:r>
+            <a:r>
+              <a:rPr lang="ru-RU" sz="1600" b="1" kern="100" dirty="0">
+                <a:effectLst/>
+                <a:latin typeface="Times New Roman" panose="02020603050405020304" pitchFamily="18" charset="0"/>
+                <a:ea typeface="Aptos" panose="020B0004020202020204" pitchFamily="34" charset="0"/>
+                <a:cs typeface="Times New Roman" panose="02020603050405020304" pitchFamily="18" charset="0"/>
+              </a:rPr>
+              <a:t> подвергается набору трансформаций:</a:t>
+            </a:r>
+          </a:p>
+          <a:p>
+            <a:pPr marL="623888" indent="-266700" algn="just">
+              <a:buFont typeface="Courier New" panose="02070309020205020404" pitchFamily="49" charset="0"/>
+              <a:buChar char="o"/>
+              <a:tabLst>
+                <a:tab pos="623888" algn="l"/>
+              </a:tabLst>
+            </a:pPr>
+            <a:r>
+              <a:rPr lang="ru-RU" sz="1400" kern="100" dirty="0">
+                <a:latin typeface="Times New Roman" panose="02020603050405020304" pitchFamily="18" charset="0"/>
+                <a:ea typeface="Aptos" panose="020B0004020202020204" pitchFamily="34" charset="0"/>
+                <a:cs typeface="Times New Roman" panose="02020603050405020304" pitchFamily="18" charset="0"/>
+              </a:rPr>
+              <a:t>добавление и удаление комментариев;</a:t>
+            </a:r>
+          </a:p>
+          <a:p>
+            <a:pPr marL="623888" indent="-266700" algn="just">
+              <a:buFont typeface="Courier New" panose="02070309020205020404" pitchFamily="49" charset="0"/>
+              <a:buChar char="o"/>
+              <a:tabLst>
+                <a:tab pos="623888" algn="l"/>
+              </a:tabLst>
+            </a:pPr>
+            <a:r>
+              <a:rPr lang="ru-RU" sz="1400" kern="100" dirty="0">
+                <a:latin typeface="Times New Roman" panose="02020603050405020304" pitchFamily="18" charset="0"/>
+                <a:ea typeface="Aptos" panose="020B0004020202020204" pitchFamily="34" charset="0"/>
+                <a:cs typeface="Times New Roman" panose="02020603050405020304" pitchFamily="18" charset="0"/>
+              </a:rPr>
+              <a:t>переименование переменных и методов;</a:t>
+            </a:r>
+          </a:p>
+          <a:p>
+            <a:pPr marL="623888" indent="-266700" algn="just">
+              <a:buFont typeface="Courier New" panose="02070309020205020404" pitchFamily="49" charset="0"/>
+              <a:buChar char="o"/>
+              <a:tabLst>
+                <a:tab pos="623888" algn="l"/>
+              </a:tabLst>
+            </a:pPr>
+            <a:r>
+              <a:rPr lang="ru-RU" sz="1400" kern="100" dirty="0">
+                <a:latin typeface="Times New Roman" panose="02020603050405020304" pitchFamily="18" charset="0"/>
+                <a:ea typeface="Aptos" panose="020B0004020202020204" pitchFamily="34" charset="0"/>
+                <a:cs typeface="Times New Roman" panose="02020603050405020304" pitchFamily="18" charset="0"/>
+              </a:rPr>
+              <a:t>замена</a:t>
+            </a:r>
+            <a:r>
+              <a:rPr lang="en-US" sz="1400" kern="100" dirty="0">
+                <a:latin typeface="Times New Roman" panose="02020603050405020304" pitchFamily="18" charset="0"/>
+                <a:ea typeface="Aptos" panose="020B0004020202020204" pitchFamily="34" charset="0"/>
+                <a:cs typeface="Times New Roman" panose="02020603050405020304" pitchFamily="18" charset="0"/>
+              </a:rPr>
+              <a:t> if-else</a:t>
+            </a:r>
+            <a:r>
+              <a:rPr lang="ru-RU" sz="1400" kern="100" dirty="0">
+                <a:latin typeface="Times New Roman" panose="02020603050405020304" pitchFamily="18" charset="0"/>
+                <a:ea typeface="Aptos" panose="020B0004020202020204" pitchFamily="34" charset="0"/>
+                <a:cs typeface="Times New Roman" panose="02020603050405020304" pitchFamily="18" charset="0"/>
+              </a:rPr>
+              <a:t> местами и замена </a:t>
+            </a:r>
+            <a:r>
+              <a:rPr lang="en-US" sz="1400" kern="100" dirty="0">
+                <a:latin typeface="Times New Roman" panose="02020603050405020304" pitchFamily="18" charset="0"/>
+                <a:ea typeface="Aptos" panose="020B0004020202020204" pitchFamily="34" charset="0"/>
+                <a:cs typeface="Times New Roman" panose="02020603050405020304" pitchFamily="18" charset="0"/>
+              </a:rPr>
+              <a:t>for</a:t>
+            </a:r>
+            <a:r>
+              <a:rPr lang="ru-RU" sz="1400" kern="100" dirty="0">
+                <a:latin typeface="Times New Roman" panose="02020603050405020304" pitchFamily="18" charset="0"/>
+                <a:ea typeface="Aptos" panose="020B0004020202020204" pitchFamily="34" charset="0"/>
+                <a:cs typeface="Times New Roman" panose="02020603050405020304" pitchFamily="18" charset="0"/>
+              </a:rPr>
+              <a:t> на </a:t>
+            </a:r>
+            <a:r>
+              <a:rPr lang="en-US" sz="1400" kern="100" dirty="0">
+                <a:latin typeface="Times New Roman" panose="02020603050405020304" pitchFamily="18" charset="0"/>
+                <a:ea typeface="Aptos" panose="020B0004020202020204" pitchFamily="34" charset="0"/>
+                <a:cs typeface="Times New Roman" panose="02020603050405020304" pitchFamily="18" charset="0"/>
+              </a:rPr>
+              <a:t>while</a:t>
+            </a:r>
+            <a:r>
+              <a:rPr lang="ru-RU" sz="1400" kern="100" dirty="0">
+                <a:latin typeface="Times New Roman" panose="02020603050405020304" pitchFamily="18" charset="0"/>
+                <a:ea typeface="Aptos" panose="020B0004020202020204" pitchFamily="34" charset="0"/>
+                <a:cs typeface="Times New Roman" panose="02020603050405020304" pitchFamily="18" charset="0"/>
+              </a:rPr>
+              <a:t>;</a:t>
+            </a:r>
+          </a:p>
+          <a:p>
+            <a:pPr marL="623888" indent="-266700" algn="just">
+              <a:buFont typeface="Courier New" panose="02070309020205020404" pitchFamily="49" charset="0"/>
+              <a:buChar char="o"/>
+              <a:tabLst>
+                <a:tab pos="623888" algn="l"/>
+              </a:tabLst>
+            </a:pPr>
+            <a:r>
+              <a:rPr lang="ru-RU" sz="1400" kern="100" dirty="0">
+                <a:latin typeface="Times New Roman" panose="02020603050405020304" pitchFamily="18" charset="0"/>
+                <a:ea typeface="Aptos" panose="020B0004020202020204" pitchFamily="34" charset="0"/>
+                <a:cs typeface="Times New Roman" panose="02020603050405020304" pitchFamily="18" charset="0"/>
+              </a:rPr>
+              <a:t>модификация порядка передачи аргументов в функцию</a:t>
+            </a:r>
+          </a:p>
+          <a:p>
+            <a:pPr marL="357188" indent="-174625" algn="just">
+              <a:spcBef>
+                <a:spcPts val="600"/>
+              </a:spcBef>
+            </a:pPr>
+            <a:r>
+              <a:rPr lang="ru-RU" sz="1400" b="1" kern="100" dirty="0">
+                <a:latin typeface="Times New Roman" panose="02020603050405020304" pitchFamily="18" charset="0"/>
+                <a:ea typeface="Aptos" panose="020B0004020202020204" pitchFamily="34" charset="0"/>
+                <a:cs typeface="Times New Roman" panose="02020603050405020304" pitchFamily="18" charset="0"/>
+              </a:rPr>
+              <a:t>2) </a:t>
+            </a:r>
+            <a:r>
+              <a:rPr lang="en-US" sz="1600" b="1" u="none" strike="noStrike" baseline="0" dirty="0" err="1">
+                <a:solidFill>
+                  <a:srgbClr val="000000"/>
+                </a:solidFill>
+                <a:latin typeface="Times New Roman" panose="02020603050405020304" pitchFamily="18" charset="0"/>
+                <a:cs typeface="Times New Roman" panose="02020603050405020304" pitchFamily="18" charset="0"/>
+              </a:rPr>
+              <a:t>ContraBERT</a:t>
+            </a:r>
+            <a:r>
+              <a:rPr lang="en-US" sz="1600" b="1" u="none" strike="noStrike" baseline="0" dirty="0">
+                <a:solidFill>
+                  <a:srgbClr val="000000"/>
+                </a:solidFill>
+                <a:latin typeface="Times New Roman" panose="02020603050405020304" pitchFamily="18" charset="0"/>
+                <a:cs typeface="Times New Roman" panose="02020603050405020304" pitchFamily="18" charset="0"/>
+              </a:rPr>
+              <a:t>: Enhancing Code Pre-trained Models via Contras-</a:t>
+            </a:r>
+            <a:r>
+              <a:rPr lang="en-US" sz="1600" b="1" u="none" strike="noStrike" baseline="0" dirty="0" err="1">
+                <a:solidFill>
+                  <a:srgbClr val="000000"/>
+                </a:solidFill>
+                <a:latin typeface="Times New Roman" panose="02020603050405020304" pitchFamily="18" charset="0"/>
+                <a:cs typeface="Times New Roman" panose="02020603050405020304" pitchFamily="18" charset="0"/>
+              </a:rPr>
+              <a:t>tive</a:t>
+            </a:r>
+            <a:r>
+              <a:rPr lang="en-US" sz="1600" b="1" u="none" strike="noStrike" baseline="0" dirty="0">
+                <a:solidFill>
+                  <a:srgbClr val="000000"/>
+                </a:solidFill>
+                <a:latin typeface="Times New Roman" panose="02020603050405020304" pitchFamily="18" charset="0"/>
+                <a:cs typeface="Times New Roman" panose="02020603050405020304" pitchFamily="18" charset="0"/>
+              </a:rPr>
+              <a:t> Learning:</a:t>
+            </a:r>
+          </a:p>
+          <a:p>
+            <a:pPr marL="623888" indent="-266700" algn="just">
               <a:buFont typeface="Courier New" panose="02070309020205020404" pitchFamily="49" charset="0"/>
               <a:buChar char="o"/>
             </a:pPr>
             <a:r>
-              <a:rPr lang="ru-RU" sz="1800" kern="100" dirty="0">
-                <a:effectLst/>
-                <a:latin typeface="Times New Roman" panose="02020603050405020304" pitchFamily="18" charset="0"/>
-                <a:ea typeface="Aptos" panose="020B0004020202020204" pitchFamily="34" charset="0"/>
-                <a:cs typeface="Times New Roman" panose="02020603050405020304" pitchFamily="18" charset="0"/>
-              </a:rPr>
-              <a:t>проверить перспективность расширения входных данных моделей структурами, отличающимися от структур, использованных на этапе </a:t>
-            </a:r>
-            <a:r>
-              <a:rPr lang="ru-RU" sz="1800" kern="100" dirty="0" err="1">
-                <a:effectLst/>
-                <a:latin typeface="Times New Roman" panose="02020603050405020304" pitchFamily="18" charset="0"/>
-                <a:ea typeface="Aptos" panose="020B0004020202020204" pitchFamily="34" charset="0"/>
-                <a:cs typeface="Times New Roman" panose="02020603050405020304" pitchFamily="18" charset="0"/>
-              </a:rPr>
-              <a:t>предобучения</a:t>
-            </a:r>
-            <a:r>
-              <a:rPr lang="ru-RU" sz="1800" kern="100" dirty="0">
-                <a:effectLst/>
-                <a:latin typeface="Times New Roman" panose="02020603050405020304" pitchFamily="18" charset="0"/>
-                <a:ea typeface="Aptos" panose="020B0004020202020204" pitchFamily="34" charset="0"/>
-                <a:cs typeface="Times New Roman" panose="02020603050405020304" pitchFamily="18" charset="0"/>
-              </a:rPr>
-              <a:t>;</a:t>
-            </a:r>
-            <a:endParaRPr lang="ru-RU" sz="1400" kern="100" dirty="0">
-              <a:effectLst/>
-              <a:latin typeface="Aptos" panose="020B0004020202020204" pitchFamily="34" charset="0"/>
-              <a:ea typeface="Aptos" panose="020B0004020202020204" pitchFamily="34" charset="0"/>
-              <a:cs typeface="Times New Roman" panose="02020603050405020304" pitchFamily="18" charset="0"/>
-            </a:endParaRPr>
-          </a:p>
-          <a:p>
-            <a:pPr marL="342900" lvl="0" indent="-342900" algn="just">
-              <a:lnSpc>
-                <a:spcPct val="107000"/>
-              </a:lnSpc>
-              <a:spcAft>
-                <a:spcPts val="800"/>
-              </a:spcAft>
+              <a:rPr lang="ru-RU" sz="1400" kern="100" dirty="0">
+                <a:solidFill>
+                  <a:srgbClr val="000000"/>
+                </a:solidFill>
+                <a:latin typeface="Times New Roman" panose="02020603050405020304" pitchFamily="18" charset="0"/>
+                <a:cs typeface="Times New Roman" panose="02020603050405020304" pitchFamily="18" charset="0"/>
+              </a:rPr>
+              <a:t>улучшенное нахождение клонов первого рода;</a:t>
+            </a:r>
+          </a:p>
+          <a:p>
+            <a:pPr marL="623888" indent="-266700" algn="just">
               <a:buFont typeface="Courier New" panose="02070309020205020404" pitchFamily="49" charset="0"/>
               <a:buChar char="o"/>
             </a:pPr>
             <a:r>
-              <a:rPr lang="ru-RU" sz="1800" kern="100" dirty="0">
-                <a:effectLst/>
-                <a:latin typeface="Times New Roman" panose="02020603050405020304" pitchFamily="18" charset="0"/>
-                <a:ea typeface="Aptos" panose="020B0004020202020204" pitchFamily="34" charset="0"/>
-                <a:cs typeface="Times New Roman" panose="02020603050405020304" pitchFamily="18" charset="0"/>
-              </a:rPr>
-              <a:t>провести эксперименты с различными типами </a:t>
-            </a:r>
-            <a:r>
-              <a:rPr lang="ru-RU" sz="1800" kern="100" dirty="0" err="1">
-                <a:effectLst/>
-                <a:latin typeface="Times New Roman" panose="02020603050405020304" pitchFamily="18" charset="0"/>
-                <a:ea typeface="Aptos" panose="020B0004020202020204" pitchFamily="34" charset="0"/>
-                <a:cs typeface="Times New Roman" panose="02020603050405020304" pitchFamily="18" charset="0"/>
-              </a:rPr>
-              <a:t>дополнитетельных</a:t>
-            </a:r>
-            <a:r>
-              <a:rPr lang="ru-RU" sz="1800" kern="100" dirty="0">
-                <a:effectLst/>
-                <a:latin typeface="Times New Roman" panose="02020603050405020304" pitchFamily="18" charset="0"/>
-                <a:ea typeface="Aptos" panose="020B0004020202020204" pitchFamily="34" charset="0"/>
-                <a:cs typeface="Times New Roman" panose="02020603050405020304" pitchFamily="18" charset="0"/>
-              </a:rPr>
-              <a:t> </a:t>
-            </a:r>
-            <a:r>
-              <a:rPr lang="ru-RU" sz="1800" kern="100" dirty="0" err="1">
-                <a:effectLst/>
-                <a:latin typeface="Times New Roman" panose="02020603050405020304" pitchFamily="18" charset="0"/>
-                <a:ea typeface="Aptos" panose="020B0004020202020204" pitchFamily="34" charset="0"/>
-                <a:cs typeface="Times New Roman" panose="02020603050405020304" pitchFamily="18" charset="0"/>
-              </a:rPr>
-              <a:t>аугментационных</a:t>
-            </a:r>
-            <a:r>
-              <a:rPr lang="ru-RU" sz="1800" kern="100" dirty="0">
-                <a:effectLst/>
-                <a:latin typeface="Times New Roman" panose="02020603050405020304" pitchFamily="18" charset="0"/>
-                <a:ea typeface="Aptos" panose="020B0004020202020204" pitchFamily="34" charset="0"/>
-                <a:cs typeface="Times New Roman" panose="02020603050405020304" pitchFamily="18" charset="0"/>
-              </a:rPr>
-              <a:t> структур и проанализировать результаты обучения различных моделей на измененном </a:t>
-            </a:r>
-            <a:r>
-              <a:rPr lang="ru-RU" sz="1800" kern="100" dirty="0" err="1">
-                <a:effectLst/>
-                <a:latin typeface="Times New Roman" panose="02020603050405020304" pitchFamily="18" charset="0"/>
-                <a:ea typeface="Aptos" panose="020B0004020202020204" pitchFamily="34" charset="0"/>
-                <a:cs typeface="Times New Roman" panose="02020603050405020304" pitchFamily="18" charset="0"/>
-              </a:rPr>
-              <a:t>датасете</a:t>
-            </a:r>
-            <a:r>
-              <a:rPr lang="ru-RU" sz="1800" kern="100" dirty="0">
-                <a:effectLst/>
-                <a:latin typeface="Times New Roman" panose="02020603050405020304" pitchFamily="18" charset="0"/>
-                <a:ea typeface="Aptos" panose="020B0004020202020204" pitchFamily="34" charset="0"/>
-                <a:cs typeface="Times New Roman" panose="02020603050405020304" pitchFamily="18" charset="0"/>
-              </a:rPr>
-              <a:t>;</a:t>
-            </a:r>
-            <a:endParaRPr lang="ru-RU" sz="1400" kern="100" dirty="0">
-              <a:effectLst/>
-              <a:latin typeface="Aptos" panose="020B0004020202020204" pitchFamily="34" charset="0"/>
-              <a:ea typeface="Aptos" panose="020B0004020202020204" pitchFamily="34" charset="0"/>
-              <a:cs typeface="Times New Roman" panose="02020603050405020304" pitchFamily="18" charset="0"/>
-            </a:endParaRPr>
-          </a:p>
-          <a:p>
-            <a:pPr marL="342900" lvl="0" indent="-342900" algn="just">
-              <a:lnSpc>
-                <a:spcPct val="107000"/>
-              </a:lnSpc>
-              <a:spcAft>
-                <a:spcPts val="800"/>
-              </a:spcAft>
+              <a:rPr lang="ru-RU" sz="1400" kern="100" dirty="0">
+                <a:solidFill>
+                  <a:srgbClr val="000000"/>
+                </a:solidFill>
+                <a:latin typeface="Times New Roman" panose="02020603050405020304" pitchFamily="18" charset="0"/>
+                <a:cs typeface="Times New Roman" panose="02020603050405020304" pitchFamily="18" charset="0"/>
+              </a:rPr>
+              <a:t>п</a:t>
+            </a:r>
+            <a:r>
+              <a:rPr lang="ru-RU" sz="1400" b="0" u="none" strike="noStrike" kern="100" baseline="0" dirty="0">
+                <a:solidFill>
+                  <a:srgbClr val="000000"/>
+                </a:solidFill>
+                <a:latin typeface="Times New Roman" panose="02020603050405020304" pitchFamily="18" charset="0"/>
+                <a:cs typeface="Times New Roman" panose="02020603050405020304" pitchFamily="18" charset="0"/>
+              </a:rPr>
+              <a:t>оследовательный перевод;</a:t>
+            </a:r>
+          </a:p>
+          <a:p>
+            <a:pPr marL="623888" indent="-266700" algn="just">
               <a:buFont typeface="Courier New" panose="02070309020205020404" pitchFamily="49" charset="0"/>
               <a:buChar char="o"/>
             </a:pPr>
             <a:r>
-              <a:rPr lang="ru-RU" kern="100" dirty="0">
-                <a:latin typeface="Times New Roman" panose="02020603050405020304" pitchFamily="18" charset="0"/>
-                <a:ea typeface="Aptos" panose="020B0004020202020204" pitchFamily="34" charset="0"/>
-                <a:cs typeface="Times New Roman" panose="02020603050405020304" pitchFamily="18" charset="0"/>
-              </a:rPr>
-              <a:t>п</a:t>
-            </a:r>
-            <a:r>
-              <a:rPr lang="ru-RU" sz="1800" kern="100" dirty="0">
-                <a:effectLst/>
-                <a:latin typeface="Times New Roman" panose="02020603050405020304" pitchFamily="18" charset="0"/>
-                <a:ea typeface="Aptos" panose="020B0004020202020204" pitchFamily="34" charset="0"/>
-                <a:cs typeface="Times New Roman" panose="02020603050405020304" pitchFamily="18" charset="0"/>
-              </a:rPr>
-              <a:t>ри необходимости выполнить статистическую обработку полученных результатов</a:t>
-            </a:r>
-            <a:r>
-              <a:rPr lang="ru-RU" sz="1800" dirty="0">
-                <a:effectLst/>
-                <a:latin typeface="Times New Roman" panose="02020603050405020304" pitchFamily="18" charset="0"/>
-                <a:ea typeface="Aptos" panose="020B0004020202020204" pitchFamily="34" charset="0"/>
-              </a:rPr>
-              <a:t> с помощью критерия статистической значимости Мак-</a:t>
-            </a:r>
-            <a:r>
-              <a:rPr lang="ru-RU" sz="1800" dirty="0" err="1">
-                <a:effectLst/>
-                <a:latin typeface="Times New Roman" panose="02020603050405020304" pitchFamily="18" charset="0"/>
-                <a:ea typeface="Aptos" panose="020B0004020202020204" pitchFamily="34" charset="0"/>
-              </a:rPr>
-              <a:t>Немара</a:t>
-            </a:r>
-            <a:r>
-              <a:rPr lang="ru-RU" kern="100" dirty="0">
-                <a:latin typeface="Times New Roman" panose="02020603050405020304" pitchFamily="18" charset="0"/>
-                <a:ea typeface="Aptos" panose="020B0004020202020204" pitchFamily="34" charset="0"/>
-                <a:cs typeface="Times New Roman" panose="02020603050405020304" pitchFamily="18" charset="0"/>
-              </a:rPr>
-              <a:t>.</a:t>
-            </a:r>
-            <a:r>
-              <a:rPr lang="ru-RU" sz="1800" kern="100" dirty="0">
-                <a:effectLst/>
-                <a:latin typeface="Times New Roman" panose="02020603050405020304" pitchFamily="18" charset="0"/>
-                <a:ea typeface="Aptos" panose="020B0004020202020204" pitchFamily="34" charset="0"/>
-                <a:cs typeface="Times New Roman" panose="02020603050405020304" pitchFamily="18" charset="0"/>
-              </a:rPr>
-              <a:t> </a:t>
+              <a:rPr lang="ru-RU" sz="1400" kern="100" dirty="0">
+                <a:solidFill>
+                  <a:srgbClr val="000000"/>
+                </a:solidFill>
+                <a:latin typeface="Times New Roman" panose="02020603050405020304" pitchFamily="18" charset="0"/>
+                <a:cs typeface="Times New Roman" panose="02020603050405020304" pitchFamily="18" charset="0"/>
+              </a:rPr>
+              <a:t>добавление и изменение комментариев;</a:t>
+            </a:r>
+          </a:p>
+          <a:p>
+            <a:pPr marL="623888" indent="-266700" algn="just">
+              <a:buFont typeface="Courier New" panose="02070309020205020404" pitchFamily="49" charset="0"/>
+              <a:buChar char="o"/>
+            </a:pPr>
+            <a:r>
+              <a:rPr lang="ru-RU" sz="1400" kern="100" dirty="0">
+                <a:solidFill>
+                  <a:srgbClr val="000000"/>
+                </a:solidFill>
+                <a:latin typeface="Times New Roman" panose="02020603050405020304" pitchFamily="18" charset="0"/>
+                <a:cs typeface="Times New Roman" panose="02020603050405020304" pitchFamily="18" charset="0"/>
+              </a:rPr>
+              <a:t>с</a:t>
+            </a:r>
+            <a:r>
+              <a:rPr lang="ru-RU" sz="1400" b="0" u="none" strike="noStrike" kern="100" baseline="0" dirty="0">
+                <a:solidFill>
+                  <a:srgbClr val="000000"/>
+                </a:solidFill>
+                <a:latin typeface="Times New Roman" panose="02020603050405020304" pitchFamily="18" charset="0"/>
+                <a:cs typeface="Times New Roman" panose="02020603050405020304" pitchFamily="18" charset="0"/>
+              </a:rPr>
+              <a:t>оздание незначимого кода(</a:t>
+            </a:r>
+            <a:r>
+              <a:rPr lang="en-US" sz="1400" b="0" u="none" strike="noStrike" kern="100" baseline="0" dirty="0">
+                <a:solidFill>
+                  <a:srgbClr val="000000"/>
+                </a:solidFill>
+                <a:latin typeface="Times New Roman" panose="02020603050405020304" pitchFamily="18" charset="0"/>
+                <a:cs typeface="Times New Roman" panose="02020603050405020304" pitchFamily="18" charset="0"/>
+              </a:rPr>
+              <a:t>Dead Code)</a:t>
+            </a:r>
+            <a:endParaRPr lang="ru-RU" sz="1400" b="0" u="none" strike="noStrike" kern="100" baseline="0" dirty="0">
+              <a:solidFill>
+                <a:srgbClr val="000000"/>
+              </a:solidFill>
+              <a:latin typeface="Times New Roman" panose="02020603050405020304" pitchFamily="18" charset="0"/>
+              <a:cs typeface="Times New Roman" panose="02020603050405020304" pitchFamily="18" charset="0"/>
+            </a:endParaRPr>
+          </a:p>
+          <a:p>
+            <a:pPr marL="357188" indent="-174625" algn="just">
+              <a:spcBef>
+                <a:spcPts val="600"/>
+              </a:spcBef>
+            </a:pPr>
+            <a:r>
+              <a:rPr lang="ru-RU" sz="1400" b="1" u="none" strike="noStrike" kern="100" baseline="0" dirty="0">
+                <a:solidFill>
+                  <a:srgbClr val="000000"/>
+                </a:solidFill>
+                <a:latin typeface="Times New Roman" panose="02020603050405020304" pitchFamily="18" charset="0"/>
+                <a:cs typeface="Times New Roman" panose="02020603050405020304" pitchFamily="18" charset="0"/>
+              </a:rPr>
+              <a:t>3) </a:t>
+            </a:r>
+            <a:r>
+              <a:rPr lang="en-US" sz="1600" b="1" u="none" strike="noStrike" baseline="0" dirty="0">
+                <a:solidFill>
+                  <a:srgbClr val="000000"/>
+                </a:solidFill>
+                <a:latin typeface="Times New Roman" panose="02020603050405020304" pitchFamily="18" charset="0"/>
+                <a:cs typeface="Times New Roman" panose="02020603050405020304" pitchFamily="18" charset="0"/>
+              </a:rPr>
+              <a:t>Towards Learning (Dis)-Similarity of Source Code from Program Contrasts:</a:t>
+            </a:r>
+          </a:p>
+          <a:p>
+            <a:pPr marL="623888" indent="-266700" algn="just">
+              <a:buFont typeface="Courier New" panose="02070309020205020404" pitchFamily="49" charset="0"/>
+              <a:buChar char="o"/>
+            </a:pPr>
+            <a:r>
+              <a:rPr lang="ru-RU" sz="1400" kern="100" dirty="0">
+                <a:solidFill>
+                  <a:srgbClr val="000000"/>
+                </a:solidFill>
+                <a:latin typeface="Times New Roman" panose="02020603050405020304" pitchFamily="18" charset="0"/>
+                <a:cs typeface="Times New Roman" panose="02020603050405020304" pitchFamily="18" charset="0"/>
+              </a:rPr>
+              <a:t>прямое изменение кода(например операторов присваивания и сравнения);</a:t>
+            </a:r>
+          </a:p>
+          <a:p>
+            <a:pPr marL="623888" indent="-266700" algn="just">
+              <a:buFont typeface="Courier New" panose="02070309020205020404" pitchFamily="49" charset="0"/>
+              <a:buChar char="o"/>
+            </a:pPr>
+            <a:r>
+              <a:rPr lang="ru-RU" sz="1400" kern="100" dirty="0">
+                <a:solidFill>
+                  <a:srgbClr val="000000"/>
+                </a:solidFill>
+                <a:latin typeface="Times New Roman" panose="02020603050405020304" pitchFamily="18" charset="0"/>
+                <a:cs typeface="Times New Roman" panose="02020603050405020304" pitchFamily="18" charset="0"/>
+              </a:rPr>
+              <a:t>з</a:t>
+            </a:r>
+            <a:r>
+              <a:rPr lang="ru-RU" sz="1400" b="0" u="none" strike="noStrike" kern="100" baseline="0" dirty="0">
+                <a:solidFill>
+                  <a:srgbClr val="000000"/>
+                </a:solidFill>
+                <a:latin typeface="Times New Roman" panose="02020603050405020304" pitchFamily="18" charset="0"/>
+                <a:cs typeface="Times New Roman" panose="02020603050405020304" pitchFamily="18" charset="0"/>
+              </a:rPr>
+              <a:t>амена типа данных;</a:t>
+            </a:r>
+          </a:p>
+          <a:p>
+            <a:pPr marL="623888" indent="-266700" algn="just">
+              <a:buFont typeface="Courier New" panose="02070309020205020404" pitchFamily="49" charset="0"/>
+              <a:buChar char="o"/>
+            </a:pPr>
+            <a:r>
+              <a:rPr lang="ru-RU" sz="1400" kern="100" dirty="0">
+                <a:solidFill>
+                  <a:srgbClr val="000000"/>
+                </a:solidFill>
+                <a:latin typeface="Times New Roman" panose="02020603050405020304" pitchFamily="18" charset="0"/>
+                <a:cs typeface="Times New Roman" panose="02020603050405020304" pitchFamily="18" charset="0"/>
+              </a:rPr>
+              <a:t>пропуск инициализации( присвоение </a:t>
+            </a:r>
+            <a:r>
+              <a:rPr lang="en-US" sz="1400" kern="100" dirty="0">
+                <a:solidFill>
+                  <a:srgbClr val="000000"/>
+                </a:solidFill>
+                <a:latin typeface="Times New Roman" panose="02020603050405020304" pitchFamily="18" charset="0"/>
+                <a:cs typeface="Times New Roman" panose="02020603050405020304" pitchFamily="18" charset="0"/>
+              </a:rPr>
+              <a:t>Null</a:t>
+            </a:r>
+            <a:r>
+              <a:rPr lang="ru-RU" sz="1400" kern="100" dirty="0">
+                <a:solidFill>
+                  <a:srgbClr val="000000"/>
+                </a:solidFill>
+                <a:latin typeface="Times New Roman" panose="02020603050405020304" pitchFamily="18" charset="0"/>
+                <a:cs typeface="Times New Roman" panose="02020603050405020304" pitchFamily="18" charset="0"/>
+              </a:rPr>
+              <a:t> переменной)</a:t>
+            </a:r>
+          </a:p>
+          <a:p>
+            <a:pPr marL="357188" indent="-174625" algn="just">
+              <a:spcBef>
+                <a:spcPts val="600"/>
+              </a:spcBef>
+            </a:pPr>
+            <a:r>
+              <a:rPr lang="en-US" sz="1400" b="1" i="0" u="none" strike="noStrike" kern="100" baseline="0" dirty="0">
+                <a:solidFill>
+                  <a:srgbClr val="000000"/>
+                </a:solidFill>
+                <a:latin typeface="Times New Roman" panose="02020603050405020304" pitchFamily="18" charset="0"/>
+                <a:cs typeface="Times New Roman" panose="02020603050405020304" pitchFamily="18" charset="0"/>
+              </a:rPr>
+              <a:t>4) </a:t>
+            </a:r>
+            <a:r>
+              <a:rPr lang="en-US" sz="1600" b="1" dirty="0">
+                <a:latin typeface="Times New Roman" panose="02020603050405020304" pitchFamily="18" charset="0"/>
+                <a:cs typeface="Times New Roman" panose="02020603050405020304" pitchFamily="18" charset="0"/>
+              </a:rPr>
+              <a:t>Bridging Pre-trained Models and Downstream Tasks for Source Code Understanding</a:t>
+            </a:r>
+            <a:endParaRPr lang="ru-RU" sz="1600" b="1" dirty="0">
+              <a:latin typeface="Times New Roman" panose="02020603050405020304" pitchFamily="18" charset="0"/>
+              <a:cs typeface="Times New Roman" panose="02020603050405020304" pitchFamily="18" charset="0"/>
+            </a:endParaRPr>
+          </a:p>
+          <a:p>
+            <a:pPr marL="623888" indent="-266700" algn="just">
+              <a:spcBef>
+                <a:spcPts val="600"/>
+              </a:spcBef>
+              <a:buFont typeface="Courier New" panose="02070309020205020404" pitchFamily="49" charset="0"/>
+              <a:buChar char="o"/>
+            </a:pPr>
+            <a:r>
+              <a:rPr lang="ru-RU" sz="1400" kern="100" dirty="0">
+                <a:solidFill>
+                  <a:srgbClr val="000000"/>
+                </a:solidFill>
+                <a:latin typeface="Times New Roman" panose="02020603050405020304" pitchFamily="18" charset="0"/>
+                <a:cs typeface="Times New Roman" panose="02020603050405020304" pitchFamily="18" charset="0"/>
+              </a:rPr>
+              <a:t>Исследование ухудшения качества модели при аугментации </a:t>
+            </a:r>
+            <a:r>
+              <a:rPr lang="ru-RU" sz="1400" kern="100" dirty="0" err="1">
+                <a:solidFill>
+                  <a:srgbClr val="000000"/>
+                </a:solidFill>
+                <a:latin typeface="Times New Roman" panose="02020603050405020304" pitchFamily="18" charset="0"/>
+                <a:cs typeface="Times New Roman" panose="02020603050405020304" pitchFamily="18" charset="0"/>
+              </a:rPr>
+              <a:t>датасета</a:t>
+            </a:r>
+            <a:r>
+              <a:rPr lang="ru-RU" sz="1400" kern="100" dirty="0">
+                <a:solidFill>
+                  <a:srgbClr val="000000"/>
+                </a:solidFill>
+                <a:latin typeface="Times New Roman" panose="02020603050405020304" pitchFamily="18" charset="0"/>
+                <a:cs typeface="Times New Roman" panose="02020603050405020304" pitchFamily="18" charset="0"/>
+              </a:rPr>
+              <a:t> </a:t>
+            </a:r>
+            <a:r>
+              <a:rPr lang="en-US" sz="1400" kern="100" dirty="0">
+                <a:solidFill>
+                  <a:srgbClr val="000000"/>
+                </a:solidFill>
+                <a:latin typeface="Times New Roman" panose="02020603050405020304" pitchFamily="18" charset="0"/>
+                <a:cs typeface="Times New Roman" panose="02020603050405020304" pitchFamily="18" charset="0"/>
+              </a:rPr>
+              <a:t>POJ-104</a:t>
             </a:r>
             <a:endParaRPr lang="ru-RU" sz="1400" kern="100" dirty="0">
-              <a:effectLst/>
-              <a:latin typeface="Aptos" panose="020B0004020202020204" pitchFamily="34" charset="0"/>
-              <a:ea typeface="Aptos" panose="020B0004020202020204" pitchFamily="34" charset="0"/>
+              <a:solidFill>
+                <a:srgbClr val="000000"/>
+              </a:solidFill>
+              <a:latin typeface="Times New Roman" panose="02020603050405020304" pitchFamily="18" charset="0"/>
+              <a:cs typeface="Times New Roman" panose="02020603050405020304" pitchFamily="18" charset="0"/>
+            </a:endParaRPr>
+          </a:p>
+          <a:p>
+            <a:pPr marL="623888" indent="-266700" algn="just">
+              <a:spcBef>
+                <a:spcPts val="600"/>
+              </a:spcBef>
+              <a:buFont typeface="Courier New" panose="02070309020205020404" pitchFamily="49" charset="0"/>
+              <a:buChar char="o"/>
+            </a:pPr>
+            <a:r>
+              <a:rPr lang="ru-RU" sz="1400" i="0" u="none" strike="noStrike" kern="100" baseline="0" dirty="0">
+                <a:solidFill>
+                  <a:srgbClr val="000000"/>
+                </a:solidFill>
+                <a:latin typeface="Times New Roman" panose="02020603050405020304" pitchFamily="18" charset="0"/>
+                <a:cs typeface="Times New Roman" panose="02020603050405020304" pitchFamily="18" charset="0"/>
+              </a:rPr>
+              <a:t>Предложение способа снизить издержки путем обучения вначале на оригинальных и только за тем на </a:t>
+            </a:r>
+            <a:r>
+              <a:rPr lang="ru-RU" sz="1400" i="0" u="none" strike="noStrike" kern="100" baseline="0" dirty="0" err="1">
+                <a:solidFill>
+                  <a:srgbClr val="000000"/>
+                </a:solidFill>
+                <a:latin typeface="Times New Roman" panose="02020603050405020304" pitchFamily="18" charset="0"/>
+                <a:cs typeface="Times New Roman" panose="02020603050405020304" pitchFamily="18" charset="0"/>
+              </a:rPr>
+              <a:t>аугментированных</a:t>
+            </a:r>
+            <a:r>
+              <a:rPr lang="ru-RU" sz="1400" i="0" u="none" strike="noStrike" kern="100" baseline="0" dirty="0">
+                <a:solidFill>
+                  <a:srgbClr val="000000"/>
+                </a:solidFill>
+                <a:latin typeface="Times New Roman" panose="02020603050405020304" pitchFamily="18" charset="0"/>
+                <a:cs typeface="Times New Roman" panose="02020603050405020304" pitchFamily="18" charset="0"/>
+              </a:rPr>
+              <a:t> данных</a:t>
+            </a:r>
+          </a:p>
+          <a:p>
+            <a:pPr marL="357188" indent="-174625" algn="just">
+              <a:spcBef>
+                <a:spcPts val="600"/>
+              </a:spcBef>
+            </a:pPr>
+            <a:r>
+              <a:rPr lang="ru-RU" sz="1400" b="1" kern="100" dirty="0">
+                <a:solidFill>
+                  <a:srgbClr val="000000"/>
+                </a:solidFill>
+                <a:latin typeface="Times New Roman" panose="02020603050405020304" pitchFamily="18" charset="0"/>
+                <a:cs typeface="Times New Roman" panose="02020603050405020304" pitchFamily="18" charset="0"/>
+              </a:rPr>
+              <a:t>5)</a:t>
+            </a:r>
+            <a:r>
+              <a:rPr lang="en-US" sz="1400" dirty="0"/>
+              <a:t> </a:t>
+            </a:r>
+            <a:r>
+              <a:rPr lang="en-US" sz="1600" b="1" dirty="0">
+                <a:latin typeface="Times New Roman" panose="02020603050405020304" pitchFamily="18" charset="0"/>
+                <a:cs typeface="Times New Roman" panose="02020603050405020304" pitchFamily="18" charset="0"/>
+              </a:rPr>
+              <a:t>GRAPHCODEBERT: PRE-TRAINING CODE REPRESENTATIONS WITH DATA FLOW</a:t>
+            </a:r>
+            <a:endParaRPr lang="ru-RU" sz="1600" b="1" dirty="0">
+              <a:latin typeface="Times New Roman" panose="02020603050405020304" pitchFamily="18" charset="0"/>
+              <a:cs typeface="Times New Roman" panose="02020603050405020304" pitchFamily="18" charset="0"/>
+            </a:endParaRPr>
+          </a:p>
+          <a:p>
+            <a:pPr marL="623888" indent="-266700" algn="just">
+              <a:spcBef>
+                <a:spcPts val="600"/>
+              </a:spcBef>
+              <a:buFont typeface="Courier New" panose="02070309020205020404" pitchFamily="49" charset="0"/>
+              <a:buChar char="o"/>
+            </a:pPr>
+            <a:r>
+              <a:rPr lang="en-US" sz="1400" b="1" dirty="0">
+                <a:latin typeface="Times New Roman" panose="02020603050405020304" pitchFamily="18" charset="0"/>
+                <a:cs typeface="Times New Roman" panose="02020603050405020304" pitchFamily="18" charset="0"/>
+              </a:rPr>
+              <a:t> </a:t>
+            </a:r>
+            <a:r>
+              <a:rPr lang="ru-RU" sz="1400" dirty="0">
+                <a:latin typeface="Times New Roman" panose="02020603050405020304" pitchFamily="18" charset="0"/>
+                <a:cs typeface="Times New Roman" panose="02020603050405020304" pitchFamily="18" charset="0"/>
+              </a:rPr>
+              <a:t>На этапе </a:t>
+            </a:r>
+            <a:r>
+              <a:rPr lang="ru-RU" sz="1400" dirty="0" err="1">
+                <a:latin typeface="Times New Roman" panose="02020603050405020304" pitchFamily="18" charset="0"/>
+                <a:cs typeface="Times New Roman" panose="02020603050405020304" pitchFamily="18" charset="0"/>
+              </a:rPr>
+              <a:t>предобучения</a:t>
+            </a:r>
+            <a:r>
+              <a:rPr lang="ru-RU" sz="1400" dirty="0">
+                <a:latin typeface="Times New Roman" panose="02020603050405020304" pitchFamily="18" charset="0"/>
+                <a:cs typeface="Times New Roman" panose="02020603050405020304" pitchFamily="18" charset="0"/>
+              </a:rPr>
+              <a:t> модели используется аугментация представления в виде </a:t>
+            </a:r>
+            <a:r>
+              <a:rPr lang="en-US" sz="1400" dirty="0">
+                <a:latin typeface="Times New Roman" panose="02020603050405020304" pitchFamily="18" charset="0"/>
+                <a:cs typeface="Times New Roman" panose="02020603050405020304" pitchFamily="18" charset="0"/>
+              </a:rPr>
+              <a:t>Control Flow</a:t>
+            </a:r>
+            <a:r>
+              <a:rPr lang="ru-RU" sz="1400" dirty="0">
+                <a:latin typeface="Times New Roman" panose="02020603050405020304" pitchFamily="18" charset="0"/>
+                <a:cs typeface="Times New Roman" panose="02020603050405020304" pitchFamily="18" charset="0"/>
+              </a:rPr>
+              <a:t> графов(графов потока управления), чтобы расширить обучающую выборку.</a:t>
+            </a:r>
+            <a:endParaRPr lang="ru-RU" sz="1400" b="1" kern="100" dirty="0">
+              <a:solidFill>
+                <a:srgbClr val="000000"/>
+              </a:solidFill>
+              <a:latin typeface="Times New Roman" panose="02020603050405020304" pitchFamily="18" charset="0"/>
+              <a:cs typeface="Times New Roman" panose="02020603050405020304" pitchFamily="18" charset="0"/>
+            </a:endParaRPr>
+          </a:p>
+          <a:p>
+            <a:pPr marL="357188" indent="-174625" algn="just">
+              <a:spcBef>
+                <a:spcPts val="600"/>
+              </a:spcBef>
+            </a:pPr>
+            <a:endParaRPr lang="ru-RU" sz="1400" b="1" i="0" u="none" strike="noStrike" kern="100" baseline="0" dirty="0">
+              <a:solidFill>
+                <a:srgbClr val="000000"/>
+              </a:solidFill>
+              <a:latin typeface="Times New Roman" panose="02020603050405020304" pitchFamily="18" charset="0"/>
               <a:cs typeface="Times New Roman" panose="02020603050405020304" pitchFamily="18" charset="0"/>
             </a:endParaRPr>
           </a:p>
@@ -16104,7 +17106,7 @@
           <p:cNvPr id="6" name="Номер слайда 5">
             <a:extLst>
               <a:ext uri="{FF2B5EF4-FFF2-40B4-BE49-F238E27FC236}">
-                <a16:creationId xmlns:a16="http://schemas.microsoft.com/office/drawing/2014/main" id="{C4AFF5F4-620E-65B1-66A5-3FEFC4155F0C}"/>
+                <a16:creationId xmlns:a16="http://schemas.microsoft.com/office/drawing/2014/main" id="{8FF1B413-BB13-C4F3-B208-BF6543BDCDF4}"/>
               </a:ext>
             </a:extLst>
           </p:cNvPr>
@@ -16139,7 +17141,7 @@
     </p:spTree>
     <p:extLst>
       <p:ext uri="{BB962C8B-B14F-4D97-AF65-F5344CB8AC3E}">
-        <p14:creationId xmlns:p14="http://schemas.microsoft.com/office/powerpoint/2010/main" val="290437452"/>
+        <p14:creationId xmlns:p14="http://schemas.microsoft.com/office/powerpoint/2010/main" val="43634198"/>
       </p:ext>
     </p:extLst>
   </p:cSld>
@@ -16258,8 +17260,8 @@
         </p:nvSpPr>
         <p:spPr>
           <a:xfrm>
-            <a:off x="1036788" y="184095"/>
-            <a:ext cx="10184234" cy="769441"/>
+            <a:off x="1029525" y="258147"/>
+            <a:ext cx="10184234" cy="1446550"/>
           </a:xfrm>
           <a:prstGeom prst="rect">
             <a:avLst/>
@@ -16280,7 +17282,19 @@
                 </a:solidFill>
                 <a:cs typeface="Latha" panose="020B0502040204020203" pitchFamily="34" charset="0"/>
               </a:rPr>
-              <a:t>Параметры эксперимента</a:t>
+              <a:t>Постановка </a:t>
+            </a:r>
+          </a:p>
+          <a:p>
+            <a:pPr algn="ctr"/>
+            <a:r>
+              <a:rPr lang="ru-RU" sz="4400" b="1" dirty="0">
+                <a:solidFill>
+                  <a:srgbClr val="000392"/>
+                </a:solidFill>
+                <a:cs typeface="Latha" panose="020B0502040204020203" pitchFamily="34" charset="0"/>
+              </a:rPr>
+              <a:t>исследовательской задачи</a:t>
             </a:r>
             <a:endParaRPr lang="ru-RU" sz="5400" b="1" dirty="0">
               <a:solidFill>
@@ -16293,10 +17307,10 @@
       </p:sp>
       <p:sp>
         <p:nvSpPr>
-          <p:cNvPr id="10" name="TextBox 9">
+          <p:cNvPr id="5" name="TextBox 4">
             <a:extLst>
               <a:ext uri="{FF2B5EF4-FFF2-40B4-BE49-F238E27FC236}">
-                <a16:creationId xmlns:a16="http://schemas.microsoft.com/office/drawing/2014/main" id="{62744745-0683-CE87-668E-11DB1537D05B}"/>
+                <a16:creationId xmlns:a16="http://schemas.microsoft.com/office/drawing/2014/main" id="{A77F75F2-CA70-C21E-795F-CA2E8B81A85F}"/>
               </a:ext>
             </a:extLst>
           </p:cNvPr>
@@ -16305,8 +17319,8 @@
         </p:nvSpPr>
         <p:spPr>
           <a:xfrm>
-            <a:off x="457959" y="1207337"/>
-            <a:ext cx="11342157" cy="5345053"/>
+            <a:off x="1029525" y="2089479"/>
+            <a:ext cx="10030361" cy="2627642"/>
           </a:xfrm>
           <a:prstGeom prst="rect">
             <a:avLst/>
@@ -16319,40 +17333,16 @@
           </a:bodyPr>
           <a:lstStyle/>
           <a:p>
-            <a:pPr algn="just">
+            <a:pPr indent="357188" algn="just">
+              <a:lnSpc>
+                <a:spcPct val="150000"/>
+              </a:lnSpc>
               <a:spcAft>
                 <a:spcPts val="800"/>
               </a:spcAft>
             </a:pPr>
             <a:r>
-              <a:rPr lang="ru-RU" kern="100" dirty="0">
-                <a:effectLst/>
-                <a:latin typeface="Times New Roman" panose="02020603050405020304" pitchFamily="18" charset="0"/>
-                <a:ea typeface="Aptos" panose="020B0004020202020204" pitchFamily="34" charset="0"/>
-                <a:cs typeface="Times New Roman" panose="02020603050405020304" pitchFamily="18" charset="0"/>
-              </a:rPr>
-              <a:t>Исследовательские задачи выполнялись на </a:t>
-            </a:r>
-            <a:r>
-              <a:rPr lang="ru-RU" kern="100" dirty="0" err="1">
-                <a:effectLst/>
-                <a:latin typeface="Times New Roman" panose="02020603050405020304" pitchFamily="18" charset="0"/>
-                <a:ea typeface="Aptos" panose="020B0004020202020204" pitchFamily="34" charset="0"/>
-                <a:cs typeface="Times New Roman" panose="02020603050405020304" pitchFamily="18" charset="0"/>
-              </a:rPr>
-              <a:t>датасете</a:t>
-            </a:r>
-            <a:r>
-              <a:rPr lang="ru-RU" kern="100" dirty="0">
-                <a:effectLst/>
-                <a:latin typeface="Times New Roman" panose="02020603050405020304" pitchFamily="18" charset="0"/>
-                <a:ea typeface="Aptos" panose="020B0004020202020204" pitchFamily="34" charset="0"/>
-                <a:cs typeface="Times New Roman" panose="02020603050405020304" pitchFamily="18" charset="0"/>
-              </a:rPr>
-              <a:t> </a:t>
-            </a:r>
-            <a:r>
-              <a:rPr lang="en-US" b="1" i="1" kern="100" dirty="0">
+              <a:rPr lang="ru-RU" sz="2000" b="1" kern="100" dirty="0">
                 <a:solidFill>
                   <a:srgbClr val="FF0000"/>
                 </a:solidFill>
@@ -16361,207 +17351,9 @@
                 <a:ea typeface="Aptos" panose="020B0004020202020204" pitchFamily="34" charset="0"/>
                 <a:cs typeface="Times New Roman" panose="02020603050405020304" pitchFamily="18" charset="0"/>
               </a:rPr>
-              <a:t>POJ</a:t>
-            </a:r>
-            <a:r>
-              <a:rPr lang="ru-RU" b="1" i="1" kern="100" dirty="0">
-                <a:solidFill>
-                  <a:srgbClr val="FF0000"/>
-                </a:solidFill>
-                <a:effectLst/>
-                <a:latin typeface="Times New Roman" panose="02020603050405020304" pitchFamily="18" charset="0"/>
-                <a:ea typeface="Aptos" panose="020B0004020202020204" pitchFamily="34" charset="0"/>
-                <a:cs typeface="Times New Roman" panose="02020603050405020304" pitchFamily="18" charset="0"/>
-              </a:rPr>
-              <a:t>-104</a:t>
-            </a:r>
-            <a:r>
-              <a:rPr lang="ru-RU" kern="100" dirty="0">
-                <a:effectLst/>
-                <a:latin typeface="Times New Roman" panose="02020603050405020304" pitchFamily="18" charset="0"/>
-                <a:ea typeface="Aptos" panose="020B0004020202020204" pitchFamily="34" charset="0"/>
-                <a:cs typeface="Times New Roman" panose="02020603050405020304" pitchFamily="18" charset="0"/>
-              </a:rPr>
-              <a:t>, </a:t>
-            </a:r>
-            <a:r>
-              <a:rPr lang="ru-RU" kern="100" dirty="0" err="1">
-                <a:effectLst/>
-                <a:latin typeface="Times New Roman" panose="02020603050405020304" pitchFamily="18" charset="0"/>
-                <a:ea typeface="Aptos" panose="020B0004020202020204" pitchFamily="34" charset="0"/>
-                <a:cs typeface="Times New Roman" panose="02020603050405020304" pitchFamily="18" charset="0"/>
-              </a:rPr>
-              <a:t>предподготовленном</a:t>
-            </a:r>
-            <a:r>
-              <a:rPr lang="ru-RU" kern="100" dirty="0">
-                <a:effectLst/>
-                <a:latin typeface="Times New Roman" panose="02020603050405020304" pitchFamily="18" charset="0"/>
-                <a:ea typeface="Aptos" panose="020B0004020202020204" pitchFamily="34" charset="0"/>
-                <a:cs typeface="Times New Roman" panose="02020603050405020304" pitchFamily="18" charset="0"/>
-              </a:rPr>
-              <a:t> на предварительном этапе. Была выбрана модель машинного обучения </a:t>
-            </a:r>
-            <a:r>
-              <a:rPr lang="en-US" b="1" i="1" kern="100" dirty="0" err="1">
-                <a:solidFill>
-                  <a:srgbClr val="FF0000"/>
-                </a:solidFill>
-                <a:effectLst/>
-                <a:latin typeface="Times New Roman" panose="02020603050405020304" pitchFamily="18" charset="0"/>
-                <a:ea typeface="Aptos" panose="020B0004020202020204" pitchFamily="34" charset="0"/>
-                <a:cs typeface="Times New Roman" panose="02020603050405020304" pitchFamily="18" charset="0"/>
-              </a:rPr>
-              <a:t>GraphCodeBert</a:t>
-            </a:r>
-            <a:r>
-              <a:rPr lang="ru-RU" b="1" i="1" kern="100" dirty="0">
-                <a:solidFill>
-                  <a:srgbClr val="FF0000"/>
-                </a:solidFill>
-                <a:effectLst/>
-                <a:latin typeface="Times New Roman" panose="02020603050405020304" pitchFamily="18" charset="0"/>
-                <a:ea typeface="Aptos" panose="020B0004020202020204" pitchFamily="34" charset="0"/>
-                <a:cs typeface="Times New Roman" panose="02020603050405020304" pitchFamily="18" charset="0"/>
-              </a:rPr>
-              <a:t>., </a:t>
-            </a:r>
-            <a:r>
-              <a:rPr lang="ru-RU" b="1" i="1" kern="100" dirty="0" err="1">
-                <a:effectLst/>
-                <a:latin typeface="Times New Roman" panose="02020603050405020304" pitchFamily="18" charset="0"/>
-                <a:ea typeface="Aptos" panose="020B0004020202020204" pitchFamily="34" charset="0"/>
-                <a:cs typeface="Times New Roman" panose="02020603050405020304" pitchFamily="18" charset="0"/>
-              </a:rPr>
-              <a:t>предобученная</a:t>
-            </a:r>
-            <a:r>
-              <a:rPr lang="ru-RU" b="1" i="1" kern="100" dirty="0">
-                <a:effectLst/>
-                <a:latin typeface="Times New Roman" panose="02020603050405020304" pitchFamily="18" charset="0"/>
-                <a:ea typeface="Aptos" panose="020B0004020202020204" pitchFamily="34" charset="0"/>
-                <a:cs typeface="Times New Roman" panose="02020603050405020304" pitchFamily="18" charset="0"/>
-              </a:rPr>
-              <a:t> на основе кода графов потока данных. </a:t>
-            </a:r>
-            <a:r>
-              <a:rPr lang="ru-RU" kern="100" dirty="0">
-                <a:effectLst/>
-                <a:latin typeface="Times New Roman" panose="02020603050405020304" pitchFamily="18" charset="0"/>
-                <a:ea typeface="Aptos" panose="020B0004020202020204" pitchFamily="34" charset="0"/>
-                <a:cs typeface="Times New Roman" panose="02020603050405020304" pitchFamily="18" charset="0"/>
-              </a:rPr>
-              <a:t>Также дополнительно была выполнена проверка работы аугментации на модел</a:t>
-            </a:r>
-            <a:r>
-              <a:rPr lang="ru-RU" kern="100" dirty="0">
-                <a:latin typeface="Times New Roman" panose="02020603050405020304" pitchFamily="18" charset="0"/>
-                <a:ea typeface="Aptos" panose="020B0004020202020204" pitchFamily="34" charset="0"/>
-                <a:cs typeface="Times New Roman" panose="02020603050405020304" pitchFamily="18" charset="0"/>
-              </a:rPr>
-              <a:t>ях</a:t>
-            </a:r>
-            <a:r>
-              <a:rPr lang="ru-RU" i="1" kern="100" dirty="0">
-                <a:latin typeface="Times New Roman" panose="02020603050405020304" pitchFamily="18" charset="0"/>
-                <a:ea typeface="Aptos" panose="020B0004020202020204" pitchFamily="34" charset="0"/>
-                <a:cs typeface="Times New Roman" panose="02020603050405020304" pitchFamily="18" charset="0"/>
-              </a:rPr>
-              <a:t> </a:t>
-            </a:r>
-            <a:r>
-              <a:rPr lang="en-US" b="1" i="1" kern="100" dirty="0">
-                <a:solidFill>
-                  <a:srgbClr val="FF0000"/>
-                </a:solidFill>
-                <a:effectLst/>
-                <a:latin typeface="Times New Roman" panose="02020603050405020304" pitchFamily="18" charset="0"/>
-                <a:ea typeface="Aptos" panose="020B0004020202020204" pitchFamily="34" charset="0"/>
-                <a:cs typeface="Times New Roman" panose="02020603050405020304" pitchFamily="18" charset="0"/>
-              </a:rPr>
-              <a:t>Bert</a:t>
-            </a:r>
-            <a:r>
-              <a:rPr lang="ru-RU" b="1" i="1" kern="100" dirty="0">
-                <a:solidFill>
-                  <a:srgbClr val="FF0000"/>
-                </a:solidFill>
-                <a:effectLst/>
-                <a:latin typeface="Times New Roman" panose="02020603050405020304" pitchFamily="18" charset="0"/>
-                <a:ea typeface="Aptos" panose="020B0004020202020204" pitchFamily="34" charset="0"/>
-                <a:cs typeface="Times New Roman" panose="02020603050405020304" pitchFamily="18" charset="0"/>
-              </a:rPr>
-              <a:t> </a:t>
-            </a:r>
-            <a:r>
-              <a:rPr lang="ru-RU" kern="100" dirty="0">
-                <a:effectLst/>
-                <a:latin typeface="Times New Roman" panose="02020603050405020304" pitchFamily="18" charset="0"/>
-                <a:ea typeface="Aptos" panose="020B0004020202020204" pitchFamily="34" charset="0"/>
-                <a:cs typeface="Times New Roman" panose="02020603050405020304" pitchFamily="18" charset="0"/>
-              </a:rPr>
-              <a:t>и</a:t>
-            </a:r>
-            <a:r>
-              <a:rPr lang="ru-RU" b="1" i="1" kern="100" dirty="0">
-                <a:solidFill>
-                  <a:srgbClr val="FF0000"/>
-                </a:solidFill>
-                <a:effectLst/>
-                <a:latin typeface="Times New Roman" panose="02020603050405020304" pitchFamily="18" charset="0"/>
-                <a:ea typeface="Aptos" panose="020B0004020202020204" pitchFamily="34" charset="0"/>
-                <a:cs typeface="Times New Roman" panose="02020603050405020304" pitchFamily="18" charset="0"/>
-              </a:rPr>
-              <a:t> </a:t>
-            </a:r>
-            <a:r>
-              <a:rPr lang="en-US" b="1" i="1" kern="100" dirty="0" err="1">
-                <a:solidFill>
-                  <a:srgbClr val="FF0000"/>
-                </a:solidFill>
-                <a:effectLst/>
-                <a:latin typeface="Times New Roman" panose="02020603050405020304" pitchFamily="18" charset="0"/>
-                <a:ea typeface="Aptos" panose="020B0004020202020204" pitchFamily="34" charset="0"/>
-                <a:cs typeface="Times New Roman" panose="02020603050405020304" pitchFamily="18" charset="0"/>
-              </a:rPr>
-              <a:t>UnixCoder</a:t>
-            </a:r>
-            <a:r>
-              <a:rPr lang="ru-RU" i="1" kern="100" dirty="0">
-                <a:latin typeface="Times New Roman" panose="02020603050405020304" pitchFamily="18" charset="0"/>
-                <a:ea typeface="Aptos" panose="020B0004020202020204" pitchFamily="34" charset="0"/>
-                <a:cs typeface="Times New Roman" panose="02020603050405020304" pitchFamily="18" charset="0"/>
-              </a:rPr>
-              <a:t>.</a:t>
-            </a:r>
-            <a:endParaRPr lang="ru-RU" sz="1400" i="1" kern="100" dirty="0">
-              <a:latin typeface="Aptos" panose="020B0004020202020204" pitchFamily="34" charset="0"/>
-              <a:ea typeface="Aptos" panose="020B0004020202020204" pitchFamily="34" charset="0"/>
-              <a:cs typeface="Times New Roman" panose="02020603050405020304" pitchFamily="18" charset="0"/>
-            </a:endParaRPr>
-          </a:p>
-          <a:p>
-            <a:pPr indent="363538" algn="just">
-              <a:spcAft>
-                <a:spcPts val="800"/>
-              </a:spcAft>
-            </a:pPr>
-            <a:r>
-              <a:rPr lang="ru-RU" b="1" kern="100" dirty="0">
-                <a:solidFill>
-                  <a:srgbClr val="FF0000"/>
-                </a:solidFill>
-                <a:effectLst/>
-                <a:latin typeface="Times New Roman" panose="02020603050405020304" pitchFamily="18" charset="0"/>
-                <a:ea typeface="Aptos" panose="020B0004020202020204" pitchFamily="34" charset="0"/>
-                <a:cs typeface="Times New Roman" panose="02020603050405020304" pitchFamily="18" charset="0"/>
-              </a:rPr>
-              <a:t>Принятые параметры эксперимента:</a:t>
-            </a:r>
-            <a:endParaRPr lang="ru-RU" sz="1400" kern="100" dirty="0">
-              <a:solidFill>
-                <a:srgbClr val="FF0000"/>
-              </a:solidFill>
+              <a:t>Исследовательские задачи: </a:t>
+            </a:r>
+            <a:endParaRPr lang="ru-RU" sz="2000" kern="100" dirty="0">
               <a:effectLst/>
               <a:latin typeface="Aptos" panose="020B0004020202020204" pitchFamily="34" charset="0"/>
               <a:ea typeface="Aptos" panose="020B0004020202020204" pitchFamily="34" charset="0"/>
@@ -16570,6 +17362,9 @@
           </a:p>
           <a:p>
             <a:pPr marL="342900" lvl="0" indent="-342900" algn="just">
+              <a:lnSpc>
+                <a:spcPct val="107000"/>
+              </a:lnSpc>
               <a:spcAft>
                 <a:spcPts val="800"/>
               </a:spcAft>
@@ -16577,73 +17372,31 @@
               <a:buChar char="o"/>
             </a:pPr>
             <a:r>
-              <a:rPr lang="ru-RU" kern="100" dirty="0">
-                <a:effectLst/>
-                <a:latin typeface="Times New Roman" panose="02020603050405020304" pitchFamily="18" charset="0"/>
-                <a:ea typeface="Aptos" panose="020B0004020202020204" pitchFamily="34" charset="0"/>
-                <a:cs typeface="Times New Roman" panose="02020603050405020304" pitchFamily="18" charset="0"/>
-              </a:rPr>
-              <a:t>Из 12 классов, содержащих </a:t>
-            </a:r>
-            <a:r>
-              <a:rPr lang="ru-RU" kern="100" dirty="0" err="1">
-                <a:effectLst/>
-                <a:latin typeface="Times New Roman" panose="02020603050405020304" pitchFamily="18" charset="0"/>
-                <a:ea typeface="Aptos" panose="020B0004020202020204" pitchFamily="34" charset="0"/>
-                <a:cs typeface="Times New Roman" panose="02020603050405020304" pitchFamily="18" charset="0"/>
-              </a:rPr>
-              <a:t>сниппеты</a:t>
-            </a:r>
-            <a:r>
-              <a:rPr lang="ru-RU" kern="100" dirty="0">
-                <a:effectLst/>
-                <a:latin typeface="Times New Roman" panose="02020603050405020304" pitchFamily="18" charset="0"/>
-                <a:ea typeface="Aptos" panose="020B0004020202020204" pitchFamily="34" charset="0"/>
-                <a:cs typeface="Times New Roman" panose="02020603050405020304" pitchFamily="18" charset="0"/>
-              </a:rPr>
-              <a:t>, являющиеся клонами друг друга внутри класса, выбраны </a:t>
-            </a:r>
-          </a:p>
-          <a:p>
-            <a:pPr lvl="0" algn="just">
-              <a:spcAft>
-                <a:spcPts val="800"/>
-              </a:spcAft>
-            </a:pPr>
-            <a:r>
-              <a:rPr lang="ru-RU" kern="100" dirty="0">
-                <a:latin typeface="Times New Roman" panose="02020603050405020304" pitchFamily="18" charset="0"/>
-                <a:ea typeface="Aptos" panose="020B0004020202020204" pitchFamily="34" charset="0"/>
-                <a:cs typeface="Times New Roman" panose="02020603050405020304" pitchFamily="18" charset="0"/>
-              </a:rPr>
-              <a:t>      </a:t>
-            </a:r>
-            <a:r>
-              <a:rPr lang="ru-RU" b="1" kern="100" dirty="0">
-                <a:effectLst/>
-                <a:latin typeface="Times New Roman" panose="02020603050405020304" pitchFamily="18" charset="0"/>
-                <a:ea typeface="Aptos" panose="020B0004020202020204" pitchFamily="34" charset="0"/>
-                <a:cs typeface="Times New Roman" panose="02020603050405020304" pitchFamily="18" charset="0"/>
-              </a:rPr>
-              <a:t>1200 </a:t>
-            </a:r>
-            <a:r>
-              <a:rPr lang="ru-RU" kern="100" dirty="0" err="1">
-                <a:effectLst/>
-                <a:latin typeface="Times New Roman" panose="02020603050405020304" pitchFamily="18" charset="0"/>
-                <a:ea typeface="Aptos" panose="020B0004020202020204" pitchFamily="34" charset="0"/>
-                <a:cs typeface="Times New Roman" panose="02020603050405020304" pitchFamily="18" charset="0"/>
-              </a:rPr>
-              <a:t>сниппетов</a:t>
-            </a:r>
-            <a:r>
-              <a:rPr lang="ru-RU" kern="100" dirty="0">
-                <a:effectLst/>
-                <a:latin typeface="Times New Roman" panose="02020603050405020304" pitchFamily="18" charset="0"/>
-                <a:ea typeface="Aptos" panose="020B0004020202020204" pitchFamily="34" charset="0"/>
-                <a:cs typeface="Times New Roman" panose="02020603050405020304" pitchFamily="18" charset="0"/>
-              </a:rPr>
-              <a:t> кода.</a:t>
+              <a:rPr lang="ru-RU" sz="1800" kern="100" dirty="0">
+                <a:effectLst/>
+                <a:latin typeface="Times New Roman" panose="02020603050405020304" pitchFamily="18" charset="0"/>
+                <a:ea typeface="Aptos" panose="020B0004020202020204" pitchFamily="34" charset="0"/>
+                <a:cs typeface="Times New Roman" panose="02020603050405020304" pitchFamily="18" charset="0"/>
+              </a:rPr>
+              <a:t>проверить перспективность расширения входных данных моделей структурами, отличающимися от структур, использованных на этапе </a:t>
+            </a:r>
+            <a:r>
+              <a:rPr lang="ru-RU" sz="1800" kern="100" dirty="0" err="1">
+                <a:effectLst/>
+                <a:latin typeface="Times New Roman" panose="02020603050405020304" pitchFamily="18" charset="0"/>
+                <a:ea typeface="Aptos" panose="020B0004020202020204" pitchFamily="34" charset="0"/>
+                <a:cs typeface="Times New Roman" panose="02020603050405020304" pitchFamily="18" charset="0"/>
+              </a:rPr>
+              <a:t>предобучения</a:t>
+            </a:r>
+            <a:r>
+              <a:rPr lang="ru-RU" sz="1800" kern="100" dirty="0">
+                <a:effectLst/>
+                <a:latin typeface="Times New Roman" panose="02020603050405020304" pitchFamily="18" charset="0"/>
+                <a:ea typeface="Aptos" panose="020B0004020202020204" pitchFamily="34" charset="0"/>
+                <a:cs typeface="Times New Roman" panose="02020603050405020304" pitchFamily="18" charset="0"/>
+              </a:rPr>
+              <a:t>;</a:t>
             </a:r>
             <a:endParaRPr lang="ru-RU" sz="1400" kern="100" dirty="0">
               <a:effectLst/>
@@ -16654,6 +17407,9 @@
           </a:p>
           <a:p>
             <a:pPr marL="342900" lvl="0" indent="-342900" algn="just">
+              <a:lnSpc>
+                <a:spcPct val="107000"/>
+              </a:lnSpc>
               <a:spcAft>
                 <a:spcPts val="800"/>
               </a:spcAft>
@@ -16661,58 +17417,67 @@
               <a:buChar char="o"/>
             </a:pPr>
             <a:r>
-              <a:rPr lang="ru-RU" kern="100" dirty="0" err="1">
-                <a:effectLst/>
-                <a:latin typeface="Times New Roman" panose="02020603050405020304" pitchFamily="18" charset="0"/>
-                <a:ea typeface="Aptos" panose="020B0004020202020204" pitchFamily="34" charset="0"/>
-                <a:cs typeface="Times New Roman" panose="02020603050405020304" pitchFamily="18" charset="0"/>
-              </a:rPr>
-              <a:t>Сниппеты</a:t>
-            </a:r>
-            <a:r>
-              <a:rPr lang="ru-RU" kern="100" dirty="0">
-                <a:effectLst/>
-                <a:latin typeface="Times New Roman" panose="02020603050405020304" pitchFamily="18" charset="0"/>
-                <a:ea typeface="Aptos" panose="020B0004020202020204" pitchFamily="34" charset="0"/>
-                <a:cs typeface="Times New Roman" panose="02020603050405020304" pitchFamily="18" charset="0"/>
-              </a:rPr>
-              <a:t> были объединены в </a:t>
-            </a:r>
-            <a:r>
-              <a:rPr lang="ru-RU" b="1" kern="100" dirty="0">
-                <a:effectLst/>
-                <a:latin typeface="Times New Roman" panose="02020603050405020304" pitchFamily="18" charset="0"/>
-                <a:ea typeface="Aptos" panose="020B0004020202020204" pitchFamily="34" charset="0"/>
-                <a:cs typeface="Times New Roman" panose="02020603050405020304" pitchFamily="18" charset="0"/>
-              </a:rPr>
-              <a:t>118800 </a:t>
-            </a:r>
-            <a:r>
-              <a:rPr lang="ru-RU" kern="100" dirty="0">
-                <a:effectLst/>
-                <a:latin typeface="Times New Roman" panose="02020603050405020304" pitchFamily="18" charset="0"/>
-                <a:ea typeface="Aptos" panose="020B0004020202020204" pitchFamily="34" charset="0"/>
-                <a:cs typeface="Times New Roman" panose="02020603050405020304" pitchFamily="18" charset="0"/>
-              </a:rPr>
-              <a:t>пар, разбитых на два равных класса по признаку принадлежности обоих </a:t>
-            </a:r>
-            <a:r>
-              <a:rPr lang="ru-RU" kern="100" dirty="0" err="1">
-                <a:effectLst/>
-                <a:latin typeface="Times New Roman" panose="02020603050405020304" pitchFamily="18" charset="0"/>
-                <a:ea typeface="Aptos" panose="020B0004020202020204" pitchFamily="34" charset="0"/>
-                <a:cs typeface="Times New Roman" panose="02020603050405020304" pitchFamily="18" charset="0"/>
-              </a:rPr>
-              <a:t>сниппетов</a:t>
-            </a:r>
-            <a:r>
-              <a:rPr lang="ru-RU" kern="100" dirty="0">
-                <a:effectLst/>
-                <a:latin typeface="Times New Roman" panose="02020603050405020304" pitchFamily="18" charset="0"/>
-                <a:ea typeface="Aptos" panose="020B0004020202020204" pitchFamily="34" charset="0"/>
-                <a:cs typeface="Times New Roman" panose="02020603050405020304" pitchFamily="18" charset="0"/>
-              </a:rPr>
-              <a:t> в паре к одному классу из 12. </a:t>
+              <a:rPr lang="ru-RU" sz="1800" kern="100" dirty="0">
+                <a:effectLst/>
+                <a:latin typeface="Times New Roman" panose="02020603050405020304" pitchFamily="18" charset="0"/>
+                <a:ea typeface="Aptos" panose="020B0004020202020204" pitchFamily="34" charset="0"/>
+                <a:cs typeface="Times New Roman" panose="02020603050405020304" pitchFamily="18" charset="0"/>
+              </a:rPr>
+              <a:t>провести эксперименты с различными типами </a:t>
+            </a:r>
+            <a:r>
+              <a:rPr lang="ru-RU" sz="1800" kern="100" dirty="0" err="1">
+                <a:effectLst/>
+                <a:latin typeface="Times New Roman" panose="02020603050405020304" pitchFamily="18" charset="0"/>
+                <a:ea typeface="Aptos" panose="020B0004020202020204" pitchFamily="34" charset="0"/>
+                <a:cs typeface="Times New Roman" panose="02020603050405020304" pitchFamily="18" charset="0"/>
+              </a:rPr>
+              <a:t>дополнитетельных</a:t>
+            </a:r>
+            <a:r>
+              <a:rPr lang="ru-RU" sz="1800" kern="100" dirty="0">
+                <a:effectLst/>
+                <a:latin typeface="Times New Roman" panose="02020603050405020304" pitchFamily="18" charset="0"/>
+                <a:ea typeface="Aptos" panose="020B0004020202020204" pitchFamily="34" charset="0"/>
+                <a:cs typeface="Times New Roman" panose="02020603050405020304" pitchFamily="18" charset="0"/>
+              </a:rPr>
+              <a:t> </a:t>
+            </a:r>
+            <a:r>
+              <a:rPr lang="ru-RU" sz="1800" kern="100" dirty="0" err="1">
+                <a:effectLst/>
+                <a:latin typeface="Times New Roman" panose="02020603050405020304" pitchFamily="18" charset="0"/>
+                <a:ea typeface="Aptos" panose="020B0004020202020204" pitchFamily="34" charset="0"/>
+                <a:cs typeface="Times New Roman" panose="02020603050405020304" pitchFamily="18" charset="0"/>
+              </a:rPr>
+              <a:t>аугментационных</a:t>
+            </a:r>
+            <a:r>
+              <a:rPr lang="ru-RU" sz="1800" kern="100" dirty="0">
+                <a:effectLst/>
+                <a:latin typeface="Times New Roman" panose="02020603050405020304" pitchFamily="18" charset="0"/>
+                <a:ea typeface="Aptos" panose="020B0004020202020204" pitchFamily="34" charset="0"/>
+                <a:cs typeface="Times New Roman" panose="02020603050405020304" pitchFamily="18" charset="0"/>
+              </a:rPr>
+              <a:t> структур и проанализировать результаты обучения различных моделей на измененном </a:t>
+            </a:r>
+            <a:r>
+              <a:rPr lang="ru-RU" sz="1800" kern="100" dirty="0" err="1">
+                <a:effectLst/>
+                <a:latin typeface="Times New Roman" panose="02020603050405020304" pitchFamily="18" charset="0"/>
+                <a:ea typeface="Aptos" panose="020B0004020202020204" pitchFamily="34" charset="0"/>
+                <a:cs typeface="Times New Roman" panose="02020603050405020304" pitchFamily="18" charset="0"/>
+              </a:rPr>
+              <a:t>датасете</a:t>
+            </a:r>
+            <a:r>
+              <a:rPr lang="ru-RU" sz="1800" kern="100" dirty="0">
+                <a:effectLst/>
+                <a:latin typeface="Times New Roman" panose="02020603050405020304" pitchFamily="18" charset="0"/>
+                <a:ea typeface="Aptos" panose="020B0004020202020204" pitchFamily="34" charset="0"/>
+                <a:cs typeface="Times New Roman" panose="02020603050405020304" pitchFamily="18" charset="0"/>
+              </a:rPr>
+              <a:t>;</a:t>
             </a:r>
             <a:endParaRPr lang="ru-RU" sz="1400" kern="100" dirty="0">
               <a:effectLst/>
@@ -16723,6 +17488,9 @@
           </a:p>
           <a:p>
             <a:pPr marL="342900" lvl="0" indent="-342900" algn="just">
+              <a:lnSpc>
+                <a:spcPct val="107000"/>
+              </a:lnSpc>
               <a:spcAft>
                 <a:spcPts val="800"/>
               </a:spcAft>
@@ -16731,138 +17499,53 @@
             </a:pPr>
             <a:r>
               <a:rPr lang="ru-RU" kern="100" dirty="0">
-                <a:effectLst/>
-                <a:latin typeface="Times New Roman" panose="02020603050405020304" pitchFamily="18" charset="0"/>
-                <a:ea typeface="Aptos" panose="020B0004020202020204" pitchFamily="34" charset="0"/>
-                <a:cs typeface="Times New Roman" panose="02020603050405020304" pitchFamily="18" charset="0"/>
-              </a:rPr>
-              <a:t>На основе каждого </a:t>
-            </a:r>
-            <a:r>
-              <a:rPr lang="ru-RU" kern="100" dirty="0" err="1">
-                <a:effectLst/>
-                <a:latin typeface="Times New Roman" panose="02020603050405020304" pitchFamily="18" charset="0"/>
-                <a:ea typeface="Aptos" panose="020B0004020202020204" pitchFamily="34" charset="0"/>
-                <a:cs typeface="Times New Roman" panose="02020603050405020304" pitchFamily="18" charset="0"/>
-              </a:rPr>
-              <a:t>сниппета</a:t>
+                <a:latin typeface="Times New Roman" panose="02020603050405020304" pitchFamily="18" charset="0"/>
+                <a:ea typeface="Aptos" panose="020B0004020202020204" pitchFamily="34" charset="0"/>
+                <a:cs typeface="Times New Roman" panose="02020603050405020304" pitchFamily="18" charset="0"/>
+              </a:rPr>
+              <a:t>п</a:t>
+            </a:r>
+            <a:r>
+              <a:rPr lang="ru-RU" sz="1800" kern="100" dirty="0">
+                <a:effectLst/>
+                <a:latin typeface="Times New Roman" panose="02020603050405020304" pitchFamily="18" charset="0"/>
+                <a:ea typeface="Aptos" panose="020B0004020202020204" pitchFamily="34" charset="0"/>
+                <a:cs typeface="Times New Roman" panose="02020603050405020304" pitchFamily="18" charset="0"/>
+              </a:rPr>
+              <a:t>ри необходимости выполнить статистическую обработку полученных результатов</a:t>
+            </a:r>
+            <a:r>
+              <a:rPr lang="ru-RU" sz="1800" dirty="0">
+                <a:effectLst/>
+                <a:latin typeface="Times New Roman" panose="02020603050405020304" pitchFamily="18" charset="0"/>
+                <a:ea typeface="Aptos" panose="020B0004020202020204" pitchFamily="34" charset="0"/>
+              </a:rPr>
+              <a:t> с помощью критерия статистической значимости Мак-</a:t>
+            </a:r>
+            <a:r>
+              <a:rPr lang="ru-RU" sz="1800" dirty="0" err="1">
+                <a:effectLst/>
+                <a:latin typeface="Times New Roman" panose="02020603050405020304" pitchFamily="18" charset="0"/>
+                <a:ea typeface="Aptos" panose="020B0004020202020204" pitchFamily="34" charset="0"/>
+              </a:rPr>
+              <a:t>Немара</a:t>
             </a:r>
             <a:r>
               <a:rPr lang="ru-RU" kern="100" dirty="0">
-                <a:effectLst/>
-                <a:latin typeface="Times New Roman" panose="02020603050405020304" pitchFamily="18" charset="0"/>
-                <a:ea typeface="Aptos" panose="020B0004020202020204" pitchFamily="34" charset="0"/>
-                <a:cs typeface="Times New Roman" panose="02020603050405020304" pitchFamily="18" charset="0"/>
-              </a:rPr>
-              <a:t> из пары формировался соответствующий ему </a:t>
-            </a:r>
-            <a:r>
-              <a:rPr lang="ru-RU" kern="100" dirty="0" err="1">
-                <a:effectLst/>
-                <a:latin typeface="Times New Roman" panose="02020603050405020304" pitchFamily="18" charset="0"/>
-                <a:ea typeface="Aptos" panose="020B0004020202020204" pitchFamily="34" charset="0"/>
-                <a:cs typeface="Times New Roman" panose="02020603050405020304" pitchFamily="18" charset="0"/>
-              </a:rPr>
-              <a:t>эмбеддинг</a:t>
-            </a:r>
-            <a:r>
-              <a:rPr lang="ru-RU" kern="100" dirty="0">
-                <a:effectLst/>
-                <a:latin typeface="Times New Roman" panose="02020603050405020304" pitchFamily="18" charset="0"/>
-                <a:ea typeface="Aptos" panose="020B0004020202020204" pitchFamily="34" charset="0"/>
-                <a:cs typeface="Times New Roman" panose="02020603050405020304" pitchFamily="18" charset="0"/>
-              </a:rPr>
-              <a:t>, предоставленный моделью, длиной </a:t>
-            </a:r>
-            <a:r>
-              <a:rPr lang="ru-RU" b="1" kern="100" dirty="0">
-                <a:effectLst/>
-                <a:latin typeface="Times New Roman" panose="02020603050405020304" pitchFamily="18" charset="0"/>
-                <a:ea typeface="Aptos" panose="020B0004020202020204" pitchFamily="34" charset="0"/>
-                <a:cs typeface="Times New Roman" panose="02020603050405020304" pitchFamily="18" charset="0"/>
-              </a:rPr>
-              <a:t>512</a:t>
-            </a:r>
-            <a:r>
-              <a:rPr lang="ru-RU" kern="100" dirty="0">
-                <a:effectLst/>
-                <a:latin typeface="Times New Roman" panose="02020603050405020304" pitchFamily="18" charset="0"/>
-                <a:ea typeface="Aptos" panose="020B0004020202020204" pitchFamily="34" charset="0"/>
-                <a:cs typeface="Times New Roman" panose="02020603050405020304" pitchFamily="18" charset="0"/>
-              </a:rPr>
-              <a:t>, которые затем объединялись в единый </a:t>
-            </a:r>
-            <a:r>
-              <a:rPr lang="ru-RU" kern="100" dirty="0" err="1">
-                <a:effectLst/>
-                <a:latin typeface="Times New Roman" panose="02020603050405020304" pitchFamily="18" charset="0"/>
-                <a:ea typeface="Aptos" panose="020B0004020202020204" pitchFamily="34" charset="0"/>
-                <a:cs typeface="Times New Roman" panose="02020603050405020304" pitchFamily="18" charset="0"/>
-              </a:rPr>
-              <a:t>эмбеддинг</a:t>
-            </a:r>
-            <a:r>
-              <a:rPr lang="ru-RU" kern="100" dirty="0">
-                <a:effectLst/>
-                <a:latin typeface="Times New Roman" panose="02020603050405020304" pitchFamily="18" charset="0"/>
-                <a:ea typeface="Aptos" panose="020B0004020202020204" pitchFamily="34" charset="0"/>
-                <a:cs typeface="Times New Roman" panose="02020603050405020304" pitchFamily="18" charset="0"/>
-              </a:rPr>
-              <a:t>. В единый </a:t>
-            </a:r>
-            <a:r>
-              <a:rPr lang="ru-RU" kern="100" dirty="0" err="1">
-                <a:effectLst/>
-                <a:latin typeface="Times New Roman" panose="02020603050405020304" pitchFamily="18" charset="0"/>
-                <a:ea typeface="Aptos" panose="020B0004020202020204" pitchFamily="34" charset="0"/>
-                <a:cs typeface="Times New Roman" panose="02020603050405020304" pitchFamily="18" charset="0"/>
-              </a:rPr>
-              <a:t>эмбеддинг</a:t>
-            </a:r>
-            <a:r>
-              <a:rPr lang="ru-RU" kern="100" dirty="0">
-                <a:effectLst/>
-                <a:latin typeface="Times New Roman" panose="02020603050405020304" pitchFamily="18" charset="0"/>
-                <a:ea typeface="Aptos" panose="020B0004020202020204" pitchFamily="34" charset="0"/>
-                <a:cs typeface="Times New Roman" panose="02020603050405020304" pitchFamily="18" charset="0"/>
-              </a:rPr>
-              <a:t> также добавлялись данные о скаляре косинусного расстояния между </a:t>
-            </a:r>
-            <a:r>
-              <a:rPr lang="ru-RU" kern="100" dirty="0" err="1">
-                <a:effectLst/>
-                <a:latin typeface="Times New Roman" panose="02020603050405020304" pitchFamily="18" charset="0"/>
-                <a:ea typeface="Aptos" panose="020B0004020202020204" pitchFamily="34" charset="0"/>
-                <a:cs typeface="Times New Roman" panose="02020603050405020304" pitchFamily="18" charset="0"/>
-              </a:rPr>
-              <a:t>эмбеддингами</a:t>
-            </a:r>
-            <a:r>
-              <a:rPr lang="ru-RU" kern="100" dirty="0">
-                <a:effectLst/>
-                <a:latin typeface="Times New Roman" panose="02020603050405020304" pitchFamily="18" charset="0"/>
-                <a:ea typeface="Aptos" panose="020B0004020202020204" pitchFamily="34" charset="0"/>
-                <a:cs typeface="Times New Roman" panose="02020603050405020304" pitchFamily="18" charset="0"/>
-              </a:rPr>
-              <a:t> </a:t>
-            </a:r>
-            <a:r>
-              <a:rPr lang="ru-RU" kern="100" dirty="0" err="1">
-                <a:effectLst/>
-                <a:latin typeface="Times New Roman" panose="02020603050405020304" pitchFamily="18" charset="0"/>
-                <a:ea typeface="Aptos" panose="020B0004020202020204" pitchFamily="34" charset="0"/>
-                <a:cs typeface="Times New Roman" panose="02020603050405020304" pitchFamily="18" charset="0"/>
-              </a:rPr>
-              <a:t>сниппетов</a:t>
-            </a:r>
-            <a:r>
-              <a:rPr lang="ru-RU" kern="100" dirty="0">
-                <a:effectLst/>
-                <a:latin typeface="Times New Roman" panose="02020603050405020304" pitchFamily="18" charset="0"/>
-                <a:ea typeface="Aptos" panose="020B0004020202020204" pitchFamily="34" charset="0"/>
-                <a:cs typeface="Times New Roman" panose="02020603050405020304" pitchFamily="18" charset="0"/>
-              </a:rPr>
-              <a:t>. </a:t>
+                <a:latin typeface="Times New Roman" panose="02020603050405020304" pitchFamily="18" charset="0"/>
+                <a:ea typeface="Aptos" panose="020B0004020202020204" pitchFamily="34" charset="0"/>
+                <a:cs typeface="Times New Roman" panose="02020603050405020304" pitchFamily="18" charset="0"/>
+              </a:rPr>
+              <a:t>.</a:t>
+            </a:r>
+            <a:r>
+              <a:rPr lang="ru-RU" sz="1800" kern="100" dirty="0">
+                <a:effectLst/>
+                <a:latin typeface="Times New Roman" panose="02020603050405020304" pitchFamily="18" charset="0"/>
+                <a:ea typeface="Aptos" panose="020B0004020202020204" pitchFamily="34" charset="0"/>
+                <a:cs typeface="Times New Roman" panose="02020603050405020304" pitchFamily="18" charset="0"/>
+              </a:rPr>
+              <a:t> </a:t>
             </a:r>
             <a:endParaRPr lang="ru-RU" sz="1400" kern="100" dirty="0">
               <a:effectLst/>
@@ -16871,215 +17554,6 @@
               <a:cs typeface="Times New Roman" panose="02020603050405020304" pitchFamily="18" charset="0"/>
             </a:endParaRPr>
           </a:p>
-          <a:p>
-            <a:pPr marL="342900" lvl="0" indent="-342900" algn="just">
-              <a:spcAft>
-                <a:spcPts val="800"/>
-              </a:spcAft>
-              <a:buFont typeface="Courier New" panose="02070309020205020404" pitchFamily="49" charset="0"/>
-              <a:buChar char="o"/>
-            </a:pPr>
-            <a:r>
-              <a:rPr lang="ru-RU" kern="100" dirty="0">
-                <a:effectLst/>
-                <a:latin typeface="Times New Roman" panose="02020603050405020304" pitchFamily="18" charset="0"/>
-                <a:ea typeface="Aptos" panose="020B0004020202020204" pitchFamily="34" charset="0"/>
-                <a:cs typeface="Times New Roman" panose="02020603050405020304" pitchFamily="18" charset="0"/>
-              </a:rPr>
-              <a:t>Итоговые </a:t>
-            </a:r>
-            <a:r>
-              <a:rPr lang="ru-RU" kern="100" dirty="0" err="1">
-                <a:effectLst/>
-                <a:latin typeface="Times New Roman" panose="02020603050405020304" pitchFamily="18" charset="0"/>
-                <a:ea typeface="Aptos" panose="020B0004020202020204" pitchFamily="34" charset="0"/>
-                <a:cs typeface="Times New Roman" panose="02020603050405020304" pitchFamily="18" charset="0"/>
-              </a:rPr>
-              <a:t>эмбединги</a:t>
-            </a:r>
-            <a:r>
-              <a:rPr lang="ru-RU" kern="100" dirty="0">
-                <a:effectLst/>
-                <a:latin typeface="Times New Roman" panose="02020603050405020304" pitchFamily="18" charset="0"/>
-                <a:ea typeface="Aptos" panose="020B0004020202020204" pitchFamily="34" charset="0"/>
-                <a:cs typeface="Times New Roman" panose="02020603050405020304" pitchFamily="18" charset="0"/>
-              </a:rPr>
-              <a:t> разделялись в соотношении </a:t>
-            </a:r>
-            <a:r>
-              <a:rPr lang="ru-RU" b="1" kern="100" dirty="0">
-                <a:latin typeface="Times New Roman" panose="02020603050405020304" pitchFamily="18" charset="0"/>
-                <a:ea typeface="Aptos" panose="020B0004020202020204" pitchFamily="34" charset="0"/>
-                <a:cs typeface="Times New Roman" panose="02020603050405020304" pitchFamily="18" charset="0"/>
-              </a:rPr>
-              <a:t>0,7</a:t>
-            </a:r>
-            <a:r>
-              <a:rPr lang="ru-RU" b="1" kern="100" dirty="0">
-                <a:effectLst/>
-                <a:latin typeface="Times New Roman" panose="02020603050405020304" pitchFamily="18" charset="0"/>
-                <a:ea typeface="Aptos" panose="020B0004020202020204" pitchFamily="34" charset="0"/>
-                <a:cs typeface="Times New Roman" panose="02020603050405020304" pitchFamily="18" charset="0"/>
-              </a:rPr>
-              <a:t>:0,09:0,21</a:t>
-            </a:r>
-            <a:r>
-              <a:rPr lang="ru-RU" kern="100" dirty="0">
-                <a:effectLst/>
-                <a:latin typeface="Times New Roman" panose="02020603050405020304" pitchFamily="18" charset="0"/>
-                <a:ea typeface="Aptos" panose="020B0004020202020204" pitchFamily="34" charset="0"/>
-                <a:cs typeface="Times New Roman" panose="02020603050405020304" pitchFamily="18" charset="0"/>
-              </a:rPr>
-              <a:t> на обучающую, </a:t>
-            </a:r>
-            <a:r>
-              <a:rPr lang="ru-RU" kern="100" dirty="0" err="1">
-                <a:effectLst/>
-                <a:latin typeface="Times New Roman" panose="02020603050405020304" pitchFamily="18" charset="0"/>
-                <a:ea typeface="Aptos" panose="020B0004020202020204" pitchFamily="34" charset="0"/>
-                <a:cs typeface="Times New Roman" panose="02020603050405020304" pitchFamily="18" charset="0"/>
-              </a:rPr>
-              <a:t>валидационную</a:t>
-            </a:r>
-            <a:r>
-              <a:rPr lang="ru-RU" kern="100" dirty="0">
-                <a:effectLst/>
-                <a:latin typeface="Times New Roman" panose="02020603050405020304" pitchFamily="18" charset="0"/>
-                <a:ea typeface="Aptos" panose="020B0004020202020204" pitchFamily="34" charset="0"/>
-                <a:cs typeface="Times New Roman" panose="02020603050405020304" pitchFamily="18" charset="0"/>
-              </a:rPr>
-              <a:t> и тестовую выборку соответственно для обучения классификационной нейросети.</a:t>
-            </a:r>
-            <a:endParaRPr lang="ru-RU" sz="1400" kern="100" dirty="0">
-              <a:effectLst/>
-              <a:latin typeface="Aptos" panose="020B0004020202020204" pitchFamily="34" charset="0"/>
-              <a:ea typeface="Aptos" panose="020B0004020202020204" pitchFamily="34" charset="0"/>
-              <a:cs typeface="Times New Roman" panose="02020603050405020304" pitchFamily="18" charset="0"/>
-            </a:endParaRPr>
-          </a:p>
-          <a:p>
-            <a:pPr marL="342900" lvl="0" indent="-342900" algn="just">
-              <a:spcAft>
-                <a:spcPts val="800"/>
-              </a:spcAft>
-              <a:buFont typeface="Courier New" panose="02070309020205020404" pitchFamily="49" charset="0"/>
-              <a:buChar char="o"/>
-            </a:pPr>
-            <a:r>
-              <a:rPr lang="ru-RU" kern="100" dirty="0">
-                <a:effectLst/>
-                <a:latin typeface="Times New Roman" panose="02020603050405020304" pitchFamily="18" charset="0"/>
-                <a:ea typeface="Aptos" panose="020B0004020202020204" pitchFamily="34" charset="0"/>
-                <a:cs typeface="Times New Roman" panose="02020603050405020304" pitchFamily="18" charset="0"/>
-              </a:rPr>
-              <a:t>Обучение нейросети происходило на </a:t>
-            </a:r>
-            <a:r>
-              <a:rPr lang="ru-RU" b="1" kern="100" dirty="0">
-                <a:effectLst/>
-                <a:latin typeface="Times New Roman" panose="02020603050405020304" pitchFamily="18" charset="0"/>
-                <a:ea typeface="Aptos" panose="020B0004020202020204" pitchFamily="34" charset="0"/>
-                <a:cs typeface="Times New Roman" panose="02020603050405020304" pitchFamily="18" charset="0"/>
-              </a:rPr>
-              <a:t>1000 </a:t>
-            </a:r>
-            <a:r>
-              <a:rPr lang="ru-RU" kern="100" dirty="0">
-                <a:effectLst/>
-                <a:latin typeface="Times New Roman" panose="02020603050405020304" pitchFamily="18" charset="0"/>
-                <a:ea typeface="Aptos" panose="020B0004020202020204" pitchFamily="34" charset="0"/>
-                <a:cs typeface="Times New Roman" panose="02020603050405020304" pitchFamily="18" charset="0"/>
-              </a:rPr>
-              <a:t>эпохах с условием ранней остановки при признаках переобучения.</a:t>
-            </a:r>
-            <a:endParaRPr lang="ru-RU" sz="1400" kern="100" dirty="0">
-              <a:effectLst/>
-              <a:latin typeface="Aptos" panose="020B0004020202020204" pitchFamily="34" charset="0"/>
-              <a:ea typeface="Aptos" panose="020B0004020202020204" pitchFamily="34" charset="0"/>
-              <a:cs typeface="Times New Roman" panose="02020603050405020304" pitchFamily="18" charset="0"/>
-            </a:endParaRPr>
-          </a:p>
-          <a:p>
-            <a:pPr marL="342900" lvl="0" indent="-342900" algn="just">
-              <a:spcAft>
-                <a:spcPts val="800"/>
-              </a:spcAft>
-              <a:buFont typeface="Courier New" panose="02070309020205020404" pitchFamily="49" charset="0"/>
-              <a:buChar char="o"/>
-            </a:pPr>
-            <a:r>
-              <a:rPr lang="ru-RU" kern="100" dirty="0">
-                <a:effectLst/>
-                <a:latin typeface="Times New Roman" panose="02020603050405020304" pitchFamily="18" charset="0"/>
-                <a:ea typeface="Aptos" panose="020B0004020202020204" pitchFamily="34" charset="0"/>
-                <a:cs typeface="Times New Roman" panose="02020603050405020304" pitchFamily="18" charset="0"/>
-              </a:rPr>
-              <a:t>Перспективность видов аугментации определялась посредством сравнения значений метрик </a:t>
-            </a:r>
-            <a:r>
-              <a:rPr lang="en-US" b="1" kern="100" dirty="0">
-                <a:latin typeface="Times New Roman" panose="02020603050405020304" pitchFamily="18" charset="0"/>
-                <a:ea typeface="Aptos" panose="020B0004020202020204" pitchFamily="34" charset="0"/>
-                <a:cs typeface="Times New Roman" panose="02020603050405020304" pitchFamily="18" charset="0"/>
-              </a:rPr>
-              <a:t>F</a:t>
-            </a:r>
-            <a:r>
-              <a:rPr lang="ru-RU" b="1" kern="100" dirty="0">
-                <a:latin typeface="Times New Roman" panose="02020603050405020304" pitchFamily="18" charset="0"/>
-                <a:ea typeface="Aptos" panose="020B0004020202020204" pitchFamily="34" charset="0"/>
-                <a:cs typeface="Times New Roman" panose="02020603050405020304" pitchFamily="18" charset="0"/>
-              </a:rPr>
-              <a:t>-</a:t>
-            </a:r>
-            <a:r>
-              <a:rPr lang="en-US" b="1" kern="100" dirty="0">
-                <a:latin typeface="Times New Roman" panose="02020603050405020304" pitchFamily="18" charset="0"/>
-                <a:ea typeface="Aptos" panose="020B0004020202020204" pitchFamily="34" charset="0"/>
-                <a:cs typeface="Times New Roman" panose="02020603050405020304" pitchFamily="18" charset="0"/>
-              </a:rPr>
-              <a:t>score </a:t>
-            </a:r>
-            <a:r>
-              <a:rPr lang="ru-RU" kern="100" dirty="0">
-                <a:latin typeface="Times New Roman" panose="02020603050405020304" pitchFamily="18" charset="0"/>
-                <a:ea typeface="Aptos" panose="020B0004020202020204" pitchFamily="34" charset="0"/>
-                <a:cs typeface="Times New Roman" panose="02020603050405020304" pitchFamily="18" charset="0"/>
-              </a:rPr>
-              <a:t>и </a:t>
-            </a:r>
-            <a:r>
-              <a:rPr lang="en-US" b="1" kern="100" dirty="0">
-                <a:latin typeface="Times New Roman" panose="02020603050405020304" pitchFamily="18" charset="0"/>
-                <a:ea typeface="Aptos" panose="020B0004020202020204" pitchFamily="34" charset="0"/>
-                <a:cs typeface="Times New Roman" panose="02020603050405020304" pitchFamily="18" charset="0"/>
-              </a:rPr>
-              <a:t>Accuracy</a:t>
-            </a:r>
-            <a:r>
-              <a:rPr lang="ru-RU" b="1" kern="100" dirty="0">
-                <a:latin typeface="Times New Roman" panose="02020603050405020304" pitchFamily="18" charset="0"/>
-                <a:ea typeface="Aptos" panose="020B0004020202020204" pitchFamily="34" charset="0"/>
-                <a:cs typeface="Times New Roman" panose="02020603050405020304" pitchFamily="18" charset="0"/>
-              </a:rPr>
-              <a:t> </a:t>
-            </a:r>
-            <a:r>
-              <a:rPr lang="ru-RU" kern="100" dirty="0">
-                <a:effectLst/>
-                <a:latin typeface="Times New Roman" panose="02020603050405020304" pitchFamily="18" charset="0"/>
-                <a:ea typeface="Aptos" panose="020B0004020202020204" pitchFamily="34" charset="0"/>
-                <a:cs typeface="Times New Roman" panose="02020603050405020304" pitchFamily="18" charset="0"/>
-              </a:rPr>
-              <a:t>со значениями, полученными на оригинальных данных.</a:t>
-            </a:r>
-            <a:endParaRPr lang="ru-RU" sz="1400" kern="100" dirty="0">
-              <a:effectLst/>
-              <a:latin typeface="Aptos" panose="020B0004020202020204" pitchFamily="34" charset="0"/>
-              <a:ea typeface="Aptos" panose="020B0004020202020204" pitchFamily="34" charset="0"/>
-              <a:cs typeface="Times New Roman" panose="02020603050405020304" pitchFamily="18" charset="0"/>
-            </a:endParaRPr>
-          </a:p>
         </p:txBody>
       </p:sp>
       <p:sp>
@@ -17087,7 +17561,7 @@
           <p:cNvPr id="6" name="Номер слайда 5">
             <a:extLst>
               <a:ext uri="{FF2B5EF4-FFF2-40B4-BE49-F238E27FC236}">
-                <a16:creationId xmlns:a16="http://schemas.microsoft.com/office/drawing/2014/main" id="{42BDA4EE-33A5-9FEA-4F56-1F38F49F0973}"/>
+                <a16:creationId xmlns:a16="http://schemas.microsoft.com/office/drawing/2014/main" id="{C4AFF5F4-620E-65B1-66A5-3FEFC4155F0C}"/>
               </a:ext>
             </a:extLst>
           </p:cNvPr>
@@ -17122,7 +17596,7 @@
     </p:spTree>
     <p:extLst>
       <p:ext uri="{BB962C8B-B14F-4D97-AF65-F5344CB8AC3E}">
-        <p14:creationId xmlns:p14="http://schemas.microsoft.com/office/powerpoint/2010/main" val="1191494077"/>
+        <p14:creationId xmlns:p14="http://schemas.microsoft.com/office/powerpoint/2010/main" val="290437452"/>
       </p:ext>
     </p:extLst>
   </p:cSld>
@@ -17241,7 +17715,7 @@
         </p:nvSpPr>
         <p:spPr>
           <a:xfrm>
-            <a:off x="1012782" y="288867"/>
+            <a:off x="1036788" y="184095"/>
             <a:ext cx="10184234" cy="769441"/>
           </a:xfrm>
           <a:prstGeom prst="rect">
@@ -17263,7 +17737,7 @@
                 </a:solidFill>
                 <a:cs typeface="Latha" panose="020B0502040204020203" pitchFamily="34" charset="0"/>
               </a:rPr>
-              <a:t>Способы решения</a:t>
+              <a:t>Параметры эксперимента</a:t>
             </a:r>
             <a:endParaRPr lang="ru-RU" sz="5400" b="1" dirty="0">
               <a:solidFill>
@@ -17276,10 +17750,10 @@
       </p:sp>
       <p:sp>
         <p:nvSpPr>
-          <p:cNvPr id="5" name="TextBox 4">
+          <p:cNvPr id="10" name="TextBox 9">
             <a:extLst>
               <a:ext uri="{FF2B5EF4-FFF2-40B4-BE49-F238E27FC236}">
-                <a16:creationId xmlns:a16="http://schemas.microsoft.com/office/drawing/2014/main" id="{37CBBCB5-5F71-9459-A4EB-6904434D1720}"/>
+                <a16:creationId xmlns:a16="http://schemas.microsoft.com/office/drawing/2014/main" id="{62744745-0683-CE87-668E-11DB1537D05B}"/>
               </a:ext>
             </a:extLst>
           </p:cNvPr>
@@ -17288,8 +17762,8 @@
         </p:nvSpPr>
         <p:spPr>
           <a:xfrm>
-            <a:off x="603100" y="1578659"/>
-            <a:ext cx="10985800" cy="4013022"/>
+            <a:off x="457959" y="1207337"/>
+            <a:ext cx="11342157" cy="5345053"/>
           </a:xfrm>
           <a:prstGeom prst="rect">
             <a:avLst/>
@@ -17303,15 +17777,39 @@
           <a:lstStyle/>
           <a:p>
             <a:pPr algn="just">
-              <a:lnSpc>
-                <a:spcPct val="115000"/>
-              </a:lnSpc>
               <a:spcAft>
                 <a:spcPts val="800"/>
               </a:spcAft>
             </a:pPr>
             <a:r>
-              <a:rPr lang="ru-RU" sz="1800" b="1" kern="100" dirty="0">
+              <a:rPr lang="ru-RU" kern="100" dirty="0">
+                <a:effectLst/>
+                <a:latin typeface="Times New Roman" panose="02020603050405020304" pitchFamily="18" charset="0"/>
+                <a:ea typeface="Aptos" panose="020B0004020202020204" pitchFamily="34" charset="0"/>
+                <a:cs typeface="Times New Roman" panose="02020603050405020304" pitchFamily="18" charset="0"/>
+              </a:rPr>
+              <a:t>Исследовательские задачи выполнялись на </a:t>
+            </a:r>
+            <a:r>
+              <a:rPr lang="ru-RU" kern="100" dirty="0" err="1">
+                <a:effectLst/>
+                <a:latin typeface="Times New Roman" panose="02020603050405020304" pitchFamily="18" charset="0"/>
+                <a:ea typeface="Aptos" panose="020B0004020202020204" pitchFamily="34" charset="0"/>
+                <a:cs typeface="Times New Roman" panose="02020603050405020304" pitchFamily="18" charset="0"/>
+              </a:rPr>
+              <a:t>датасете</a:t>
+            </a:r>
+            <a:r>
+              <a:rPr lang="ru-RU" kern="100" dirty="0">
+                <a:effectLst/>
+                <a:latin typeface="Times New Roman" panose="02020603050405020304" pitchFamily="18" charset="0"/>
+                <a:ea typeface="Aptos" panose="020B0004020202020204" pitchFamily="34" charset="0"/>
+                <a:cs typeface="Times New Roman" panose="02020603050405020304" pitchFamily="18" charset="0"/>
+              </a:rPr>
+              <a:t> </a:t>
+            </a:r>
+            <a:r>
+              <a:rPr lang="en-US" b="1" i="1" kern="100" dirty="0">
                 <a:solidFill>
                   <a:srgbClr val="FF0000"/>
                 </a:solidFill>
@@ -17320,7 +17818,289 @@
                 <a:ea typeface="Aptos" panose="020B0004020202020204" pitchFamily="34" charset="0"/>
                 <a:cs typeface="Times New Roman" panose="02020603050405020304" pitchFamily="18" charset="0"/>
               </a:rPr>
-              <a:t>Принятые для дообучения модели способы представления семантической структуры:</a:t>
+              <a:t>POJ</a:t>
+            </a:r>
+            <a:r>
+              <a:rPr lang="ru-RU" b="1" i="1" kern="100" dirty="0">
+                <a:solidFill>
+                  <a:srgbClr val="FF0000"/>
+                </a:solidFill>
+                <a:effectLst/>
+                <a:latin typeface="Times New Roman" panose="02020603050405020304" pitchFamily="18" charset="0"/>
+                <a:ea typeface="Aptos" panose="020B0004020202020204" pitchFamily="34" charset="0"/>
+                <a:cs typeface="Times New Roman" panose="02020603050405020304" pitchFamily="18" charset="0"/>
+              </a:rPr>
+              <a:t>-104</a:t>
+            </a:r>
+            <a:r>
+              <a:rPr lang="ru-RU" kern="100" dirty="0">
+                <a:effectLst/>
+                <a:latin typeface="Times New Roman" panose="02020603050405020304" pitchFamily="18" charset="0"/>
+                <a:ea typeface="Aptos" panose="020B0004020202020204" pitchFamily="34" charset="0"/>
+                <a:cs typeface="Times New Roman" panose="02020603050405020304" pitchFamily="18" charset="0"/>
+              </a:rPr>
+              <a:t>, </a:t>
+            </a:r>
+            <a:r>
+              <a:rPr lang="ru-RU" kern="100" dirty="0" err="1">
+                <a:effectLst/>
+                <a:latin typeface="Times New Roman" panose="02020603050405020304" pitchFamily="18" charset="0"/>
+                <a:ea typeface="Aptos" panose="020B0004020202020204" pitchFamily="34" charset="0"/>
+                <a:cs typeface="Times New Roman" panose="02020603050405020304" pitchFamily="18" charset="0"/>
+              </a:rPr>
+              <a:t>предподготовленном</a:t>
+            </a:r>
+            <a:r>
+              <a:rPr lang="ru-RU" kern="100" dirty="0">
+                <a:effectLst/>
+                <a:latin typeface="Times New Roman" panose="02020603050405020304" pitchFamily="18" charset="0"/>
+                <a:ea typeface="Aptos" panose="020B0004020202020204" pitchFamily="34" charset="0"/>
+                <a:cs typeface="Times New Roman" panose="02020603050405020304" pitchFamily="18" charset="0"/>
+              </a:rPr>
+              <a:t> на предварительном этапе. Была выбрана модель машинного обучения </a:t>
+            </a:r>
+            <a:r>
+              <a:rPr lang="en-US" b="1" i="1" kern="100" dirty="0" err="1">
+                <a:solidFill>
+                  <a:srgbClr val="FF0000"/>
+                </a:solidFill>
+                <a:effectLst/>
+                <a:latin typeface="Times New Roman" panose="02020603050405020304" pitchFamily="18" charset="0"/>
+                <a:ea typeface="Aptos" panose="020B0004020202020204" pitchFamily="34" charset="0"/>
+                <a:cs typeface="Times New Roman" panose="02020603050405020304" pitchFamily="18" charset="0"/>
+              </a:rPr>
+              <a:t>GraphCodeBert</a:t>
+            </a:r>
+            <a:r>
+              <a:rPr lang="ru-RU" b="1" i="1" kern="100" dirty="0">
+                <a:solidFill>
+                  <a:srgbClr val="FF0000"/>
+                </a:solidFill>
+                <a:effectLst/>
+                <a:latin typeface="Times New Roman" panose="02020603050405020304" pitchFamily="18" charset="0"/>
+                <a:ea typeface="Aptos" panose="020B0004020202020204" pitchFamily="34" charset="0"/>
+                <a:cs typeface="Times New Roman" panose="02020603050405020304" pitchFamily="18" charset="0"/>
+              </a:rPr>
+              <a:t>., </a:t>
+            </a:r>
+            <a:r>
+              <a:rPr lang="ru-RU" b="1" i="1" kern="100" dirty="0" err="1">
+                <a:effectLst/>
+                <a:latin typeface="Times New Roman" panose="02020603050405020304" pitchFamily="18" charset="0"/>
+                <a:ea typeface="Aptos" panose="020B0004020202020204" pitchFamily="34" charset="0"/>
+                <a:cs typeface="Times New Roman" panose="02020603050405020304" pitchFamily="18" charset="0"/>
+              </a:rPr>
+              <a:t>предобученная</a:t>
+            </a:r>
+            <a:r>
+              <a:rPr lang="ru-RU" b="1" i="1" kern="100" dirty="0">
+                <a:effectLst/>
+                <a:latin typeface="Times New Roman" panose="02020603050405020304" pitchFamily="18" charset="0"/>
+                <a:ea typeface="Aptos" panose="020B0004020202020204" pitchFamily="34" charset="0"/>
+                <a:cs typeface="Times New Roman" panose="02020603050405020304" pitchFamily="18" charset="0"/>
+              </a:rPr>
+              <a:t> на основе кода графов потока данных. </a:t>
+            </a:r>
+            <a:r>
+              <a:rPr lang="ru-RU" kern="100" dirty="0">
+                <a:effectLst/>
+                <a:latin typeface="Times New Roman" panose="02020603050405020304" pitchFamily="18" charset="0"/>
+                <a:ea typeface="Aptos" panose="020B0004020202020204" pitchFamily="34" charset="0"/>
+                <a:cs typeface="Times New Roman" panose="02020603050405020304" pitchFamily="18" charset="0"/>
+              </a:rPr>
+              <a:t>Также дополнительно была выполнена проверка работы аугментации на модел</a:t>
+            </a:r>
+            <a:r>
+              <a:rPr lang="ru-RU" kern="100" dirty="0">
+                <a:latin typeface="Times New Roman" panose="02020603050405020304" pitchFamily="18" charset="0"/>
+                <a:ea typeface="Aptos" panose="020B0004020202020204" pitchFamily="34" charset="0"/>
+                <a:cs typeface="Times New Roman" panose="02020603050405020304" pitchFamily="18" charset="0"/>
+              </a:rPr>
+              <a:t>ях</a:t>
+            </a:r>
+            <a:r>
+              <a:rPr lang="ru-RU" i="1" kern="100" dirty="0">
+                <a:latin typeface="Times New Roman" panose="02020603050405020304" pitchFamily="18" charset="0"/>
+                <a:ea typeface="Aptos" panose="020B0004020202020204" pitchFamily="34" charset="0"/>
+                <a:cs typeface="Times New Roman" panose="02020603050405020304" pitchFamily="18" charset="0"/>
+              </a:rPr>
+              <a:t> </a:t>
+            </a:r>
+            <a:r>
+              <a:rPr lang="en-US" b="1" i="1" kern="100" dirty="0">
+                <a:solidFill>
+                  <a:srgbClr val="FF0000"/>
+                </a:solidFill>
+                <a:effectLst/>
+                <a:latin typeface="Times New Roman" panose="02020603050405020304" pitchFamily="18" charset="0"/>
+                <a:ea typeface="Aptos" panose="020B0004020202020204" pitchFamily="34" charset="0"/>
+                <a:cs typeface="Times New Roman" panose="02020603050405020304" pitchFamily="18" charset="0"/>
+              </a:rPr>
+              <a:t>Bert</a:t>
+            </a:r>
+            <a:r>
+              <a:rPr lang="ru-RU" b="1" i="1" kern="100" dirty="0">
+                <a:solidFill>
+                  <a:srgbClr val="FF0000"/>
+                </a:solidFill>
+                <a:effectLst/>
+                <a:latin typeface="Times New Roman" panose="02020603050405020304" pitchFamily="18" charset="0"/>
+                <a:ea typeface="Aptos" panose="020B0004020202020204" pitchFamily="34" charset="0"/>
+                <a:cs typeface="Times New Roman" panose="02020603050405020304" pitchFamily="18" charset="0"/>
+              </a:rPr>
+              <a:t> </a:t>
+            </a:r>
+            <a:r>
+              <a:rPr lang="ru-RU" kern="100" dirty="0">
+                <a:effectLst/>
+                <a:latin typeface="Times New Roman" panose="02020603050405020304" pitchFamily="18" charset="0"/>
+                <a:ea typeface="Aptos" panose="020B0004020202020204" pitchFamily="34" charset="0"/>
+                <a:cs typeface="Times New Roman" panose="02020603050405020304" pitchFamily="18" charset="0"/>
+              </a:rPr>
+              <a:t>и</a:t>
+            </a:r>
+            <a:r>
+              <a:rPr lang="ru-RU" b="1" i="1" kern="100" dirty="0">
+                <a:solidFill>
+                  <a:srgbClr val="FF0000"/>
+                </a:solidFill>
+                <a:effectLst/>
+                <a:latin typeface="Times New Roman" panose="02020603050405020304" pitchFamily="18" charset="0"/>
+                <a:ea typeface="Aptos" panose="020B0004020202020204" pitchFamily="34" charset="0"/>
+                <a:cs typeface="Times New Roman" panose="02020603050405020304" pitchFamily="18" charset="0"/>
+              </a:rPr>
+              <a:t> </a:t>
+            </a:r>
+            <a:r>
+              <a:rPr lang="en-US" b="1" i="1" kern="100" dirty="0" err="1">
+                <a:solidFill>
+                  <a:srgbClr val="FF0000"/>
+                </a:solidFill>
+                <a:effectLst/>
+                <a:latin typeface="Times New Roman" panose="02020603050405020304" pitchFamily="18" charset="0"/>
+                <a:ea typeface="Aptos" panose="020B0004020202020204" pitchFamily="34" charset="0"/>
+                <a:cs typeface="Times New Roman" panose="02020603050405020304" pitchFamily="18" charset="0"/>
+              </a:rPr>
+              <a:t>UnixCoder</a:t>
+            </a:r>
+            <a:r>
+              <a:rPr lang="ru-RU" i="1" kern="100" dirty="0">
+                <a:latin typeface="Times New Roman" panose="02020603050405020304" pitchFamily="18" charset="0"/>
+                <a:ea typeface="Aptos" panose="020B0004020202020204" pitchFamily="34" charset="0"/>
+                <a:cs typeface="Times New Roman" panose="02020603050405020304" pitchFamily="18" charset="0"/>
+              </a:rPr>
+              <a:t>.</a:t>
+            </a:r>
+            <a:endParaRPr lang="ru-RU" sz="1400" i="1" kern="100" dirty="0">
+              <a:latin typeface="Aptos" panose="020B0004020202020204" pitchFamily="34" charset="0"/>
+              <a:ea typeface="Aptos" panose="020B0004020202020204" pitchFamily="34" charset="0"/>
+              <a:cs typeface="Times New Roman" panose="02020603050405020304" pitchFamily="18" charset="0"/>
+            </a:endParaRPr>
+          </a:p>
+          <a:p>
+            <a:pPr indent="363538" algn="just">
+              <a:spcAft>
+                <a:spcPts val="800"/>
+              </a:spcAft>
+            </a:pPr>
+            <a:r>
+              <a:rPr lang="ru-RU" b="1" kern="100" dirty="0">
+                <a:solidFill>
+                  <a:srgbClr val="FF0000"/>
+                </a:solidFill>
+                <a:effectLst/>
+                <a:latin typeface="Times New Roman" panose="02020603050405020304" pitchFamily="18" charset="0"/>
+                <a:ea typeface="Aptos" panose="020B0004020202020204" pitchFamily="34" charset="0"/>
+                <a:cs typeface="Times New Roman" panose="02020603050405020304" pitchFamily="18" charset="0"/>
+              </a:rPr>
+              <a:t>Принятые параметры эксперимента:</a:t>
+            </a:r>
+            <a:endParaRPr lang="ru-RU" sz="1400" kern="100" dirty="0">
+              <a:solidFill>
+                <a:srgbClr val="FF0000"/>
+              </a:solidFill>
+              <a:effectLst/>
+              <a:latin typeface="Aptos" panose="020B0004020202020204" pitchFamily="34" charset="0"/>
+              <a:ea typeface="Aptos" panose="020B0004020202020204" pitchFamily="34" charset="0"/>
+              <a:cs typeface="Times New Roman" panose="02020603050405020304" pitchFamily="18" charset="0"/>
+            </a:endParaRPr>
+          </a:p>
+          <a:p>
+            <a:pPr marL="342900" lvl="0" indent="-342900" algn="just">
+              <a:spcAft>
+                <a:spcPts val="800"/>
+              </a:spcAft>
+              <a:buFont typeface="Courier New" panose="02070309020205020404" pitchFamily="49" charset="0"/>
+              <a:buChar char="o"/>
+            </a:pPr>
+            <a:r>
+              <a:rPr lang="ru-RU" kern="100" dirty="0">
+                <a:effectLst/>
+                <a:latin typeface="Times New Roman" panose="02020603050405020304" pitchFamily="18" charset="0"/>
+                <a:ea typeface="Aptos" panose="020B0004020202020204" pitchFamily="34" charset="0"/>
+                <a:cs typeface="Times New Roman" panose="02020603050405020304" pitchFamily="18" charset="0"/>
+              </a:rPr>
+              <a:t>Из 12 классов, содержащих </a:t>
+            </a:r>
+            <a:r>
+              <a:rPr lang="ru-RU" kern="100" dirty="0" err="1">
+                <a:effectLst/>
+                <a:latin typeface="Times New Roman" panose="02020603050405020304" pitchFamily="18" charset="0"/>
+                <a:ea typeface="Aptos" panose="020B0004020202020204" pitchFamily="34" charset="0"/>
+                <a:cs typeface="Times New Roman" panose="02020603050405020304" pitchFamily="18" charset="0"/>
+              </a:rPr>
+              <a:t>сниппеты</a:t>
+            </a:r>
+            <a:r>
+              <a:rPr lang="ru-RU" kern="100" dirty="0">
+                <a:effectLst/>
+                <a:latin typeface="Times New Roman" panose="02020603050405020304" pitchFamily="18" charset="0"/>
+                <a:ea typeface="Aptos" panose="020B0004020202020204" pitchFamily="34" charset="0"/>
+                <a:cs typeface="Times New Roman" panose="02020603050405020304" pitchFamily="18" charset="0"/>
+              </a:rPr>
+              <a:t>, являющиеся клонами друг друга внутри класса, выбраны </a:t>
+            </a:r>
+          </a:p>
+          <a:p>
+            <a:pPr lvl="0" algn="just">
+              <a:spcAft>
+                <a:spcPts val="800"/>
+              </a:spcAft>
+            </a:pPr>
+            <a:r>
+              <a:rPr lang="ru-RU" kern="100" dirty="0">
+                <a:latin typeface="Times New Roman" panose="02020603050405020304" pitchFamily="18" charset="0"/>
+                <a:ea typeface="Aptos" panose="020B0004020202020204" pitchFamily="34" charset="0"/>
+                <a:cs typeface="Times New Roman" panose="02020603050405020304" pitchFamily="18" charset="0"/>
+              </a:rPr>
+              <a:t>      </a:t>
+            </a:r>
+            <a:r>
+              <a:rPr lang="ru-RU" b="1" kern="100" dirty="0">
+                <a:effectLst/>
+                <a:latin typeface="Times New Roman" panose="02020603050405020304" pitchFamily="18" charset="0"/>
+                <a:ea typeface="Aptos" panose="020B0004020202020204" pitchFamily="34" charset="0"/>
+                <a:cs typeface="Times New Roman" panose="02020603050405020304" pitchFamily="18" charset="0"/>
+              </a:rPr>
+              <a:t>1200 </a:t>
+            </a:r>
+            <a:r>
+              <a:rPr lang="ru-RU" kern="100" dirty="0" err="1">
+                <a:effectLst/>
+                <a:latin typeface="Times New Roman" panose="02020603050405020304" pitchFamily="18" charset="0"/>
+                <a:ea typeface="Aptos" panose="020B0004020202020204" pitchFamily="34" charset="0"/>
+                <a:cs typeface="Times New Roman" panose="02020603050405020304" pitchFamily="18" charset="0"/>
+              </a:rPr>
+              <a:t>сниппетов</a:t>
+            </a:r>
+            <a:r>
+              <a:rPr lang="ru-RU" kern="100" dirty="0">
+                <a:effectLst/>
+                <a:latin typeface="Times New Roman" panose="02020603050405020304" pitchFamily="18" charset="0"/>
+                <a:ea typeface="Aptos" panose="020B0004020202020204" pitchFamily="34" charset="0"/>
+                <a:cs typeface="Times New Roman" panose="02020603050405020304" pitchFamily="18" charset="0"/>
+              </a:rPr>
+              <a:t> кода.</a:t>
             </a:r>
             <a:endParaRPr lang="ru-RU" sz="1400" kern="100" dirty="0">
               <a:effectLst/>
@@ -17330,40 +18110,66 @@
             </a:endParaRPr>
           </a:p>
           <a:p>
-            <a:pPr algn="just">
-              <a:lnSpc>
-                <a:spcPct val="115000"/>
-              </a:lnSpc>
+            <a:pPr marL="342900" lvl="0" indent="-342900" algn="just">
               <a:spcAft>
                 <a:spcPts val="800"/>
               </a:spcAft>
+              <a:buFont typeface="Courier New" panose="02070309020205020404" pitchFamily="49" charset="0"/>
+              <a:buChar char="o"/>
             </a:pPr>
             <a:r>
-              <a:rPr lang="en-US" sz="1800" b="1" kern="100" dirty="0">
-                <a:effectLst/>
-                <a:latin typeface="Times New Roman" panose="02020603050405020304" pitchFamily="18" charset="0"/>
-                <a:ea typeface="Aptos" panose="020B0004020202020204" pitchFamily="34" charset="0"/>
-                <a:cs typeface="Times New Roman" panose="02020603050405020304" pitchFamily="18" charset="0"/>
-              </a:rPr>
-              <a:t>S</a:t>
-            </a:r>
-            <a:r>
-              <a:rPr lang="ru-RU" sz="1800" b="1" kern="100" dirty="0">
-                <a:effectLst/>
-                <a:latin typeface="Times New Roman" panose="02020603050405020304" pitchFamily="18" charset="0"/>
-                <a:ea typeface="Aptos" panose="020B0004020202020204" pitchFamily="34" charset="0"/>
-                <a:cs typeface="Times New Roman" panose="02020603050405020304" pitchFamily="18" charset="0"/>
-              </a:rPr>
-              <a:t>-выражения – </a:t>
-            </a:r>
-            <a:r>
-              <a:rPr lang="ru-RU" sz="1800" kern="100" dirty="0">
-                <a:effectLst/>
-                <a:latin typeface="Times New Roman" panose="02020603050405020304" pitchFamily="18" charset="0"/>
-                <a:ea typeface="Aptos" panose="020B0004020202020204" pitchFamily="34" charset="0"/>
-                <a:cs typeface="Times New Roman" panose="02020603050405020304" pitchFamily="18" charset="0"/>
-              </a:rPr>
-              <a:t>обход древовидной структуры кода, где корень и все вершины являются операторами, а листья - операндами с изначально инициализированными значениями. Основным отличием выступает запись в виде польской нотации, где оператор выносится перед операндами. </a:t>
+              <a:rPr lang="ru-RU" kern="100" dirty="0" err="1">
+                <a:effectLst/>
+                <a:latin typeface="Times New Roman" panose="02020603050405020304" pitchFamily="18" charset="0"/>
+                <a:ea typeface="Aptos" panose="020B0004020202020204" pitchFamily="34" charset="0"/>
+                <a:cs typeface="Times New Roman" panose="02020603050405020304" pitchFamily="18" charset="0"/>
+              </a:rPr>
+              <a:t>Сниппеты</a:t>
+            </a:r>
+            <a:r>
+              <a:rPr lang="ru-RU" kern="100" dirty="0">
+                <a:effectLst/>
+                <a:latin typeface="Times New Roman" panose="02020603050405020304" pitchFamily="18" charset="0"/>
+                <a:ea typeface="Aptos" panose="020B0004020202020204" pitchFamily="34" charset="0"/>
+                <a:cs typeface="Times New Roman" panose="02020603050405020304" pitchFamily="18" charset="0"/>
+              </a:rPr>
+              <a:t> были объединены в </a:t>
+            </a:r>
+            <a:r>
+              <a:rPr lang="ru-RU" b="1" kern="100" dirty="0">
+                <a:effectLst/>
+                <a:latin typeface="Times New Roman" panose="02020603050405020304" pitchFamily="18" charset="0"/>
+                <a:ea typeface="Aptos" panose="020B0004020202020204" pitchFamily="34" charset="0"/>
+                <a:cs typeface="Times New Roman" panose="02020603050405020304" pitchFamily="18" charset="0"/>
+              </a:rPr>
+              <a:t>118800 </a:t>
+            </a:r>
+            <a:r>
+              <a:rPr lang="ru-RU" kern="100" dirty="0">
+                <a:effectLst/>
+                <a:latin typeface="Times New Roman" panose="02020603050405020304" pitchFamily="18" charset="0"/>
+                <a:ea typeface="Aptos" panose="020B0004020202020204" pitchFamily="34" charset="0"/>
+                <a:cs typeface="Times New Roman" panose="02020603050405020304" pitchFamily="18" charset="0"/>
+              </a:rPr>
+              <a:t>пар, разбитых на два равных класса по признаку принадлежности обоих </a:t>
+            </a:r>
+            <a:r>
+              <a:rPr lang="ru-RU" kern="100" dirty="0" err="1">
+                <a:effectLst/>
+                <a:latin typeface="Times New Roman" panose="02020603050405020304" pitchFamily="18" charset="0"/>
+                <a:ea typeface="Aptos" panose="020B0004020202020204" pitchFamily="34" charset="0"/>
+                <a:cs typeface="Times New Roman" panose="02020603050405020304" pitchFamily="18" charset="0"/>
+              </a:rPr>
+              <a:t>сниппетов</a:t>
+            </a:r>
+            <a:r>
+              <a:rPr lang="ru-RU" kern="100" dirty="0">
+                <a:effectLst/>
+                <a:latin typeface="Times New Roman" panose="02020603050405020304" pitchFamily="18" charset="0"/>
+                <a:ea typeface="Aptos" panose="020B0004020202020204" pitchFamily="34" charset="0"/>
+                <a:cs typeface="Times New Roman" panose="02020603050405020304" pitchFamily="18" charset="0"/>
+              </a:rPr>
+              <a:t> в паре к одному классу из 12. </a:t>
             </a:r>
             <a:endParaRPr lang="ru-RU" sz="1400" kern="100" dirty="0">
               <a:effectLst/>
@@ -17373,96 +18179,148 @@
             </a:endParaRPr>
           </a:p>
           <a:p>
-            <a:pPr algn="just">
-              <a:lnSpc>
-                <a:spcPct val="115000"/>
-              </a:lnSpc>
+            <a:pPr marL="342900" lvl="0" indent="-342900" algn="just">
               <a:spcAft>
                 <a:spcPts val="800"/>
               </a:spcAft>
+              <a:buFont typeface="Courier New" panose="02070309020205020404" pitchFamily="49" charset="0"/>
+              <a:buChar char="o"/>
             </a:pPr>
             <a:r>
-              <a:rPr lang="en-US" sz="1800" kern="100" dirty="0">
-                <a:effectLst/>
-                <a:latin typeface="Times New Roman" panose="02020603050405020304" pitchFamily="18" charset="0"/>
-                <a:ea typeface="Aptos" panose="020B0004020202020204" pitchFamily="34" charset="0"/>
-                <a:cs typeface="Times New Roman" panose="02020603050405020304" pitchFamily="18" charset="0"/>
-              </a:rPr>
-              <a:t>S</a:t>
-            </a:r>
-            <a:r>
-              <a:rPr lang="ru-RU" sz="1800" kern="100" dirty="0">
-                <a:effectLst/>
-                <a:latin typeface="Times New Roman" panose="02020603050405020304" pitchFamily="18" charset="0"/>
-                <a:ea typeface="Aptos" panose="020B0004020202020204" pitchFamily="34" charset="0"/>
-                <a:cs typeface="Times New Roman" panose="02020603050405020304" pitchFamily="18" charset="0"/>
-              </a:rPr>
-              <a:t>-выражения строились на основе использования метода </a:t>
-            </a:r>
-            <a:r>
-              <a:rPr lang="en-US" sz="1800" kern="100" dirty="0" err="1">
-                <a:effectLst/>
-                <a:latin typeface="Times New Roman" panose="02020603050405020304" pitchFamily="18" charset="0"/>
-                <a:ea typeface="Aptos" panose="020B0004020202020204" pitchFamily="34" charset="0"/>
-                <a:cs typeface="Times New Roman" panose="02020603050405020304" pitchFamily="18" charset="0"/>
-              </a:rPr>
-              <a:t>sexp</a:t>
-            </a:r>
-            <a:r>
-              <a:rPr lang="ru-RU" sz="1800" kern="100" dirty="0">
-                <a:effectLst/>
-                <a:latin typeface="Times New Roman" panose="02020603050405020304" pitchFamily="18" charset="0"/>
-                <a:ea typeface="Aptos" panose="020B0004020202020204" pitchFamily="34" charset="0"/>
-                <a:cs typeface="Times New Roman" panose="02020603050405020304" pitchFamily="18" charset="0"/>
-              </a:rPr>
-              <a:t>() библиотеки </a:t>
-            </a:r>
-            <a:r>
-              <a:rPr lang="en-US" sz="1800" kern="100" dirty="0">
-                <a:effectLst/>
-                <a:latin typeface="Times New Roman" panose="02020603050405020304" pitchFamily="18" charset="0"/>
-                <a:ea typeface="Aptos" panose="020B0004020202020204" pitchFamily="34" charset="0"/>
-                <a:cs typeface="Times New Roman" panose="02020603050405020304" pitchFamily="18" charset="0"/>
-              </a:rPr>
-              <a:t>Tree</a:t>
-            </a:r>
-            <a:r>
-              <a:rPr lang="ru-RU" sz="1800" kern="100" dirty="0">
-                <a:effectLst/>
-                <a:latin typeface="Times New Roman" panose="02020603050405020304" pitchFamily="18" charset="0"/>
-                <a:ea typeface="Aptos" panose="020B0004020202020204" pitchFamily="34" charset="0"/>
-                <a:cs typeface="Times New Roman" panose="02020603050405020304" pitchFamily="18" charset="0"/>
-              </a:rPr>
-              <a:t>-</a:t>
-            </a:r>
-            <a:r>
-              <a:rPr lang="en-US" sz="1800" kern="100" dirty="0">
-                <a:effectLst/>
-                <a:latin typeface="Times New Roman" panose="02020603050405020304" pitchFamily="18" charset="0"/>
-                <a:ea typeface="Aptos" panose="020B0004020202020204" pitchFamily="34" charset="0"/>
-                <a:cs typeface="Times New Roman" panose="02020603050405020304" pitchFamily="18" charset="0"/>
-              </a:rPr>
-              <a:t>sitter</a:t>
-            </a:r>
-            <a:r>
-              <a:rPr lang="ru-RU" sz="1800" kern="100" dirty="0">
-                <a:effectLst/>
-                <a:latin typeface="Times New Roman" panose="02020603050405020304" pitchFamily="18" charset="0"/>
-                <a:ea typeface="Aptos" panose="020B0004020202020204" pitchFamily="34" charset="0"/>
-                <a:cs typeface="Times New Roman" panose="02020603050405020304" pitchFamily="18" charset="0"/>
-              </a:rPr>
-              <a:t>.</a:t>
-            </a:r>
-          </a:p>
-          <a:p>
-            <a:pPr algn="just">
-              <a:lnSpc>
-                <a:spcPct val="115000"/>
-              </a:lnSpc>
-              <a:spcAft>
-                <a:spcPts val="800"/>
-              </a:spcAft>
-            </a:pPr>
+              <a:rPr lang="ru-RU" kern="100" dirty="0">
+                <a:effectLst/>
+                <a:latin typeface="Times New Roman" panose="02020603050405020304" pitchFamily="18" charset="0"/>
+                <a:ea typeface="Aptos" panose="020B0004020202020204" pitchFamily="34" charset="0"/>
+                <a:cs typeface="Times New Roman" panose="02020603050405020304" pitchFamily="18" charset="0"/>
+              </a:rPr>
+              <a:t>На основе каждого </a:t>
+            </a:r>
+            <a:r>
+              <a:rPr lang="ru-RU" kern="100" dirty="0" err="1">
+                <a:effectLst/>
+                <a:latin typeface="Times New Roman" panose="02020603050405020304" pitchFamily="18" charset="0"/>
+                <a:ea typeface="Aptos" panose="020B0004020202020204" pitchFamily="34" charset="0"/>
+                <a:cs typeface="Times New Roman" panose="02020603050405020304" pitchFamily="18" charset="0"/>
+              </a:rPr>
+              <a:t>сниппета</a:t>
+            </a:r>
+            <a:r>
+              <a:rPr lang="ru-RU" kern="100" dirty="0">
+                <a:effectLst/>
+                <a:latin typeface="Times New Roman" panose="02020603050405020304" pitchFamily="18" charset="0"/>
+                <a:ea typeface="Aptos" panose="020B0004020202020204" pitchFamily="34" charset="0"/>
+                <a:cs typeface="Times New Roman" panose="02020603050405020304" pitchFamily="18" charset="0"/>
+              </a:rPr>
+              <a:t> из пары формировался соответствующий ему </a:t>
+            </a:r>
+            <a:r>
+              <a:rPr lang="ru-RU" kern="100" dirty="0" err="1">
+                <a:effectLst/>
+                <a:latin typeface="Times New Roman" panose="02020603050405020304" pitchFamily="18" charset="0"/>
+                <a:ea typeface="Aptos" panose="020B0004020202020204" pitchFamily="34" charset="0"/>
+                <a:cs typeface="Times New Roman" panose="02020603050405020304" pitchFamily="18" charset="0"/>
+              </a:rPr>
+              <a:t>эмбеддинг</a:t>
+            </a:r>
+            <a:r>
+              <a:rPr lang="ru-RU" kern="100" dirty="0">
+                <a:effectLst/>
+                <a:latin typeface="Times New Roman" panose="02020603050405020304" pitchFamily="18" charset="0"/>
+                <a:ea typeface="Aptos" panose="020B0004020202020204" pitchFamily="34" charset="0"/>
+                <a:cs typeface="Times New Roman" panose="02020603050405020304" pitchFamily="18" charset="0"/>
+              </a:rPr>
+              <a:t>, предоставленный моделью, длиной </a:t>
+            </a:r>
+            <a:r>
+              <a:rPr lang="ru-RU" b="1" kern="100" dirty="0">
+                <a:effectLst/>
+                <a:latin typeface="Times New Roman" panose="02020603050405020304" pitchFamily="18" charset="0"/>
+                <a:ea typeface="Aptos" panose="020B0004020202020204" pitchFamily="34" charset="0"/>
+                <a:cs typeface="Times New Roman" panose="02020603050405020304" pitchFamily="18" charset="0"/>
+              </a:rPr>
+              <a:t>512</a:t>
+            </a:r>
+            <a:r>
+              <a:rPr lang="ru-RU" kern="100" dirty="0">
+                <a:effectLst/>
+                <a:latin typeface="Times New Roman" panose="02020603050405020304" pitchFamily="18" charset="0"/>
+                <a:ea typeface="Aptos" panose="020B0004020202020204" pitchFamily="34" charset="0"/>
+                <a:cs typeface="Times New Roman" panose="02020603050405020304" pitchFamily="18" charset="0"/>
+              </a:rPr>
+              <a:t>, которые затем объединялись в единый </a:t>
+            </a:r>
+            <a:r>
+              <a:rPr lang="ru-RU" kern="100" dirty="0" err="1">
+                <a:effectLst/>
+                <a:latin typeface="Times New Roman" panose="02020603050405020304" pitchFamily="18" charset="0"/>
+                <a:ea typeface="Aptos" panose="020B0004020202020204" pitchFamily="34" charset="0"/>
+                <a:cs typeface="Times New Roman" panose="02020603050405020304" pitchFamily="18" charset="0"/>
+              </a:rPr>
+              <a:t>эмбеддинг</a:t>
+            </a:r>
+            <a:r>
+              <a:rPr lang="ru-RU" kern="100" dirty="0">
+                <a:effectLst/>
+                <a:latin typeface="Times New Roman" panose="02020603050405020304" pitchFamily="18" charset="0"/>
+                <a:ea typeface="Aptos" panose="020B0004020202020204" pitchFamily="34" charset="0"/>
+                <a:cs typeface="Times New Roman" panose="02020603050405020304" pitchFamily="18" charset="0"/>
+              </a:rPr>
+              <a:t>. В единый </a:t>
+            </a:r>
+            <a:r>
+              <a:rPr lang="ru-RU" kern="100" dirty="0" err="1">
+                <a:effectLst/>
+                <a:latin typeface="Times New Roman" panose="02020603050405020304" pitchFamily="18" charset="0"/>
+                <a:ea typeface="Aptos" panose="020B0004020202020204" pitchFamily="34" charset="0"/>
+                <a:cs typeface="Times New Roman" panose="02020603050405020304" pitchFamily="18" charset="0"/>
+              </a:rPr>
+              <a:t>эмбеддинг</a:t>
+            </a:r>
+            <a:r>
+              <a:rPr lang="ru-RU" kern="100" dirty="0">
+                <a:effectLst/>
+                <a:latin typeface="Times New Roman" panose="02020603050405020304" pitchFamily="18" charset="0"/>
+                <a:ea typeface="Aptos" panose="020B0004020202020204" pitchFamily="34" charset="0"/>
+                <a:cs typeface="Times New Roman" panose="02020603050405020304" pitchFamily="18" charset="0"/>
+              </a:rPr>
+              <a:t> также добавлялись данные о скаляре косинусного расстояния между </a:t>
+            </a:r>
+            <a:r>
+              <a:rPr lang="ru-RU" kern="100" dirty="0" err="1">
+                <a:effectLst/>
+                <a:latin typeface="Times New Roman" panose="02020603050405020304" pitchFamily="18" charset="0"/>
+                <a:ea typeface="Aptos" panose="020B0004020202020204" pitchFamily="34" charset="0"/>
+                <a:cs typeface="Times New Roman" panose="02020603050405020304" pitchFamily="18" charset="0"/>
+              </a:rPr>
+              <a:t>эмбеддингами</a:t>
+            </a:r>
+            <a:r>
+              <a:rPr lang="ru-RU" kern="100" dirty="0">
+                <a:effectLst/>
+                <a:latin typeface="Times New Roman" panose="02020603050405020304" pitchFamily="18" charset="0"/>
+                <a:ea typeface="Aptos" panose="020B0004020202020204" pitchFamily="34" charset="0"/>
+                <a:cs typeface="Times New Roman" panose="02020603050405020304" pitchFamily="18" charset="0"/>
+              </a:rPr>
+              <a:t> </a:t>
+            </a:r>
+            <a:r>
+              <a:rPr lang="ru-RU" kern="100" dirty="0" err="1">
+                <a:effectLst/>
+                <a:latin typeface="Times New Roman" panose="02020603050405020304" pitchFamily="18" charset="0"/>
+                <a:ea typeface="Aptos" panose="020B0004020202020204" pitchFamily="34" charset="0"/>
+                <a:cs typeface="Times New Roman" panose="02020603050405020304" pitchFamily="18" charset="0"/>
+              </a:rPr>
+              <a:t>сниппетов</a:t>
+            </a:r>
+            <a:r>
+              <a:rPr lang="ru-RU" kern="100" dirty="0">
+                <a:effectLst/>
+                <a:latin typeface="Times New Roman" panose="02020603050405020304" pitchFamily="18" charset="0"/>
+                <a:ea typeface="Aptos" panose="020B0004020202020204" pitchFamily="34" charset="0"/>
+                <a:cs typeface="Times New Roman" panose="02020603050405020304" pitchFamily="18" charset="0"/>
+              </a:rPr>
+              <a:t>. </a:t>
+            </a:r>
             <a:endParaRPr lang="ru-RU" sz="1400" kern="100" dirty="0">
               <a:effectLst/>
               <a:latin typeface="Aptos" panose="020B0004020202020204" pitchFamily="34" charset="0"/>
@@ -17471,40 +18329,83 @@
             </a:endParaRPr>
           </a:p>
           <a:p>
-            <a:pPr algn="just">
-              <a:lnSpc>
-                <a:spcPct val="115000"/>
-              </a:lnSpc>
+            <a:pPr marL="342900" lvl="0" indent="-342900" algn="just">
               <a:spcAft>
                 <a:spcPts val="800"/>
               </a:spcAft>
+              <a:buFont typeface="Courier New" panose="02070309020205020404" pitchFamily="49" charset="0"/>
+              <a:buChar char="o"/>
             </a:pPr>
             <a:r>
-              <a:rPr lang="en-US" sz="1800" b="1" kern="100" dirty="0">
-                <a:effectLst/>
-                <a:latin typeface="Times New Roman" panose="02020603050405020304" pitchFamily="18" charset="0"/>
-                <a:ea typeface="Aptos" panose="020B0004020202020204" pitchFamily="34" charset="0"/>
-                <a:cs typeface="Times New Roman" panose="02020603050405020304" pitchFamily="18" charset="0"/>
-              </a:rPr>
-              <a:t>AST</a:t>
-            </a:r>
-            <a:r>
-              <a:rPr lang="ru-RU" sz="1800" b="1" kern="100" dirty="0">
-                <a:effectLst/>
-                <a:latin typeface="Times New Roman" panose="02020603050405020304" pitchFamily="18" charset="0"/>
-                <a:ea typeface="Aptos" panose="020B0004020202020204" pitchFamily="34" charset="0"/>
-                <a:cs typeface="Times New Roman" panose="02020603050405020304" pitchFamily="18" charset="0"/>
-              </a:rPr>
-              <a:t>-деревья - </a:t>
-            </a:r>
-            <a:r>
-              <a:rPr lang="ru-RU" sz="1800" kern="100" dirty="0">
-                <a:effectLst/>
-                <a:latin typeface="Times New Roman" panose="02020603050405020304" pitchFamily="18" charset="0"/>
-                <a:ea typeface="Aptos" panose="020B0004020202020204" pitchFamily="34" charset="0"/>
-                <a:cs typeface="Times New Roman" panose="02020603050405020304" pitchFamily="18" charset="0"/>
-              </a:rPr>
-              <a:t>конечное ориентированное дерево, с внутренними вершинами, соответствующими операторам языка программирования, а листья – операндам. </a:t>
+              <a:rPr lang="ru-RU" kern="100" dirty="0">
+                <a:effectLst/>
+                <a:latin typeface="Times New Roman" panose="02020603050405020304" pitchFamily="18" charset="0"/>
+                <a:ea typeface="Aptos" panose="020B0004020202020204" pitchFamily="34" charset="0"/>
+                <a:cs typeface="Times New Roman" panose="02020603050405020304" pitchFamily="18" charset="0"/>
+              </a:rPr>
+              <a:t>Итоговые </a:t>
+            </a:r>
+            <a:r>
+              <a:rPr lang="ru-RU" kern="100" dirty="0" err="1">
+                <a:effectLst/>
+                <a:latin typeface="Times New Roman" panose="02020603050405020304" pitchFamily="18" charset="0"/>
+                <a:ea typeface="Aptos" panose="020B0004020202020204" pitchFamily="34" charset="0"/>
+                <a:cs typeface="Times New Roman" panose="02020603050405020304" pitchFamily="18" charset="0"/>
+              </a:rPr>
+              <a:t>эмбединги</a:t>
+            </a:r>
+            <a:r>
+              <a:rPr lang="ru-RU" kern="100" dirty="0">
+                <a:effectLst/>
+                <a:latin typeface="Times New Roman" panose="02020603050405020304" pitchFamily="18" charset="0"/>
+                <a:ea typeface="Aptos" panose="020B0004020202020204" pitchFamily="34" charset="0"/>
+                <a:cs typeface="Times New Roman" panose="02020603050405020304" pitchFamily="18" charset="0"/>
+              </a:rPr>
+              <a:t> разделялись в соотношении </a:t>
+            </a:r>
+            <a:r>
+              <a:rPr lang="ru-RU" b="1" kern="100" dirty="0">
+                <a:latin typeface="Times New Roman" panose="02020603050405020304" pitchFamily="18" charset="0"/>
+                <a:ea typeface="Aptos" panose="020B0004020202020204" pitchFamily="34" charset="0"/>
+                <a:cs typeface="Times New Roman" panose="02020603050405020304" pitchFamily="18" charset="0"/>
+              </a:rPr>
+              <a:t>0,7</a:t>
+            </a:r>
+            <a:r>
+              <a:rPr lang="ru-RU" b="1" kern="100" dirty="0">
+                <a:effectLst/>
+                <a:latin typeface="Times New Roman" panose="02020603050405020304" pitchFamily="18" charset="0"/>
+                <a:ea typeface="Aptos" panose="020B0004020202020204" pitchFamily="34" charset="0"/>
+                <a:cs typeface="Times New Roman" panose="02020603050405020304" pitchFamily="18" charset="0"/>
+              </a:rPr>
+              <a:t>:0,09:0,21</a:t>
+            </a:r>
+            <a:r>
+              <a:rPr lang="ru-RU" kern="100" dirty="0">
+                <a:effectLst/>
+                <a:latin typeface="Times New Roman" panose="02020603050405020304" pitchFamily="18" charset="0"/>
+                <a:ea typeface="Aptos" panose="020B0004020202020204" pitchFamily="34" charset="0"/>
+                <a:cs typeface="Times New Roman" panose="02020603050405020304" pitchFamily="18" charset="0"/>
+              </a:rPr>
+              <a:t> на обучающую, </a:t>
+            </a:r>
+            <a:r>
+              <a:rPr lang="ru-RU" kern="100" dirty="0" err="1">
+                <a:effectLst/>
+                <a:latin typeface="Times New Roman" panose="02020603050405020304" pitchFamily="18" charset="0"/>
+                <a:ea typeface="Aptos" panose="020B0004020202020204" pitchFamily="34" charset="0"/>
+                <a:cs typeface="Times New Roman" panose="02020603050405020304" pitchFamily="18" charset="0"/>
+              </a:rPr>
+              <a:t>валидационную</a:t>
+            </a:r>
+            <a:r>
+              <a:rPr lang="ru-RU" kern="100" dirty="0">
+                <a:effectLst/>
+                <a:latin typeface="Times New Roman" panose="02020603050405020304" pitchFamily="18" charset="0"/>
+                <a:ea typeface="Aptos" panose="020B0004020202020204" pitchFamily="34" charset="0"/>
+                <a:cs typeface="Times New Roman" panose="02020603050405020304" pitchFamily="18" charset="0"/>
+              </a:rPr>
+              <a:t> и тестовую выборку соответственно для обучения классификационной нейросети.</a:t>
             </a:r>
             <a:endParaRPr lang="ru-RU" sz="1400" kern="100" dirty="0">
               <a:effectLst/>
@@ -17514,51 +18415,128 @@
             </a:endParaRPr>
           </a:p>
           <a:p>
-            <a:pPr algn="just">
-              <a:lnSpc>
-                <a:spcPct val="115000"/>
-              </a:lnSpc>
+            <a:pPr marL="342900" lvl="0" indent="-342900" algn="just">
+              <a:spcAft>
+                <a:spcPts val="800"/>
+              </a:spcAft>
+              <a:buFont typeface="Courier New" panose="02070309020205020404" pitchFamily="49" charset="0"/>
+              <a:buChar char="o"/>
             </a:pPr>
             <a:r>
-              <a:rPr lang="ru-RU" sz="1800" kern="100" dirty="0">
-                <a:effectLst/>
-                <a:latin typeface="Times New Roman" panose="02020603050405020304" pitchFamily="18" charset="0"/>
-                <a:ea typeface="Aptos" panose="020B0004020202020204" pitchFamily="34" charset="0"/>
-                <a:cs typeface="Times New Roman" panose="02020603050405020304" pitchFamily="18" charset="0"/>
-              </a:rPr>
-              <a:t>В эксперименте использовались модифицированные представления, основанные на обход</a:t>
-            </a:r>
-            <a:r>
               <a:rPr lang="ru-RU" kern="100" dirty="0">
-                <a:latin typeface="Times New Roman" panose="02020603050405020304" pitchFamily="18" charset="0"/>
-                <a:ea typeface="Aptos" panose="020B0004020202020204" pitchFamily="34" charset="0"/>
-                <a:cs typeface="Times New Roman" panose="02020603050405020304" pitchFamily="18" charset="0"/>
-              </a:rPr>
-              <a:t>ах</a:t>
-            </a:r>
-            <a:r>
-              <a:rPr lang="ru-RU" sz="1800" kern="100" dirty="0">
-                <a:effectLst/>
-                <a:latin typeface="Times New Roman" panose="02020603050405020304" pitchFamily="18" charset="0"/>
-                <a:ea typeface="Aptos" panose="020B0004020202020204" pitchFamily="34" charset="0"/>
-                <a:cs typeface="Times New Roman" panose="02020603050405020304" pitchFamily="18" charset="0"/>
-              </a:rPr>
-              <a:t> в глубину и в ширину. </a:t>
-            </a:r>
-          </a:p>
-          <a:p>
-            <a:pPr algn="just">
-              <a:lnSpc>
-                <a:spcPct val="115000"/>
-              </a:lnSpc>
-            </a:pPr>
-            <a:endParaRPr lang="ru-RU" sz="1800" kern="100" dirty="0">
+                <a:effectLst/>
+                <a:latin typeface="Times New Roman" panose="02020603050405020304" pitchFamily="18" charset="0"/>
+                <a:ea typeface="Aptos" panose="020B0004020202020204" pitchFamily="34" charset="0"/>
+                <a:cs typeface="Times New Roman" panose="02020603050405020304" pitchFamily="18" charset="0"/>
+              </a:rPr>
+              <a:t>Обучение нейросети происходило на </a:t>
+            </a:r>
+            <a:r>
+              <a:rPr lang="ru-RU" b="1" kern="100" dirty="0">
+                <a:effectLst/>
+                <a:latin typeface="Times New Roman" panose="02020603050405020304" pitchFamily="18" charset="0"/>
+                <a:ea typeface="Aptos" panose="020B0004020202020204" pitchFamily="34" charset="0"/>
+                <a:cs typeface="Times New Roman" panose="02020603050405020304" pitchFamily="18" charset="0"/>
+              </a:rPr>
+              <a:t>1000 </a:t>
+            </a:r>
+            <a:r>
+              <a:rPr lang="ru-RU" kern="100" dirty="0">
+                <a:effectLst/>
+                <a:latin typeface="Times New Roman" panose="02020603050405020304" pitchFamily="18" charset="0"/>
+                <a:ea typeface="Aptos" panose="020B0004020202020204" pitchFamily="34" charset="0"/>
+                <a:cs typeface="Times New Roman" panose="02020603050405020304" pitchFamily="18" charset="0"/>
+              </a:rPr>
+              <a:t>эпохах с условием ранней остановки при признаках переобучения.</a:t>
+            </a:r>
+            <a:endParaRPr lang="ru-RU" sz="1400" kern="100" dirty="0">
               <a:effectLst/>
-              <a:latin typeface="Times New Roman" panose="02020603050405020304" pitchFamily="18" charset="0"/>
+              <a:latin typeface="Aptos" panose="020B0004020202020204" pitchFamily="34" charset="0"/>
               <a:ea typeface="Aptos" panose="020B0004020202020204" pitchFamily="34" charset="0"/>
               <a:cs typeface="Times New Roman" panose="02020603050405020304" pitchFamily="18" charset="0"/>
             </a:endParaRPr>
           </a:p>
+          <a:p>
+            <a:pPr marL="342900" lvl="0" indent="-342900" algn="just">
+              <a:spcAft>
+                <a:spcPts val="800"/>
+              </a:spcAft>
+              <a:buFont typeface="Courier New" panose="02070309020205020404" pitchFamily="49" charset="0"/>
+              <a:buChar char="o"/>
+            </a:pPr>
+            <a:r>
+              <a:rPr lang="ru-RU" kern="100" dirty="0">
+                <a:effectLst/>
+                <a:latin typeface="Times New Roman" panose="02020603050405020304" pitchFamily="18" charset="0"/>
+                <a:ea typeface="Aptos" panose="020B0004020202020204" pitchFamily="34" charset="0"/>
+                <a:cs typeface="Times New Roman" panose="02020603050405020304" pitchFamily="18" charset="0"/>
+              </a:rPr>
+              <a:t>Перспективность видов аугментации определялась посредством сравнения значений метрик </a:t>
+            </a:r>
+            <a:r>
+              <a:rPr lang="en-US" b="1" kern="100" dirty="0">
+                <a:latin typeface="Times New Roman" panose="02020603050405020304" pitchFamily="18" charset="0"/>
+                <a:ea typeface="Aptos" panose="020B0004020202020204" pitchFamily="34" charset="0"/>
+                <a:cs typeface="Times New Roman" panose="02020603050405020304" pitchFamily="18" charset="0"/>
+              </a:rPr>
+              <a:t>F</a:t>
+            </a:r>
+            <a:r>
+              <a:rPr lang="ru-RU" b="1" kern="100" dirty="0">
+                <a:latin typeface="Times New Roman" panose="02020603050405020304" pitchFamily="18" charset="0"/>
+                <a:ea typeface="Aptos" panose="020B0004020202020204" pitchFamily="34" charset="0"/>
+                <a:cs typeface="Times New Roman" panose="02020603050405020304" pitchFamily="18" charset="0"/>
+              </a:rPr>
+              <a:t>-</a:t>
+            </a:r>
+            <a:r>
+              <a:rPr lang="en-US" b="1" kern="100" dirty="0">
+                <a:latin typeface="Times New Roman" panose="02020603050405020304" pitchFamily="18" charset="0"/>
+                <a:ea typeface="Aptos" panose="020B0004020202020204" pitchFamily="34" charset="0"/>
+                <a:cs typeface="Times New Roman" panose="02020603050405020304" pitchFamily="18" charset="0"/>
+              </a:rPr>
+              <a:t>score </a:t>
+            </a:r>
+            <a:r>
+              <a:rPr lang="ru-RU" kern="100" dirty="0">
+                <a:latin typeface="Times New Roman" panose="02020603050405020304" pitchFamily="18" charset="0"/>
+                <a:ea typeface="Aptos" panose="020B0004020202020204" pitchFamily="34" charset="0"/>
+                <a:cs typeface="Times New Roman" panose="02020603050405020304" pitchFamily="18" charset="0"/>
+              </a:rPr>
+              <a:t>и </a:t>
+            </a:r>
+            <a:r>
+              <a:rPr lang="en-US" b="1" kern="100" dirty="0">
+                <a:latin typeface="Times New Roman" panose="02020603050405020304" pitchFamily="18" charset="0"/>
+                <a:ea typeface="Aptos" panose="020B0004020202020204" pitchFamily="34" charset="0"/>
+                <a:cs typeface="Times New Roman" panose="02020603050405020304" pitchFamily="18" charset="0"/>
+              </a:rPr>
+              <a:t>Accuracy</a:t>
+            </a:r>
+            <a:r>
+              <a:rPr lang="ru-RU" b="1" kern="100" dirty="0">
+                <a:latin typeface="Times New Roman" panose="02020603050405020304" pitchFamily="18" charset="0"/>
+                <a:ea typeface="Aptos" panose="020B0004020202020204" pitchFamily="34" charset="0"/>
+                <a:cs typeface="Times New Roman" panose="02020603050405020304" pitchFamily="18" charset="0"/>
+              </a:rPr>
+              <a:t> </a:t>
+            </a:r>
+            <a:r>
+              <a:rPr lang="ru-RU" kern="100" dirty="0">
+                <a:effectLst/>
+                <a:latin typeface="Times New Roman" panose="02020603050405020304" pitchFamily="18" charset="0"/>
+                <a:ea typeface="Aptos" panose="020B0004020202020204" pitchFamily="34" charset="0"/>
+                <a:cs typeface="Times New Roman" panose="02020603050405020304" pitchFamily="18" charset="0"/>
+              </a:rPr>
+              <a:t>со значениями, полученными на оригинальных данных.</a:t>
+            </a:r>
+            <a:endParaRPr lang="ru-RU" sz="1400" kern="100" dirty="0">
+              <a:effectLst/>
+              <a:latin typeface="Aptos" panose="020B0004020202020204" pitchFamily="34" charset="0"/>
+              <a:ea typeface="Aptos" panose="020B0004020202020204" pitchFamily="34" charset="0"/>
+              <a:cs typeface="Times New Roman" panose="02020603050405020304" pitchFamily="18" charset="0"/>
+            </a:endParaRPr>
+          </a:p>
         </p:txBody>
       </p:sp>
       <p:sp>
@@ -17566,7 +18544,7 @@
           <p:cNvPr id="6" name="Номер слайда 5">
             <a:extLst>
               <a:ext uri="{FF2B5EF4-FFF2-40B4-BE49-F238E27FC236}">
-                <a16:creationId xmlns:a16="http://schemas.microsoft.com/office/drawing/2014/main" id="{21B0C3BB-F02F-5FDC-C397-07809E473E53}"/>
+                <a16:creationId xmlns:a16="http://schemas.microsoft.com/office/drawing/2014/main" id="{42BDA4EE-33A5-9FEA-4F56-1F38F49F0973}"/>
               </a:ext>
             </a:extLst>
           </p:cNvPr>
@@ -17601,7 +18579,7 @@
     </p:spTree>
     <p:extLst>
       <p:ext uri="{BB962C8B-B14F-4D97-AF65-F5344CB8AC3E}">
-        <p14:creationId xmlns:p14="http://schemas.microsoft.com/office/powerpoint/2010/main" val="3233558694"/>
+        <p14:creationId xmlns:p14="http://schemas.microsoft.com/office/powerpoint/2010/main" val="1191494077"/>
       </p:ext>
     </p:extLst>
   </p:cSld>
@@ -17639,7 +18617,7 @@
           </p:nvPr>
         </p:nvPicPr>
         <p:blipFill rotWithShape="1">
-          <a:blip r:embed="rId3" cstate="print">
+          <a:blip r:embed="rId2" cstate="print">
             <a:extLst>
               <a:ext uri="{28A0092B-C50C-407E-A947-70E740481C1C}">
                 <a14:useLocalDpi xmlns:a14="http://schemas.microsoft.com/office/drawing/2010/main" val="0"/>
@@ -17720,7 +18698,7 @@
         </p:nvSpPr>
         <p:spPr>
           <a:xfrm>
-            <a:off x="1029532" y="258147"/>
+            <a:off x="1012782" y="288867"/>
             <a:ext cx="10184234" cy="769441"/>
           </a:xfrm>
           <a:prstGeom prst="rect">
@@ -17742,7 +18720,7 @@
                 </a:solidFill>
                 <a:cs typeface="Latha" panose="020B0502040204020203" pitchFamily="34" charset="0"/>
               </a:rPr>
-              <a:t>Результаты</a:t>
+              <a:t>Способы решения</a:t>
             </a:r>
             <a:endParaRPr lang="ru-RU" sz="5400" b="1" dirty="0">
               <a:solidFill>
@@ -17758,7 +18736,7 @@
           <p:cNvPr id="5" name="TextBox 4">
             <a:extLst>
               <a:ext uri="{FF2B5EF4-FFF2-40B4-BE49-F238E27FC236}">
-                <a16:creationId xmlns:a16="http://schemas.microsoft.com/office/drawing/2014/main" id="{13FB529B-10B9-296E-4512-52F429CEB733}"/>
+                <a16:creationId xmlns:a16="http://schemas.microsoft.com/office/drawing/2014/main" id="{37CBBCB5-5F71-9459-A4EB-6904434D1720}"/>
               </a:ext>
             </a:extLst>
           </p:cNvPr>
@@ -17767,8 +18745,8 @@
         </p:nvSpPr>
         <p:spPr>
           <a:xfrm>
-            <a:off x="1097281" y="1021038"/>
-            <a:ext cx="9991898" cy="661207"/>
+            <a:off x="603100" y="1578659"/>
+            <a:ext cx="10985800" cy="4013022"/>
           </a:xfrm>
           <a:prstGeom prst="rect">
             <a:avLst/>
@@ -17781,16 +18759,16 @@
           </a:bodyPr>
           <a:lstStyle/>
           <a:p>
-            <a:pPr algn="ctr">
+            <a:pPr algn="just">
               <a:lnSpc>
-                <a:spcPct val="150000"/>
+                <a:spcPct val="115000"/>
               </a:lnSpc>
               <a:spcAft>
                 <a:spcPts val="800"/>
               </a:spcAft>
             </a:pPr>
             <a:r>
-              <a:rPr lang="ru-RU" sz="2000" b="1" kern="100" dirty="0">
+              <a:rPr lang="ru-RU" sz="1800" b="1" kern="100" dirty="0">
                 <a:solidFill>
                   <a:srgbClr val="FF0000"/>
                 </a:solidFill>
@@ -17799,156 +18777,7 @@
                 <a:ea typeface="Aptos" panose="020B0004020202020204" pitchFamily="34" charset="0"/>
                 <a:cs typeface="Times New Roman" panose="02020603050405020304" pitchFamily="18" charset="0"/>
               </a:rPr>
-              <a:t>Результаты обучения модели </a:t>
-            </a:r>
-            <a:r>
-              <a:rPr lang="en-US" sz="2800" b="1" kern="100" dirty="0" err="1">
-                <a:solidFill>
-                  <a:srgbClr val="FF0000"/>
-                </a:solidFill>
-                <a:effectLst/>
-                <a:latin typeface="Times New Roman" panose="02020603050405020304" pitchFamily="18" charset="0"/>
-                <a:ea typeface="Aptos" panose="020B0004020202020204" pitchFamily="34" charset="0"/>
-                <a:cs typeface="Times New Roman" panose="02020603050405020304" pitchFamily="18" charset="0"/>
-              </a:rPr>
-              <a:t>GraphCodeBert</a:t>
-            </a:r>
-            <a:r>
-              <a:rPr lang="ru-RU" sz="2000" b="1" kern="100" dirty="0">
-                <a:solidFill>
-                  <a:srgbClr val="FF0000"/>
-                </a:solidFill>
-                <a:effectLst/>
-                <a:latin typeface="Times New Roman" panose="02020603050405020304" pitchFamily="18" charset="0"/>
-                <a:ea typeface="Aptos" panose="020B0004020202020204" pitchFamily="34" charset="0"/>
-                <a:cs typeface="Times New Roman" panose="02020603050405020304" pitchFamily="18" charset="0"/>
-              </a:rPr>
-              <a:t> на </a:t>
-            </a:r>
-            <a:r>
-              <a:rPr lang="ru-RU" sz="2000" b="1" kern="100" dirty="0" err="1">
-                <a:solidFill>
-                  <a:srgbClr val="FF0000"/>
-                </a:solidFill>
-                <a:effectLst/>
-                <a:latin typeface="Times New Roman" panose="02020603050405020304" pitchFamily="18" charset="0"/>
-                <a:ea typeface="Aptos" panose="020B0004020202020204" pitchFamily="34" charset="0"/>
-                <a:cs typeface="Times New Roman" panose="02020603050405020304" pitchFamily="18" charset="0"/>
-              </a:rPr>
-              <a:t>неаугментированном</a:t>
-            </a:r>
-            <a:r>
-              <a:rPr lang="ru-RU" sz="2000" b="1" kern="100" dirty="0">
-                <a:solidFill>
-                  <a:srgbClr val="FF0000"/>
-                </a:solidFill>
-                <a:effectLst/>
-                <a:latin typeface="Times New Roman" panose="02020603050405020304" pitchFamily="18" charset="0"/>
-                <a:ea typeface="Aptos" panose="020B0004020202020204" pitchFamily="34" charset="0"/>
-                <a:cs typeface="Times New Roman" panose="02020603050405020304" pitchFamily="18" charset="0"/>
-              </a:rPr>
-              <a:t> </a:t>
-            </a:r>
-            <a:r>
-              <a:rPr lang="ru-RU" sz="2000" b="1" kern="100" dirty="0" err="1">
-                <a:solidFill>
-                  <a:srgbClr val="FF0000"/>
-                </a:solidFill>
-                <a:effectLst/>
-                <a:latin typeface="Times New Roman" panose="02020603050405020304" pitchFamily="18" charset="0"/>
-                <a:ea typeface="Aptos" panose="020B0004020202020204" pitchFamily="34" charset="0"/>
-                <a:cs typeface="Times New Roman" panose="02020603050405020304" pitchFamily="18" charset="0"/>
-              </a:rPr>
-              <a:t>датасете</a:t>
-            </a:r>
-            <a:endParaRPr lang="ru-RU" sz="2000" kern="100" dirty="0">
-              <a:effectLst/>
-              <a:latin typeface="Aptos" panose="020B0004020202020204" pitchFamily="34" charset="0"/>
-              <a:ea typeface="Aptos" panose="020B0004020202020204" pitchFamily="34" charset="0"/>
-              <a:cs typeface="Times New Roman" panose="02020603050405020304" pitchFamily="18" charset="0"/>
-            </a:endParaRPr>
-          </a:p>
-        </p:txBody>
-      </p:sp>
-      <p:sp>
-        <p:nvSpPr>
-          <p:cNvPr id="10" name="TextBox 9">
-            <a:extLst>
-              <a:ext uri="{FF2B5EF4-FFF2-40B4-BE49-F238E27FC236}">
-                <a16:creationId xmlns:a16="http://schemas.microsoft.com/office/drawing/2014/main" id="{779FA153-D11D-61AE-DE78-D30E8EB3A173}"/>
-              </a:ext>
-            </a:extLst>
-          </p:cNvPr>
-          <p:cNvSpPr txBox="1"/>
-          <p:nvPr/>
-        </p:nvSpPr>
-        <p:spPr>
-          <a:xfrm>
-            <a:off x="1392811" y="5759084"/>
-            <a:ext cx="4373246" cy="646331"/>
-          </a:xfrm>
-          <a:prstGeom prst="rect">
-            <a:avLst/>
-          </a:prstGeom>
-          <a:noFill/>
-        </p:spPr>
-        <p:txBody>
-          <a:bodyPr wrap="square">
-            <a:spAutoFit/>
-          </a:bodyPr>
-          <a:lstStyle/>
-          <a:p>
-            <a:pPr algn="ctr"/>
-            <a:r>
-              <a:rPr lang="ru-RU" sz="1800" kern="100" dirty="0">
-                <a:effectLst/>
-                <a:latin typeface="Times New Roman" panose="02020603050405020304" pitchFamily="18" charset="0"/>
-                <a:ea typeface="Aptos" panose="020B0004020202020204" pitchFamily="34" charset="0"/>
-                <a:cs typeface="Times New Roman" panose="02020603050405020304" pitchFamily="18" charset="0"/>
-              </a:rPr>
-              <a:t>Графики точности на </a:t>
-            </a:r>
-            <a:r>
-              <a:rPr lang="ru-RU" sz="1800" kern="100" dirty="0">
-                <a:solidFill>
-                  <a:srgbClr val="000392"/>
-                </a:solidFill>
-                <a:effectLst/>
-                <a:latin typeface="Times New Roman" panose="02020603050405020304" pitchFamily="18" charset="0"/>
-                <a:ea typeface="Aptos" panose="020B0004020202020204" pitchFamily="34" charset="0"/>
-                <a:cs typeface="Times New Roman" panose="02020603050405020304" pitchFamily="18" charset="0"/>
-              </a:rPr>
-              <a:t>обучающем</a:t>
-            </a:r>
-            <a:r>
-              <a:rPr lang="ru-RU" sz="1800" kern="100" dirty="0">
-                <a:effectLst/>
-                <a:latin typeface="Times New Roman" panose="02020603050405020304" pitchFamily="18" charset="0"/>
-                <a:ea typeface="Aptos" panose="020B0004020202020204" pitchFamily="34" charset="0"/>
-                <a:cs typeface="Times New Roman" panose="02020603050405020304" pitchFamily="18" charset="0"/>
-              </a:rPr>
-              <a:t> и </a:t>
-            </a:r>
-            <a:r>
-              <a:rPr lang="ru-RU" sz="1800" kern="100" dirty="0">
-                <a:solidFill>
-                  <a:srgbClr val="D2A604"/>
-                </a:solidFill>
-                <a:effectLst/>
-                <a:latin typeface="Times New Roman" panose="02020603050405020304" pitchFamily="18" charset="0"/>
-                <a:ea typeface="Aptos" panose="020B0004020202020204" pitchFamily="34" charset="0"/>
-                <a:cs typeface="Times New Roman" panose="02020603050405020304" pitchFamily="18" charset="0"/>
-              </a:rPr>
-              <a:t>проверочном</a:t>
-            </a:r>
-            <a:r>
-              <a:rPr lang="ru-RU" sz="1800" kern="100" dirty="0">
-                <a:effectLst/>
-                <a:latin typeface="Times New Roman" panose="02020603050405020304" pitchFamily="18" charset="0"/>
-                <a:ea typeface="Aptos" panose="020B0004020202020204" pitchFamily="34" charset="0"/>
-                <a:cs typeface="Times New Roman" panose="02020603050405020304" pitchFamily="18" charset="0"/>
-              </a:rPr>
-              <a:t> наборах данных</a:t>
+              <a:t>Принятые для дообучения модели способы представления семантической структуры:</a:t>
             </a:r>
             <a:endParaRPr lang="ru-RU" sz="1400" kern="100" dirty="0">
               <a:effectLst/>
@@ -17957,44 +18786,32 @@
               <a:cs typeface="Times New Roman" panose="02020603050405020304" pitchFamily="18" charset="0"/>
             </a:endParaRPr>
           </a:p>
-        </p:txBody>
-      </p:sp>
-      <p:sp>
-        <p:nvSpPr>
-          <p:cNvPr id="13" name="TextBox 12">
-            <a:extLst>
-              <a:ext uri="{FF2B5EF4-FFF2-40B4-BE49-F238E27FC236}">
-                <a16:creationId xmlns:a16="http://schemas.microsoft.com/office/drawing/2014/main" id="{FC8EE14A-2106-55C0-661D-061A599D7B60}"/>
-              </a:ext>
-            </a:extLst>
-          </p:cNvPr>
-          <p:cNvSpPr txBox="1"/>
-          <p:nvPr/>
-        </p:nvSpPr>
-        <p:spPr>
-          <a:xfrm>
-            <a:off x="7613314" y="5773220"/>
-            <a:ext cx="4172260" cy="646331"/>
-          </a:xfrm>
-          <a:prstGeom prst="rect">
-            <a:avLst/>
-          </a:prstGeom>
-          <a:noFill/>
-        </p:spPr>
-        <p:txBody>
-          <a:bodyPr wrap="square">
-            <a:spAutoFit/>
-          </a:bodyPr>
-          <a:lstStyle/>
-          <a:p>
-            <a:pPr algn="ctr"/>
-            <a:r>
-              <a:rPr lang="ru-RU" kern="100" dirty="0">
-                <a:latin typeface="Times New Roman" panose="02020603050405020304" pitchFamily="18" charset="0"/>
-                <a:ea typeface="Aptos" panose="020B0004020202020204" pitchFamily="34" charset="0"/>
-                <a:cs typeface="Times New Roman" panose="02020603050405020304" pitchFamily="18" charset="0"/>
-              </a:rPr>
-              <a:t>Матрица ошибок модели, </a:t>
+          <a:p>
+            <a:pPr algn="just">
+              <a:lnSpc>
+                <a:spcPct val="115000"/>
+              </a:lnSpc>
+              <a:spcAft>
+                <a:spcPts val="800"/>
+              </a:spcAft>
+            </a:pPr>
+            <a:r>
+              <a:rPr lang="en-US" sz="1800" b="1" kern="100" dirty="0">
+                <a:effectLst/>
+                <a:latin typeface="Times New Roman" panose="02020603050405020304" pitchFamily="18" charset="0"/>
+                <a:ea typeface="Aptos" panose="020B0004020202020204" pitchFamily="34" charset="0"/>
+                <a:cs typeface="Times New Roman" panose="02020603050405020304" pitchFamily="18" charset="0"/>
+              </a:rPr>
+              <a:t>S</a:t>
+            </a:r>
+            <a:r>
+              <a:rPr lang="ru-RU" sz="1800" b="1" kern="100" dirty="0">
+                <a:effectLst/>
+                <a:latin typeface="Times New Roman" panose="02020603050405020304" pitchFamily="18" charset="0"/>
+                <a:ea typeface="Aptos" panose="020B0004020202020204" pitchFamily="34" charset="0"/>
+                <a:cs typeface="Times New Roman" panose="02020603050405020304" pitchFamily="18" charset="0"/>
+              </a:rPr>
+              <a:t>-выражения – </a:t>
             </a:r>
             <a:r>
               <a:rPr lang="ru-RU" sz="1800" kern="100" dirty="0">
@@ -18003,37 +18820,7 @@
                 <a:ea typeface="Aptos" panose="020B0004020202020204" pitchFamily="34" charset="0"/>
                 <a:cs typeface="Times New Roman" panose="02020603050405020304" pitchFamily="18" charset="0"/>
               </a:rPr>
-              <a:t>обученной </a:t>
-            </a:r>
-          </a:p>
-          <a:p>
-            <a:pPr algn="ctr"/>
-            <a:r>
-              <a:rPr lang="ru-RU" sz="1800" kern="100" dirty="0">
-                <a:effectLst/>
-                <a:latin typeface="Times New Roman" panose="02020603050405020304" pitchFamily="18" charset="0"/>
-                <a:ea typeface="Aptos" panose="020B0004020202020204" pitchFamily="34" charset="0"/>
-                <a:cs typeface="Times New Roman" panose="02020603050405020304" pitchFamily="18" charset="0"/>
-              </a:rPr>
-              <a:t>на </a:t>
-            </a:r>
-            <a:r>
-              <a:rPr lang="ru-RU" sz="1800" kern="100" dirty="0" err="1">
-                <a:effectLst/>
-                <a:latin typeface="Times New Roman" panose="02020603050405020304" pitchFamily="18" charset="0"/>
-                <a:ea typeface="Aptos" panose="020B0004020202020204" pitchFamily="34" charset="0"/>
-                <a:cs typeface="Times New Roman" panose="02020603050405020304" pitchFamily="18" charset="0"/>
-              </a:rPr>
-              <a:t>неаугментированных</a:t>
-            </a:r>
-            <a:r>
-              <a:rPr lang="ru-RU" sz="1800" kern="100" dirty="0">
-                <a:effectLst/>
-                <a:latin typeface="Times New Roman" panose="02020603050405020304" pitchFamily="18" charset="0"/>
-                <a:ea typeface="Aptos" panose="020B0004020202020204" pitchFamily="34" charset="0"/>
-                <a:cs typeface="Times New Roman" panose="02020603050405020304" pitchFamily="18" charset="0"/>
-              </a:rPr>
-              <a:t> данных</a:t>
+              <a:t>обход древовидной структуры кода, где корень и все вершины являются операторами, а листья - операндами с изначально инициализированными значениями. Основным отличием выступает запись в виде польской нотации, где оператор выносится перед операндами. </a:t>
             </a:r>
             <a:endParaRPr lang="ru-RU" sz="1400" kern="100" dirty="0">
               <a:effectLst/>
@@ -18042,6 +18829,193 @@
               <a:cs typeface="Times New Roman" panose="02020603050405020304" pitchFamily="18" charset="0"/>
             </a:endParaRPr>
           </a:p>
+          <a:p>
+            <a:pPr algn="just">
+              <a:lnSpc>
+                <a:spcPct val="115000"/>
+              </a:lnSpc>
+              <a:spcAft>
+                <a:spcPts val="800"/>
+              </a:spcAft>
+            </a:pPr>
+            <a:r>
+              <a:rPr lang="en-US" sz="1800" kern="100" dirty="0">
+                <a:effectLst/>
+                <a:latin typeface="Times New Roman" panose="02020603050405020304" pitchFamily="18" charset="0"/>
+                <a:ea typeface="Aptos" panose="020B0004020202020204" pitchFamily="34" charset="0"/>
+                <a:cs typeface="Times New Roman" panose="02020603050405020304" pitchFamily="18" charset="0"/>
+              </a:rPr>
+              <a:t>S</a:t>
+            </a:r>
+            <a:r>
+              <a:rPr lang="ru-RU" sz="1800" kern="100" dirty="0">
+                <a:effectLst/>
+                <a:latin typeface="Times New Roman" panose="02020603050405020304" pitchFamily="18" charset="0"/>
+                <a:ea typeface="Aptos" panose="020B0004020202020204" pitchFamily="34" charset="0"/>
+                <a:cs typeface="Times New Roman" panose="02020603050405020304" pitchFamily="18" charset="0"/>
+              </a:rPr>
+              <a:t>-выражения строились на основе использования метода </a:t>
+            </a:r>
+            <a:r>
+              <a:rPr lang="en-US" sz="1800" kern="100" dirty="0" err="1">
+                <a:effectLst/>
+                <a:latin typeface="Times New Roman" panose="02020603050405020304" pitchFamily="18" charset="0"/>
+                <a:ea typeface="Aptos" panose="020B0004020202020204" pitchFamily="34" charset="0"/>
+                <a:cs typeface="Times New Roman" panose="02020603050405020304" pitchFamily="18" charset="0"/>
+              </a:rPr>
+              <a:t>sexp</a:t>
+            </a:r>
+            <a:r>
+              <a:rPr lang="ru-RU" sz="1800" kern="100" dirty="0">
+                <a:effectLst/>
+                <a:latin typeface="Times New Roman" panose="02020603050405020304" pitchFamily="18" charset="0"/>
+                <a:ea typeface="Aptos" panose="020B0004020202020204" pitchFamily="34" charset="0"/>
+                <a:cs typeface="Times New Roman" panose="02020603050405020304" pitchFamily="18" charset="0"/>
+              </a:rPr>
+              <a:t>() библиотеки </a:t>
+            </a:r>
+            <a:r>
+              <a:rPr lang="en-US" sz="1800" kern="100" dirty="0">
+                <a:effectLst/>
+                <a:latin typeface="Times New Roman" panose="02020603050405020304" pitchFamily="18" charset="0"/>
+                <a:ea typeface="Aptos" panose="020B0004020202020204" pitchFamily="34" charset="0"/>
+                <a:cs typeface="Times New Roman" panose="02020603050405020304" pitchFamily="18" charset="0"/>
+              </a:rPr>
+              <a:t>Tree</a:t>
+            </a:r>
+            <a:r>
+              <a:rPr lang="ru-RU" sz="1800" kern="100" dirty="0">
+                <a:effectLst/>
+                <a:latin typeface="Times New Roman" panose="02020603050405020304" pitchFamily="18" charset="0"/>
+                <a:ea typeface="Aptos" panose="020B0004020202020204" pitchFamily="34" charset="0"/>
+                <a:cs typeface="Times New Roman" panose="02020603050405020304" pitchFamily="18" charset="0"/>
+              </a:rPr>
+              <a:t>-</a:t>
+            </a:r>
+            <a:r>
+              <a:rPr lang="en-US" sz="1800" kern="100" dirty="0">
+                <a:effectLst/>
+                <a:latin typeface="Times New Roman" panose="02020603050405020304" pitchFamily="18" charset="0"/>
+                <a:ea typeface="Aptos" panose="020B0004020202020204" pitchFamily="34" charset="0"/>
+                <a:cs typeface="Times New Roman" panose="02020603050405020304" pitchFamily="18" charset="0"/>
+              </a:rPr>
+              <a:t>sitter</a:t>
+            </a:r>
+            <a:r>
+              <a:rPr lang="ru-RU" sz="1800" kern="100" dirty="0">
+                <a:effectLst/>
+                <a:latin typeface="Times New Roman" panose="02020603050405020304" pitchFamily="18" charset="0"/>
+                <a:ea typeface="Aptos" panose="020B0004020202020204" pitchFamily="34" charset="0"/>
+                <a:cs typeface="Times New Roman" panose="02020603050405020304" pitchFamily="18" charset="0"/>
+              </a:rPr>
+              <a:t>.</a:t>
+            </a:r>
+          </a:p>
+          <a:p>
+            <a:pPr algn="just">
+              <a:lnSpc>
+                <a:spcPct val="115000"/>
+              </a:lnSpc>
+              <a:spcAft>
+                <a:spcPts val="800"/>
+              </a:spcAft>
+            </a:pPr>
+            <a:endParaRPr lang="ru-RU" sz="1400" kern="100" dirty="0">
+              <a:effectLst/>
+              <a:latin typeface="Aptos" panose="020B0004020202020204" pitchFamily="34" charset="0"/>
+              <a:ea typeface="Aptos" panose="020B0004020202020204" pitchFamily="34" charset="0"/>
+              <a:cs typeface="Times New Roman" panose="02020603050405020304" pitchFamily="18" charset="0"/>
+            </a:endParaRPr>
+          </a:p>
+          <a:p>
+            <a:pPr algn="just">
+              <a:lnSpc>
+                <a:spcPct val="115000"/>
+              </a:lnSpc>
+              <a:spcAft>
+                <a:spcPts val="800"/>
+              </a:spcAft>
+            </a:pPr>
+            <a:r>
+              <a:rPr lang="en-US" sz="1800" b="1" kern="100" dirty="0">
+                <a:effectLst/>
+                <a:latin typeface="Times New Roman" panose="02020603050405020304" pitchFamily="18" charset="0"/>
+                <a:ea typeface="Aptos" panose="020B0004020202020204" pitchFamily="34" charset="0"/>
+                <a:cs typeface="Times New Roman" panose="02020603050405020304" pitchFamily="18" charset="0"/>
+              </a:rPr>
+              <a:t>AST</a:t>
+            </a:r>
+            <a:r>
+              <a:rPr lang="ru-RU" sz="1800" b="1" kern="100" dirty="0">
+                <a:effectLst/>
+                <a:latin typeface="Times New Roman" panose="02020603050405020304" pitchFamily="18" charset="0"/>
+                <a:ea typeface="Aptos" panose="020B0004020202020204" pitchFamily="34" charset="0"/>
+                <a:cs typeface="Times New Roman" panose="02020603050405020304" pitchFamily="18" charset="0"/>
+              </a:rPr>
+              <a:t>-деревья - </a:t>
+            </a:r>
+            <a:r>
+              <a:rPr lang="ru-RU" sz="1800" kern="100" dirty="0">
+                <a:effectLst/>
+                <a:latin typeface="Times New Roman" panose="02020603050405020304" pitchFamily="18" charset="0"/>
+                <a:ea typeface="Aptos" panose="020B0004020202020204" pitchFamily="34" charset="0"/>
+                <a:cs typeface="Times New Roman" panose="02020603050405020304" pitchFamily="18" charset="0"/>
+              </a:rPr>
+              <a:t>конечное ориентированное дерево, с внутренними вершинами, соответствующими операторам языка программирования, а листья – операндам. </a:t>
+            </a:r>
+            <a:endParaRPr lang="ru-RU" sz="1400" kern="100" dirty="0">
+              <a:effectLst/>
+              <a:latin typeface="Aptos" panose="020B0004020202020204" pitchFamily="34" charset="0"/>
+              <a:ea typeface="Aptos" panose="020B0004020202020204" pitchFamily="34" charset="0"/>
+              <a:cs typeface="Times New Roman" panose="02020603050405020304" pitchFamily="18" charset="0"/>
+            </a:endParaRPr>
+          </a:p>
+          <a:p>
+            <a:pPr algn="just">
+              <a:lnSpc>
+                <a:spcPct val="115000"/>
+              </a:lnSpc>
+            </a:pPr>
+            <a:r>
+              <a:rPr lang="ru-RU" sz="1800" kern="100" dirty="0">
+                <a:effectLst/>
+                <a:latin typeface="Times New Roman" panose="02020603050405020304" pitchFamily="18" charset="0"/>
+                <a:ea typeface="Aptos" panose="020B0004020202020204" pitchFamily="34" charset="0"/>
+                <a:cs typeface="Times New Roman" panose="02020603050405020304" pitchFamily="18" charset="0"/>
+              </a:rPr>
+              <a:t>В эксперименте использовались модифицированные представления, основанные на обход</a:t>
+            </a:r>
+            <a:r>
+              <a:rPr lang="ru-RU" kern="100" dirty="0">
+                <a:latin typeface="Times New Roman" panose="02020603050405020304" pitchFamily="18" charset="0"/>
+                <a:ea typeface="Aptos" panose="020B0004020202020204" pitchFamily="34" charset="0"/>
+                <a:cs typeface="Times New Roman" panose="02020603050405020304" pitchFamily="18" charset="0"/>
+              </a:rPr>
+              <a:t>ах</a:t>
+            </a:r>
+            <a:r>
+              <a:rPr lang="ru-RU" sz="1800" kern="100" dirty="0">
+                <a:effectLst/>
+                <a:latin typeface="Times New Roman" panose="02020603050405020304" pitchFamily="18" charset="0"/>
+                <a:ea typeface="Aptos" panose="020B0004020202020204" pitchFamily="34" charset="0"/>
+                <a:cs typeface="Times New Roman" panose="02020603050405020304" pitchFamily="18" charset="0"/>
+              </a:rPr>
+              <a:t> в глубину и в ширину. </a:t>
+            </a:r>
+          </a:p>
+          <a:p>
+            <a:pPr algn="just">
+              <a:lnSpc>
+                <a:spcPct val="115000"/>
+              </a:lnSpc>
+            </a:pPr>
+            <a:endParaRPr lang="ru-RU" sz="1800" kern="100" dirty="0">
+              <a:effectLst/>
+              <a:latin typeface="Times New Roman" panose="02020603050405020304" pitchFamily="18" charset="0"/>
+              <a:ea typeface="Aptos" panose="020B0004020202020204" pitchFamily="34" charset="0"/>
+              <a:cs typeface="Times New Roman" panose="02020603050405020304" pitchFamily="18" charset="0"/>
+            </a:endParaRPr>
+          </a:p>
         </p:txBody>
       </p:sp>
       <p:sp>
@@ -18049,7 +19023,7 @@
           <p:cNvPr id="6" name="Номер слайда 5">
             <a:extLst>
               <a:ext uri="{FF2B5EF4-FFF2-40B4-BE49-F238E27FC236}">
-                <a16:creationId xmlns:a16="http://schemas.microsoft.com/office/drawing/2014/main" id="{9735C272-0E78-B509-7622-A939616B6487}"/>
+                <a16:creationId xmlns:a16="http://schemas.microsoft.com/office/drawing/2014/main" id="{21B0C3BB-F02F-5FDC-C397-07809E473E53}"/>
               </a:ext>
             </a:extLst>
           </p:cNvPr>
@@ -18060,12 +19034,7 @@
             <p:ph type="sldNum" sz="quarter" idx="12"/>
           </p:nvPr>
         </p:nvSpPr>
-        <p:spPr>
-          <a:xfrm>
-            <a:off x="8570424" y="6391793"/>
-            <a:ext cx="2743200" cy="365125"/>
-          </a:xfrm>
-        </p:spPr>
+        <p:spPr/>
         <p:txBody>
           <a:bodyPr/>
           <a:lstStyle/>
@@ -18086,80 +19055,10 @@
           </a:p>
         </p:txBody>
       </p:sp>
-      <p:pic>
-        <p:nvPicPr>
-          <p:cNvPr id="12" name="Рисунок 11" descr="Изображение выглядит как текст, диаграмма, линия, График&#10;&#10;Автоматически созданное описание">
-            <a:extLst>
-              <a:ext uri="{FF2B5EF4-FFF2-40B4-BE49-F238E27FC236}">
-                <a16:creationId xmlns:a16="http://schemas.microsoft.com/office/drawing/2014/main" id="{9502E009-1C8A-ADFF-5A6E-0E62368B033B}"/>
-              </a:ext>
-            </a:extLst>
-          </p:cNvPr>
-          <p:cNvPicPr>
-            <a:picLocks noChangeAspect="1"/>
-          </p:cNvPicPr>
-          <p:nvPr/>
-        </p:nvPicPr>
-        <p:blipFill rotWithShape="1">
-          <a:blip r:embed="rId4">
-            <a:extLst>
-              <a:ext uri="{28A0092B-C50C-407E-A947-70E740481C1C}">
-                <a14:useLocalDpi xmlns:a14="http://schemas.microsoft.com/office/drawing/2010/main" val="0"/>
-              </a:ext>
-            </a:extLst>
-          </a:blip>
-          <a:srcRect l="4640" t="7040" r="9451" b="-723"/>
-          <a:stretch/>
-        </p:blipFill>
-        <p:spPr>
-          <a:xfrm>
-            <a:off x="258972" y="1871996"/>
-            <a:ext cx="6698654" cy="3911056"/>
-          </a:xfrm>
-          <a:prstGeom prst="rect">
-            <a:avLst/>
-          </a:prstGeom>
-        </p:spPr>
-      </p:pic>
-      <p:pic>
-        <p:nvPicPr>
-          <p:cNvPr id="15" name="Рисунок 14" descr="Изображение выглядит как текст, снимок экрана, диаграмма, Красочность&#10;&#10;Автоматически созданное описание">
-            <a:extLst>
-              <a:ext uri="{FF2B5EF4-FFF2-40B4-BE49-F238E27FC236}">
-                <a16:creationId xmlns:a16="http://schemas.microsoft.com/office/drawing/2014/main" id="{B63F6910-B560-A1EB-08FA-FEA9D049FEF6}"/>
-              </a:ext>
-            </a:extLst>
-          </p:cNvPr>
-          <p:cNvPicPr>
-            <a:picLocks noChangeAspect="1"/>
-          </p:cNvPicPr>
-          <p:nvPr/>
-        </p:nvPicPr>
-        <p:blipFill rotWithShape="1">
-          <a:blip r:embed="rId5">
-            <a:extLst>
-              <a:ext uri="{28A0092B-C50C-407E-A947-70E740481C1C}">
-                <a14:useLocalDpi xmlns:a14="http://schemas.microsoft.com/office/drawing/2010/main" val="0"/>
-              </a:ext>
-            </a:extLst>
-          </a:blip>
-          <a:srcRect l="9320" t="-2890" r="7330" b="-1312"/>
-          <a:stretch/>
-        </p:blipFill>
-        <p:spPr>
-          <a:xfrm>
-            <a:off x="7561005" y="1457287"/>
-            <a:ext cx="4521933" cy="4239942"/>
-          </a:xfrm>
-          <a:prstGeom prst="rect">
-            <a:avLst/>
-          </a:prstGeom>
-        </p:spPr>
-      </p:pic>
     </p:spTree>
     <p:extLst>
       <p:ext uri="{BB962C8B-B14F-4D97-AF65-F5344CB8AC3E}">
-        <p14:creationId xmlns:p14="http://schemas.microsoft.com/office/powerpoint/2010/main" val="1541915780"/>
+        <p14:creationId xmlns:p14="http://schemas.microsoft.com/office/powerpoint/2010/main" val="3233558694"/>
       </p:ext>
     </p:extLst>
   </p:cSld>
